--- a/Documentazione/database.pptx
+++ b/Documentazione/database.pptx
@@ -193,7 +193,7 @@
             <a:fld id="{E36400BA-0FAF-41C7-AD02-864713816CB5}" type="datetimeFigureOut">
               <a:rPr lang="it-IT" smtClean="0"/>
               <a:pPr/>
-              <a:t>02/09/2016</a:t>
+              <a:t>01/10/2016</a:t>
             </a:fld>
             <a:endParaRPr lang="it-IT"/>
           </a:p>
@@ -723,7 +723,7 @@
             <a:fld id="{920B080A-5D88-430C-A764-4252F62C936A}" type="datetimeFigureOut">
               <a:rPr lang="it-IT" smtClean="0"/>
               <a:pPr/>
-              <a:t>02/09/2016</a:t>
+              <a:t>01/10/2016</a:t>
             </a:fld>
             <a:endParaRPr lang="it-IT"/>
           </a:p>
@@ -890,7 +890,7 @@
             <a:fld id="{920B080A-5D88-430C-A764-4252F62C936A}" type="datetimeFigureOut">
               <a:rPr lang="it-IT" smtClean="0"/>
               <a:pPr/>
-              <a:t>02/09/2016</a:t>
+              <a:t>01/10/2016</a:t>
             </a:fld>
             <a:endParaRPr lang="it-IT"/>
           </a:p>
@@ -1067,7 +1067,7 @@
             <a:fld id="{920B080A-5D88-430C-A764-4252F62C936A}" type="datetimeFigureOut">
               <a:rPr lang="it-IT" smtClean="0"/>
               <a:pPr/>
-              <a:t>02/09/2016</a:t>
+              <a:t>01/10/2016</a:t>
             </a:fld>
             <a:endParaRPr lang="it-IT"/>
           </a:p>
@@ -1234,7 +1234,7 @@
             <a:fld id="{920B080A-5D88-430C-A764-4252F62C936A}" type="datetimeFigureOut">
               <a:rPr lang="it-IT" smtClean="0"/>
               <a:pPr/>
-              <a:t>02/09/2016</a:t>
+              <a:t>01/10/2016</a:t>
             </a:fld>
             <a:endParaRPr lang="it-IT"/>
           </a:p>
@@ -1477,7 +1477,7 @@
             <a:fld id="{920B080A-5D88-430C-A764-4252F62C936A}" type="datetimeFigureOut">
               <a:rPr lang="it-IT" smtClean="0"/>
               <a:pPr/>
-              <a:t>02/09/2016</a:t>
+              <a:t>01/10/2016</a:t>
             </a:fld>
             <a:endParaRPr lang="it-IT"/>
           </a:p>
@@ -1762,7 +1762,7 @@
             <a:fld id="{920B080A-5D88-430C-A764-4252F62C936A}" type="datetimeFigureOut">
               <a:rPr lang="it-IT" smtClean="0"/>
               <a:pPr/>
-              <a:t>02/09/2016</a:t>
+              <a:t>01/10/2016</a:t>
             </a:fld>
             <a:endParaRPr lang="it-IT"/>
           </a:p>
@@ -2186,7 +2186,7 @@
             <a:fld id="{920B080A-5D88-430C-A764-4252F62C936A}" type="datetimeFigureOut">
               <a:rPr lang="it-IT" smtClean="0"/>
               <a:pPr/>
-              <a:t>02/09/2016</a:t>
+              <a:t>01/10/2016</a:t>
             </a:fld>
             <a:endParaRPr lang="it-IT"/>
           </a:p>
@@ -2301,7 +2301,7 @@
             <a:fld id="{920B080A-5D88-430C-A764-4252F62C936A}" type="datetimeFigureOut">
               <a:rPr lang="it-IT" smtClean="0"/>
               <a:pPr/>
-              <a:t>02/09/2016</a:t>
+              <a:t>01/10/2016</a:t>
             </a:fld>
             <a:endParaRPr lang="it-IT"/>
           </a:p>
@@ -2393,7 +2393,7 @@
             <a:fld id="{920B080A-5D88-430C-A764-4252F62C936A}" type="datetimeFigureOut">
               <a:rPr lang="it-IT" smtClean="0"/>
               <a:pPr/>
-              <a:t>02/09/2016</a:t>
+              <a:t>01/10/2016</a:t>
             </a:fld>
             <a:endParaRPr lang="it-IT"/>
           </a:p>
@@ -2667,7 +2667,7 @@
             <a:fld id="{920B080A-5D88-430C-A764-4252F62C936A}" type="datetimeFigureOut">
               <a:rPr lang="it-IT" smtClean="0"/>
               <a:pPr/>
-              <a:t>02/09/2016</a:t>
+              <a:t>01/10/2016</a:t>
             </a:fld>
             <a:endParaRPr lang="it-IT"/>
           </a:p>
@@ -2917,7 +2917,7 @@
             <a:fld id="{920B080A-5D88-430C-A764-4252F62C936A}" type="datetimeFigureOut">
               <a:rPr lang="it-IT" smtClean="0"/>
               <a:pPr/>
-              <a:t>02/09/2016</a:t>
+              <a:t>01/10/2016</a:t>
             </a:fld>
             <a:endParaRPr lang="it-IT"/>
           </a:p>
@@ -3127,7 +3127,7 @@
             <a:fld id="{920B080A-5D88-430C-A764-4252F62C936A}" type="datetimeFigureOut">
               <a:rPr lang="it-IT" smtClean="0"/>
               <a:pPr/>
-              <a:t>02/09/2016</a:t>
+              <a:t>01/10/2016</a:t>
             </a:fld>
             <a:endParaRPr lang="it-IT"/>
           </a:p>
@@ -6331,8 +6331,8 @@
         </p:nvCxnSpPr>
         <p:spPr>
           <a:xfrm>
-            <a:off x="2627784" y="699542"/>
-            <a:ext cx="4536504" cy="0"/>
+            <a:off x="2555776" y="699542"/>
+            <a:ext cx="4608512" cy="0"/>
           </a:xfrm>
           <a:prstGeom prst="line">
             <a:avLst/>
@@ -7024,13 +7024,15 @@
       <p:cxnSp>
         <p:nvCxnSpPr>
           <p:cNvPr id="122" name="Connettore 1 121"/>
-          <p:cNvCxnSpPr/>
+          <p:cNvCxnSpPr>
+            <a:endCxn id="65" idx="0"/>
+          </p:cNvCxnSpPr>
           <p:nvPr/>
         </p:nvCxnSpPr>
         <p:spPr>
           <a:xfrm>
-            <a:off x="2627784" y="699542"/>
-            <a:ext cx="0" cy="1152128"/>
+            <a:off x="2555776" y="699542"/>
+            <a:ext cx="0" cy="1111870"/>
           </a:xfrm>
           <a:prstGeom prst="line">
             <a:avLst/>
@@ -7065,7 +7067,7 @@
         <p:spPr>
           <a:xfrm>
             <a:off x="1619672" y="2387476"/>
-            <a:ext cx="1008112" cy="0"/>
+            <a:ext cx="936104" cy="0"/>
           </a:xfrm>
           <a:prstGeom prst="line">
             <a:avLst/>
@@ -7101,8 +7103,8 @@
         </p:nvCxnSpPr>
         <p:spPr>
           <a:xfrm>
-            <a:off x="2627784" y="2099444"/>
-            <a:ext cx="0" cy="288032"/>
+            <a:off x="2555776" y="2099444"/>
+            <a:ext cx="0" cy="288098"/>
           </a:xfrm>
           <a:prstGeom prst="line">
             <a:avLst/>
@@ -7370,13 +7372,111 @@
       <p:cxnSp>
         <p:nvCxnSpPr>
           <p:cNvPr id="162" name="Connettore 1 161"/>
+          <p:cNvCxnSpPr>
+            <a:stCxn id="351" idx="1"/>
+            <a:endCxn id="28" idx="3"/>
+          </p:cNvCxnSpPr>
+          <p:nvPr/>
+        </p:nvCxnSpPr>
+        <p:spPr>
+          <a:xfrm flipH="1">
+            <a:off x="1259632" y="305634"/>
+            <a:ext cx="1296144" cy="707"/>
+          </a:xfrm>
+          <a:prstGeom prst="line">
+            <a:avLst/>
+          </a:prstGeom>
+          <a:ln>
+            <a:solidFill>
+              <a:schemeClr val="tx1"/>
+            </a:solidFill>
+          </a:ln>
+        </p:spPr>
+        <p:style>
+          <a:lnRef idx="1">
+            <a:schemeClr val="accent1"/>
+          </a:lnRef>
+          <a:fillRef idx="0">
+            <a:schemeClr val="accent1"/>
+          </a:fillRef>
+          <a:effectRef idx="0">
+            <a:schemeClr val="accent1"/>
+          </a:effectRef>
+          <a:fontRef idx="minor">
+            <a:schemeClr val="tx1"/>
+          </a:fontRef>
+        </p:style>
+      </p:cxnSp>
+      <p:sp>
+        <p:nvSpPr>
+          <p:cNvPr id="169" name="CasellaDiTesto 168"/>
+          <p:cNvSpPr txBox="1"/>
+          <p:nvPr/>
+        </p:nvSpPr>
+        <p:spPr>
+          <a:xfrm>
+            <a:off x="391264" y="596124"/>
+            <a:ext cx="448940" cy="192360"/>
+          </a:xfrm>
+          <a:prstGeom prst="rect">
+            <a:avLst/>
+          </a:prstGeom>
+          <a:noFill/>
+        </p:spPr>
+        <p:txBody>
+          <a:bodyPr wrap="square" rtlCol="0">
+            <a:spAutoFit/>
+          </a:bodyPr>
+          <a:lstStyle/>
+          <a:p>
+            <a:r>
+              <a:rPr lang="it-IT" sz="650" dirty="0" smtClean="0"/>
+              <a:t>CODE</a:t>
+            </a:r>
+            <a:endParaRPr lang="it-IT" sz="650" dirty="0"/>
+          </a:p>
+        </p:txBody>
+      </p:sp>
+      <p:sp>
+        <p:nvSpPr>
+          <p:cNvPr id="170" name="CasellaDiTesto 169"/>
+          <p:cNvSpPr txBox="1"/>
+          <p:nvPr/>
+        </p:nvSpPr>
+        <p:spPr>
+          <a:xfrm>
+            <a:off x="1001196" y="597861"/>
+            <a:ext cx="684014" cy="192360"/>
+          </a:xfrm>
+          <a:prstGeom prst="rect">
+            <a:avLst/>
+          </a:prstGeom>
+          <a:noFill/>
+        </p:spPr>
+        <p:txBody>
+          <a:bodyPr wrap="square" rtlCol="0">
+            <a:spAutoFit/>
+          </a:bodyPr>
+          <a:lstStyle/>
+          <a:p>
+            <a:r>
+              <a:rPr lang="it-IT" sz="650" dirty="0" smtClean="0"/>
+              <a:t>DESCRIPTION</a:t>
+            </a:r>
+            <a:endParaRPr lang="it-IT" sz="650" dirty="0"/>
+          </a:p>
+        </p:txBody>
+      </p:sp>
+      <p:cxnSp>
+        <p:nvCxnSpPr>
+          <p:cNvPr id="171" name="Connettore 1 170"/>
           <p:cNvCxnSpPr/>
           <p:nvPr/>
         </p:nvCxnSpPr>
         <p:spPr>
-          <a:xfrm flipH="1">
-            <a:off x="1259632" y="254794"/>
-            <a:ext cx="144016" cy="0"/>
+          <a:xfrm>
+            <a:off x="1187624" y="1123970"/>
+            <a:ext cx="0" cy="144016"/>
           </a:xfrm>
           <a:prstGeom prst="line">
             <a:avLst/>
@@ -7404,13 +7504,126 @@
       </p:cxnSp>
       <p:sp>
         <p:nvSpPr>
-          <p:cNvPr id="166" name="Ovale 165"/>
+          <p:cNvPr id="172" name="Ovale 171"/>
           <p:cNvSpPr/>
           <p:nvPr/>
         </p:nvSpPr>
         <p:spPr>
           <a:xfrm rot="5400000" flipH="1">
-            <a:off x="1403648" y="223044"/>
+            <a:off x="1153716" y="1091332"/>
+            <a:ext cx="72008" cy="72008"/>
+          </a:xfrm>
+          <a:prstGeom prst="ellipse">
+            <a:avLst/>
+          </a:prstGeom>
+          <a:solidFill>
+            <a:schemeClr val="tx1"/>
+          </a:solidFill>
+          <a:ln w="12700">
+            <a:solidFill>
+              <a:schemeClr val="tx1"/>
+            </a:solidFill>
+          </a:ln>
+        </p:spPr>
+        <p:style>
+          <a:lnRef idx="2">
+            <a:schemeClr val="accent1">
+              <a:shade val="50000"/>
+            </a:schemeClr>
+          </a:lnRef>
+          <a:fillRef idx="1">
+            <a:schemeClr val="accent1"/>
+          </a:fillRef>
+          <a:effectRef idx="0">
+            <a:schemeClr val="accent1"/>
+          </a:effectRef>
+          <a:fontRef idx="minor">
+            <a:schemeClr val="lt1"/>
+          </a:fontRef>
+        </p:style>
+        <p:txBody>
+          <a:bodyPr rtlCol="0" anchor="ctr"/>
+          <a:lstStyle/>
+          <a:p>
+            <a:pPr algn="ctr"/>
+            <a:endParaRPr lang="it-IT" dirty="0"/>
+          </a:p>
+        </p:txBody>
+      </p:sp>
+      <p:sp>
+        <p:nvSpPr>
+          <p:cNvPr id="180" name="CasellaDiTesto 179"/>
+          <p:cNvSpPr txBox="1"/>
+          <p:nvPr/>
+        </p:nvSpPr>
+        <p:spPr>
+          <a:xfrm>
+            <a:off x="1005508" y="928266"/>
+            <a:ext cx="448940" cy="192360"/>
+          </a:xfrm>
+          <a:prstGeom prst="rect">
+            <a:avLst/>
+          </a:prstGeom>
+          <a:noFill/>
+        </p:spPr>
+        <p:txBody>
+          <a:bodyPr wrap="square" rtlCol="0">
+            <a:spAutoFit/>
+          </a:bodyPr>
+          <a:lstStyle/>
+          <a:p>
+            <a:r>
+              <a:rPr lang="it-IT" sz="650" dirty="0" smtClean="0"/>
+              <a:t>CODE</a:t>
+            </a:r>
+            <a:endParaRPr lang="it-IT" sz="650" dirty="0"/>
+          </a:p>
+        </p:txBody>
+      </p:sp>
+      <p:cxnSp>
+        <p:nvCxnSpPr>
+          <p:cNvPr id="181" name="Connettore 1 180"/>
+          <p:cNvCxnSpPr/>
+          <p:nvPr/>
+        </p:nvCxnSpPr>
+        <p:spPr>
+          <a:xfrm>
+            <a:off x="611560" y="1988066"/>
+            <a:ext cx="0" cy="144016"/>
+          </a:xfrm>
+          <a:prstGeom prst="line">
+            <a:avLst/>
+          </a:prstGeom>
+          <a:ln>
+            <a:solidFill>
+              <a:schemeClr val="tx1"/>
+            </a:solidFill>
+          </a:ln>
+        </p:spPr>
+        <p:style>
+          <a:lnRef idx="1">
+            <a:schemeClr val="accent1"/>
+          </a:lnRef>
+          <a:fillRef idx="0">
+            <a:schemeClr val="accent1"/>
+          </a:fillRef>
+          <a:effectRef idx="0">
+            <a:schemeClr val="accent1"/>
+          </a:effectRef>
+          <a:fontRef idx="minor">
+            <a:schemeClr val="tx1"/>
+          </a:fontRef>
+        </p:style>
+      </p:cxnSp>
+      <p:sp>
+        <p:nvSpPr>
+          <p:cNvPr id="182" name="Ovale 181"/>
+          <p:cNvSpPr/>
+          <p:nvPr/>
+        </p:nvSpPr>
+        <p:spPr>
+          <a:xfrm rot="5400000" flipH="1">
+            <a:off x="581080" y="2109222"/>
             <a:ext cx="72008" cy="72008"/>
           </a:xfrm>
           <a:prstGeom prst="ellipse">
@@ -7450,16 +7663,46 @@
           </a:p>
         </p:txBody>
       </p:sp>
+      <p:sp>
+        <p:nvSpPr>
+          <p:cNvPr id="183" name="CasellaDiTesto 182"/>
+          <p:cNvSpPr txBox="1"/>
+          <p:nvPr/>
+        </p:nvSpPr>
+        <p:spPr>
+          <a:xfrm>
+            <a:off x="418396" y="2188850"/>
+            <a:ext cx="448940" cy="192360"/>
+          </a:xfrm>
+          <a:prstGeom prst="rect">
+            <a:avLst/>
+          </a:prstGeom>
+          <a:noFill/>
+        </p:spPr>
+        <p:txBody>
+          <a:bodyPr wrap="square" rtlCol="0">
+            <a:spAutoFit/>
+          </a:bodyPr>
+          <a:lstStyle/>
+          <a:p>
+            <a:r>
+              <a:rPr lang="it-IT" sz="650" dirty="0" smtClean="0"/>
+              <a:t>FOUND</a:t>
+            </a:r>
+            <a:endParaRPr lang="it-IT" sz="650" dirty="0"/>
+          </a:p>
+        </p:txBody>
+      </p:sp>
       <p:cxnSp>
         <p:nvCxnSpPr>
-          <p:cNvPr id="167" name="Connettore 1 166"/>
+          <p:cNvPr id="186" name="Connettore 1 185"/>
           <p:cNvCxnSpPr/>
           <p:nvPr/>
         </p:nvCxnSpPr>
         <p:spPr>
-          <a:xfrm flipH="1">
-            <a:off x="1259632" y="371252"/>
-            <a:ext cx="144016" cy="0"/>
+          <a:xfrm>
+            <a:off x="539552" y="1491630"/>
+            <a:ext cx="0" cy="144016"/>
           </a:xfrm>
           <a:prstGeom prst="line">
             <a:avLst/>
@@ -7487,20 +7730,20 @@
       </p:cxnSp>
       <p:sp>
         <p:nvSpPr>
-          <p:cNvPr id="168" name="Ovale 167"/>
+          <p:cNvPr id="187" name="Ovale 186"/>
           <p:cNvSpPr/>
           <p:nvPr/>
         </p:nvSpPr>
         <p:spPr>
           <a:xfrm rot="5400000" flipH="1">
-            <a:off x="1403648" y="339502"/>
+            <a:off x="499294" y="1616596"/>
             <a:ext cx="72008" cy="72008"/>
           </a:xfrm>
           <a:prstGeom prst="ellipse">
             <a:avLst/>
           </a:prstGeom>
           <a:solidFill>
-            <a:schemeClr val="tx1"/>
+            <a:schemeClr val="bg1"/>
           </a:solidFill>
           <a:ln w="12700">
             <a:solidFill>
@@ -7535,13 +7778,13 @@
       </p:sp>
       <p:sp>
         <p:nvSpPr>
-          <p:cNvPr id="169" name="CasellaDiTesto 168"/>
+          <p:cNvPr id="188" name="CasellaDiTesto 187"/>
           <p:cNvSpPr txBox="1"/>
           <p:nvPr/>
         </p:nvSpPr>
         <p:spPr>
           <a:xfrm>
-            <a:off x="1437556" y="280194"/>
+            <a:off x="401886" y="1654696"/>
             <a:ext cx="448940" cy="192360"/>
           </a:xfrm>
           <a:prstGeom prst="rect">
@@ -7557,37 +7800,7 @@
           <a:p>
             <a:r>
               <a:rPr lang="it-IT" sz="650" dirty="0" smtClean="0"/>
-              <a:t>CODE</a:t>
-            </a:r>
-            <a:endParaRPr lang="it-IT" sz="650" dirty="0"/>
-          </a:p>
-        </p:txBody>
-      </p:sp>
-      <p:sp>
-        <p:nvSpPr>
-          <p:cNvPr id="170" name="CasellaDiTesto 169"/>
-          <p:cNvSpPr txBox="1"/>
-          <p:nvPr/>
-        </p:nvSpPr>
-        <p:spPr>
-          <a:xfrm>
-            <a:off x="1439714" y="165770"/>
-            <a:ext cx="684014" cy="192360"/>
-          </a:xfrm>
-          <a:prstGeom prst="rect">
-            <a:avLst/>
-          </a:prstGeom>
-          <a:noFill/>
-        </p:spPr>
-        <p:txBody>
-          <a:bodyPr wrap="square" rtlCol="0">
-            <a:spAutoFit/>
-          </a:bodyPr>
-          <a:lstStyle/>
-          <a:p>
-            <a:r>
-              <a:rPr lang="it-IT" sz="650" dirty="0" smtClean="0"/>
-              <a:t>DESCRIPTION</a:t>
+              <a:t>INFO</a:t>
             </a:r>
             <a:endParaRPr lang="it-IT" sz="650" dirty="0"/>
           </a:p>
@@ -7595,13 +7808,13 @@
       </p:sp>
       <p:cxnSp>
         <p:nvCxnSpPr>
-          <p:cNvPr id="171" name="Connettore 1 170"/>
+          <p:cNvPr id="190" name="Connettore 1 189"/>
           <p:cNvCxnSpPr/>
           <p:nvPr/>
         </p:nvCxnSpPr>
         <p:spPr>
           <a:xfrm>
-            <a:off x="1187624" y="1123970"/>
+            <a:off x="1187624" y="1491630"/>
             <a:ext cx="0" cy="144016"/>
           </a:xfrm>
           <a:prstGeom prst="line">
@@ -7630,20 +7843,20 @@
       </p:cxnSp>
       <p:sp>
         <p:nvSpPr>
-          <p:cNvPr id="172" name="Ovale 171"/>
+          <p:cNvPr id="191" name="Ovale 190"/>
           <p:cNvSpPr/>
           <p:nvPr/>
         </p:nvSpPr>
         <p:spPr>
           <a:xfrm rot="5400000" flipH="1">
-            <a:off x="1153716" y="1091332"/>
+            <a:off x="1147366" y="1616596"/>
             <a:ext cx="72008" cy="72008"/>
           </a:xfrm>
           <a:prstGeom prst="ellipse">
             <a:avLst/>
           </a:prstGeom>
           <a:solidFill>
-            <a:schemeClr val="tx1"/>
+            <a:schemeClr val="bg1"/>
           </a:solidFill>
           <a:ln w="12700">
             <a:solidFill>
@@ -7678,14 +7891,14 @@
       </p:sp>
       <p:sp>
         <p:nvSpPr>
-          <p:cNvPr id="180" name="CasellaDiTesto 179"/>
+          <p:cNvPr id="192" name="CasellaDiTesto 191"/>
           <p:cNvSpPr txBox="1"/>
           <p:nvPr/>
         </p:nvSpPr>
         <p:spPr>
           <a:xfrm>
-            <a:off x="1005508" y="928266"/>
-            <a:ext cx="448940" cy="192360"/>
+            <a:off x="999158" y="1654696"/>
+            <a:ext cx="692522" cy="192360"/>
           </a:xfrm>
           <a:prstGeom prst="rect">
             <a:avLst/>
@@ -7700,7 +7913,7 @@
           <a:p>
             <a:r>
               <a:rPr lang="it-IT" sz="650" dirty="0" smtClean="0"/>
-              <a:t>CODE</a:t>
+              <a:t>COORDINATES</a:t>
             </a:r>
             <a:endParaRPr lang="it-IT" sz="650" dirty="0"/>
           </a:p>
@@ -7708,13 +7921,13 @@
       </p:sp>
       <p:cxnSp>
         <p:nvCxnSpPr>
-          <p:cNvPr id="181" name="Connettore 1 180"/>
+          <p:cNvPr id="193" name="Connettore 1 192"/>
           <p:cNvCxnSpPr/>
           <p:nvPr/>
         </p:nvCxnSpPr>
         <p:spPr>
           <a:xfrm>
-            <a:off x="611560" y="1988066"/>
+            <a:off x="1153716" y="2427734"/>
             <a:ext cx="0" cy="144016"/>
           </a:xfrm>
           <a:prstGeom prst="line">
@@ -7743,13 +7956,352 @@
       </p:cxnSp>
       <p:sp>
         <p:nvSpPr>
-          <p:cNvPr id="182" name="Ovale 181"/>
+          <p:cNvPr id="194" name="Ovale 193"/>
           <p:cNvSpPr/>
           <p:nvPr/>
         </p:nvSpPr>
         <p:spPr>
           <a:xfrm rot="5400000" flipH="1">
-            <a:off x="581080" y="2109222"/>
+            <a:off x="1119808" y="2387476"/>
+            <a:ext cx="72008" cy="72008"/>
+          </a:xfrm>
+          <a:prstGeom prst="ellipse">
+            <a:avLst/>
+          </a:prstGeom>
+          <a:solidFill>
+            <a:schemeClr val="tx1"/>
+          </a:solidFill>
+          <a:ln w="12700">
+            <a:solidFill>
+              <a:schemeClr val="tx1"/>
+            </a:solidFill>
+          </a:ln>
+        </p:spPr>
+        <p:style>
+          <a:lnRef idx="2">
+            <a:schemeClr val="accent1">
+              <a:shade val="50000"/>
+            </a:schemeClr>
+          </a:lnRef>
+          <a:fillRef idx="1">
+            <a:schemeClr val="accent1"/>
+          </a:fillRef>
+          <a:effectRef idx="0">
+            <a:schemeClr val="accent1"/>
+          </a:effectRef>
+          <a:fontRef idx="minor">
+            <a:schemeClr val="lt1"/>
+          </a:fontRef>
+        </p:style>
+        <p:txBody>
+          <a:bodyPr rtlCol="0" anchor="ctr"/>
+          <a:lstStyle/>
+          <a:p>
+            <a:pPr algn="ctr"/>
+            <a:endParaRPr lang="it-IT" dirty="0"/>
+          </a:p>
+        </p:txBody>
+      </p:sp>
+      <p:sp>
+        <p:nvSpPr>
+          <p:cNvPr id="195" name="CasellaDiTesto 194"/>
+          <p:cNvSpPr txBox="1"/>
+          <p:nvPr/>
+        </p:nvSpPr>
+        <p:spPr>
+          <a:xfrm>
+            <a:off x="971600" y="2224410"/>
+            <a:ext cx="448940" cy="192360"/>
+          </a:xfrm>
+          <a:prstGeom prst="rect">
+            <a:avLst/>
+          </a:prstGeom>
+          <a:noFill/>
+        </p:spPr>
+        <p:txBody>
+          <a:bodyPr wrap="square" rtlCol="0">
+            <a:spAutoFit/>
+          </a:bodyPr>
+          <a:lstStyle/>
+          <a:p>
+            <a:r>
+              <a:rPr lang="it-IT" sz="650" dirty="0" smtClean="0"/>
+              <a:t>CODE</a:t>
+            </a:r>
+            <a:endParaRPr lang="it-IT" sz="650" dirty="0"/>
+          </a:p>
+        </p:txBody>
+      </p:sp>
+      <p:cxnSp>
+        <p:nvCxnSpPr>
+          <p:cNvPr id="196" name="Connettore 1 195"/>
+          <p:cNvCxnSpPr/>
+          <p:nvPr/>
+        </p:nvCxnSpPr>
+        <p:spPr>
+          <a:xfrm flipH="1">
+            <a:off x="2208436" y="4775423"/>
+            <a:ext cx="144016" cy="0"/>
+          </a:xfrm>
+          <a:prstGeom prst="line">
+            <a:avLst/>
+          </a:prstGeom>
+          <a:ln>
+            <a:solidFill>
+              <a:schemeClr val="tx1"/>
+            </a:solidFill>
+          </a:ln>
+        </p:spPr>
+        <p:style>
+          <a:lnRef idx="1">
+            <a:schemeClr val="accent1"/>
+          </a:lnRef>
+          <a:fillRef idx="0">
+            <a:schemeClr val="accent1"/>
+          </a:fillRef>
+          <a:effectRef idx="0">
+            <a:schemeClr val="accent1"/>
+          </a:effectRef>
+          <a:fontRef idx="minor">
+            <a:schemeClr val="tx1"/>
+          </a:fontRef>
+        </p:style>
+      </p:cxnSp>
+      <p:sp>
+        <p:nvSpPr>
+          <p:cNvPr id="197" name="Ovale 196"/>
+          <p:cNvSpPr/>
+          <p:nvPr/>
+        </p:nvSpPr>
+        <p:spPr>
+          <a:xfrm rot="5400000" flipH="1">
+            <a:off x="2352452" y="4741515"/>
+            <a:ext cx="72008" cy="72008"/>
+          </a:xfrm>
+          <a:prstGeom prst="ellipse">
+            <a:avLst/>
+          </a:prstGeom>
+          <a:solidFill>
+            <a:schemeClr val="tx1"/>
+          </a:solidFill>
+          <a:ln w="12700">
+            <a:solidFill>
+              <a:schemeClr val="tx1"/>
+            </a:solidFill>
+          </a:ln>
+        </p:spPr>
+        <p:style>
+          <a:lnRef idx="2">
+            <a:schemeClr val="accent1">
+              <a:shade val="50000"/>
+            </a:schemeClr>
+          </a:lnRef>
+          <a:fillRef idx="1">
+            <a:schemeClr val="accent1"/>
+          </a:fillRef>
+          <a:effectRef idx="0">
+            <a:schemeClr val="accent1"/>
+          </a:effectRef>
+          <a:fontRef idx="minor">
+            <a:schemeClr val="lt1"/>
+          </a:fontRef>
+        </p:style>
+        <p:txBody>
+          <a:bodyPr rtlCol="0" anchor="ctr"/>
+          <a:lstStyle/>
+          <a:p>
+            <a:pPr algn="ctr"/>
+            <a:endParaRPr lang="it-IT" dirty="0"/>
+          </a:p>
+        </p:txBody>
+      </p:sp>
+      <p:sp>
+        <p:nvSpPr>
+          <p:cNvPr id="198" name="CasellaDiTesto 197"/>
+          <p:cNvSpPr txBox="1"/>
+          <p:nvPr/>
+        </p:nvSpPr>
+        <p:spPr>
+          <a:xfrm>
+            <a:off x="2394868" y="4682207"/>
+            <a:ext cx="448940" cy="192360"/>
+          </a:xfrm>
+          <a:prstGeom prst="rect">
+            <a:avLst/>
+          </a:prstGeom>
+          <a:noFill/>
+        </p:spPr>
+        <p:txBody>
+          <a:bodyPr wrap="square" rtlCol="0">
+            <a:spAutoFit/>
+          </a:bodyPr>
+          <a:lstStyle/>
+          <a:p>
+            <a:r>
+              <a:rPr lang="it-IT" sz="650" dirty="0" smtClean="0"/>
+              <a:t>EMAIL</a:t>
+            </a:r>
+            <a:endParaRPr lang="it-IT" sz="650" dirty="0"/>
+          </a:p>
+        </p:txBody>
+      </p:sp>
+      <p:cxnSp>
+        <p:nvCxnSpPr>
+          <p:cNvPr id="201" name="Connettore 1 200"/>
+          <p:cNvCxnSpPr/>
+          <p:nvPr/>
+        </p:nvCxnSpPr>
+        <p:spPr>
+          <a:xfrm>
+            <a:off x="3337198" y="1131590"/>
+            <a:ext cx="0" cy="144016"/>
+          </a:xfrm>
+          <a:prstGeom prst="line">
+            <a:avLst/>
+          </a:prstGeom>
+          <a:ln>
+            <a:solidFill>
+              <a:schemeClr val="tx1"/>
+            </a:solidFill>
+          </a:ln>
+        </p:spPr>
+        <p:style>
+          <a:lnRef idx="1">
+            <a:schemeClr val="accent1"/>
+          </a:lnRef>
+          <a:fillRef idx="0">
+            <a:schemeClr val="accent1"/>
+          </a:fillRef>
+          <a:effectRef idx="0">
+            <a:schemeClr val="accent1"/>
+          </a:effectRef>
+          <a:fontRef idx="minor">
+            <a:schemeClr val="tx1"/>
+          </a:fontRef>
+        </p:style>
+      </p:cxnSp>
+      <p:sp>
+        <p:nvSpPr>
+          <p:cNvPr id="202" name="Ovale 201"/>
+          <p:cNvSpPr/>
+          <p:nvPr/>
+        </p:nvSpPr>
+        <p:spPr>
+          <a:xfrm rot="5400000" flipH="1">
+            <a:off x="3303290" y="1091332"/>
+            <a:ext cx="72008" cy="72008"/>
+          </a:xfrm>
+          <a:prstGeom prst="ellipse">
+            <a:avLst/>
+          </a:prstGeom>
+          <a:solidFill>
+            <a:schemeClr val="tx1"/>
+          </a:solidFill>
+          <a:ln w="12700">
+            <a:solidFill>
+              <a:schemeClr val="tx1"/>
+            </a:solidFill>
+          </a:ln>
+        </p:spPr>
+        <p:style>
+          <a:lnRef idx="2">
+            <a:schemeClr val="accent1">
+              <a:shade val="50000"/>
+            </a:schemeClr>
+          </a:lnRef>
+          <a:fillRef idx="1">
+            <a:schemeClr val="accent1"/>
+          </a:fillRef>
+          <a:effectRef idx="0">
+            <a:schemeClr val="accent1"/>
+          </a:effectRef>
+          <a:fontRef idx="minor">
+            <a:schemeClr val="lt1"/>
+          </a:fontRef>
+        </p:style>
+        <p:txBody>
+          <a:bodyPr rtlCol="0" anchor="ctr"/>
+          <a:lstStyle/>
+          <a:p>
+            <a:pPr algn="ctr"/>
+            <a:endParaRPr lang="it-IT" dirty="0"/>
+          </a:p>
+        </p:txBody>
+      </p:sp>
+      <p:sp>
+        <p:nvSpPr>
+          <p:cNvPr id="203" name="CasellaDiTesto 202"/>
+          <p:cNvSpPr txBox="1"/>
+          <p:nvPr/>
+        </p:nvSpPr>
+        <p:spPr>
+          <a:xfrm>
+            <a:off x="3155082" y="928266"/>
+            <a:ext cx="448940" cy="192360"/>
+          </a:xfrm>
+          <a:prstGeom prst="rect">
+            <a:avLst/>
+          </a:prstGeom>
+          <a:noFill/>
+        </p:spPr>
+        <p:txBody>
+          <a:bodyPr wrap="square" rtlCol="0">
+            <a:spAutoFit/>
+          </a:bodyPr>
+          <a:lstStyle/>
+          <a:p>
+            <a:r>
+              <a:rPr lang="it-IT" sz="650" dirty="0" smtClean="0"/>
+              <a:t>CODE</a:t>
+            </a:r>
+            <a:endParaRPr lang="it-IT" sz="650" dirty="0"/>
+          </a:p>
+        </p:txBody>
+      </p:sp>
+      <p:cxnSp>
+        <p:nvCxnSpPr>
+          <p:cNvPr id="206" name="Connettore 1 205"/>
+          <p:cNvCxnSpPr/>
+          <p:nvPr/>
+        </p:nvCxnSpPr>
+        <p:spPr>
+          <a:xfrm>
+            <a:off x="3737620" y="1137940"/>
+            <a:ext cx="0" cy="144016"/>
+          </a:xfrm>
+          <a:prstGeom prst="line">
+            <a:avLst/>
+          </a:prstGeom>
+          <a:ln>
+            <a:solidFill>
+              <a:schemeClr val="tx1"/>
+            </a:solidFill>
+          </a:ln>
+        </p:spPr>
+        <p:style>
+          <a:lnRef idx="1">
+            <a:schemeClr val="accent1"/>
+          </a:lnRef>
+          <a:fillRef idx="0">
+            <a:schemeClr val="accent1"/>
+          </a:fillRef>
+          <a:effectRef idx="0">
+            <a:schemeClr val="accent1"/>
+          </a:effectRef>
+          <a:fontRef idx="minor">
+            <a:schemeClr val="tx1"/>
+          </a:fontRef>
+        </p:style>
+      </p:cxnSp>
+      <p:sp>
+        <p:nvSpPr>
+          <p:cNvPr id="207" name="Ovale 206"/>
+          <p:cNvSpPr/>
+          <p:nvPr/>
+        </p:nvSpPr>
+        <p:spPr>
+          <a:xfrm rot="5400000" flipH="1">
+            <a:off x="3703712" y="1097682"/>
             <a:ext cx="72008" cy="72008"/>
           </a:xfrm>
           <a:prstGeom prst="ellipse">
@@ -7789,45 +8341,15 @@
           </a:p>
         </p:txBody>
       </p:sp>
-      <p:sp>
-        <p:nvSpPr>
-          <p:cNvPr id="183" name="CasellaDiTesto 182"/>
-          <p:cNvSpPr txBox="1"/>
-          <p:nvPr/>
-        </p:nvSpPr>
-        <p:spPr>
-          <a:xfrm>
-            <a:off x="418396" y="2188850"/>
-            <a:ext cx="448940" cy="192360"/>
-          </a:xfrm>
-          <a:prstGeom prst="rect">
-            <a:avLst/>
-          </a:prstGeom>
-          <a:noFill/>
-        </p:spPr>
-        <p:txBody>
-          <a:bodyPr wrap="square" rtlCol="0">
-            <a:spAutoFit/>
-          </a:bodyPr>
-          <a:lstStyle/>
-          <a:p>
-            <a:r>
-              <a:rPr lang="it-IT" sz="650" dirty="0" smtClean="0"/>
-              <a:t>FOUND</a:t>
-            </a:r>
-            <a:endParaRPr lang="it-IT" sz="650" dirty="0"/>
-          </a:p>
-        </p:txBody>
-      </p:sp>
       <p:cxnSp>
         <p:nvCxnSpPr>
-          <p:cNvPr id="186" name="Connettore 1 185"/>
+          <p:cNvPr id="208" name="Connettore 1 207"/>
           <p:cNvCxnSpPr/>
           <p:nvPr/>
         </p:nvCxnSpPr>
         <p:spPr>
           <a:xfrm>
-            <a:off x="539552" y="1491630"/>
+            <a:off x="3851920" y="1491630"/>
             <a:ext cx="0" cy="144016"/>
           </a:xfrm>
           <a:prstGeom prst="line">
@@ -7856,13 +8378,13 @@
       </p:cxnSp>
       <p:sp>
         <p:nvSpPr>
-          <p:cNvPr id="187" name="Ovale 186"/>
+          <p:cNvPr id="209" name="Ovale 208"/>
           <p:cNvSpPr/>
           <p:nvPr/>
         </p:nvSpPr>
         <p:spPr>
           <a:xfrm rot="5400000" flipH="1">
-            <a:off x="499294" y="1616596"/>
+            <a:off x="3823727" y="1601738"/>
             <a:ext cx="72008" cy="72008"/>
           </a:xfrm>
           <a:prstGeom prst="ellipse">
@@ -7904,14 +8426,14 @@
       </p:sp>
       <p:sp>
         <p:nvSpPr>
-          <p:cNvPr id="188" name="CasellaDiTesto 187"/>
+          <p:cNvPr id="210" name="CasellaDiTesto 209"/>
           <p:cNvSpPr txBox="1"/>
           <p:nvPr/>
         </p:nvSpPr>
         <p:spPr>
           <a:xfrm>
-            <a:off x="401886" y="1654696"/>
-            <a:ext cx="448940" cy="192360"/>
+            <a:off x="3555504" y="928266"/>
+            <a:ext cx="648072" cy="192360"/>
           </a:xfrm>
           <a:prstGeom prst="rect">
             <a:avLst/>
@@ -7926,7 +8448,37 @@
           <a:p>
             <a:r>
               <a:rPr lang="it-IT" sz="650" dirty="0" smtClean="0"/>
-              <a:t>INFO</a:t>
+              <a:t>DESCRIPTION</a:t>
+            </a:r>
+            <a:endParaRPr lang="it-IT" sz="650" dirty="0"/>
+          </a:p>
+        </p:txBody>
+      </p:sp>
+      <p:sp>
+        <p:nvSpPr>
+          <p:cNvPr id="211" name="CasellaDiTesto 210"/>
+          <p:cNvSpPr txBox="1"/>
+          <p:nvPr/>
+        </p:nvSpPr>
+        <p:spPr>
+          <a:xfrm>
+            <a:off x="3688854" y="1650504"/>
+            <a:ext cx="739130" cy="192360"/>
+          </a:xfrm>
+          <a:prstGeom prst="rect">
+            <a:avLst/>
+          </a:prstGeom>
+          <a:noFill/>
+        </p:spPr>
+        <p:txBody>
+          <a:bodyPr wrap="square" rtlCol="0">
+            <a:spAutoFit/>
+          </a:bodyPr>
+          <a:lstStyle/>
+          <a:p>
+            <a:r>
+              <a:rPr lang="it-IT" sz="650" dirty="0" smtClean="0"/>
+              <a:t>COORDINATES</a:t>
             </a:r>
             <a:endParaRPr lang="it-IT" sz="650" dirty="0"/>
           </a:p>
@@ -7934,13 +8486,13 @@
       </p:sp>
       <p:cxnSp>
         <p:nvCxnSpPr>
-          <p:cNvPr id="190" name="Connettore 1 189"/>
+          <p:cNvPr id="212" name="Connettore 1 211"/>
           <p:cNvCxnSpPr/>
           <p:nvPr/>
         </p:nvCxnSpPr>
         <p:spPr>
           <a:xfrm>
-            <a:off x="1187624" y="1491630"/>
+            <a:off x="3141888" y="2787774"/>
             <a:ext cx="0" cy="144016"/>
           </a:xfrm>
           <a:prstGeom prst="line">
@@ -7969,13 +8521,352 @@
       </p:cxnSp>
       <p:sp>
         <p:nvSpPr>
-          <p:cNvPr id="191" name="Ovale 190"/>
+          <p:cNvPr id="213" name="Ovale 212"/>
           <p:cNvSpPr/>
           <p:nvPr/>
         </p:nvSpPr>
         <p:spPr>
           <a:xfrm rot="5400000" flipH="1">
-            <a:off x="1147366" y="1616596"/>
+            <a:off x="3104590" y="2925396"/>
+            <a:ext cx="72008" cy="72008"/>
+          </a:xfrm>
+          <a:prstGeom prst="ellipse">
+            <a:avLst/>
+          </a:prstGeom>
+          <a:solidFill>
+            <a:schemeClr val="tx1"/>
+          </a:solidFill>
+          <a:ln w="12700">
+            <a:solidFill>
+              <a:schemeClr val="tx1"/>
+            </a:solidFill>
+          </a:ln>
+        </p:spPr>
+        <p:style>
+          <a:lnRef idx="2">
+            <a:schemeClr val="accent1">
+              <a:shade val="50000"/>
+            </a:schemeClr>
+          </a:lnRef>
+          <a:fillRef idx="1">
+            <a:schemeClr val="accent1"/>
+          </a:fillRef>
+          <a:effectRef idx="0">
+            <a:schemeClr val="accent1"/>
+          </a:effectRef>
+          <a:fontRef idx="minor">
+            <a:schemeClr val="lt1"/>
+          </a:fontRef>
+        </p:style>
+        <p:txBody>
+          <a:bodyPr rtlCol="0" anchor="ctr"/>
+          <a:lstStyle/>
+          <a:p>
+            <a:pPr algn="ctr"/>
+            <a:endParaRPr lang="it-IT" dirty="0"/>
+          </a:p>
+        </p:txBody>
+      </p:sp>
+      <p:sp>
+        <p:nvSpPr>
+          <p:cNvPr id="214" name="CasellaDiTesto 213"/>
+          <p:cNvSpPr txBox="1"/>
+          <p:nvPr/>
+        </p:nvSpPr>
+        <p:spPr>
+          <a:xfrm>
+            <a:off x="2996333" y="2967108"/>
+            <a:ext cx="448940" cy="192360"/>
+          </a:xfrm>
+          <a:prstGeom prst="rect">
+            <a:avLst/>
+          </a:prstGeom>
+          <a:noFill/>
+        </p:spPr>
+        <p:txBody>
+          <a:bodyPr wrap="square" rtlCol="0">
+            <a:spAutoFit/>
+          </a:bodyPr>
+          <a:lstStyle/>
+          <a:p>
+            <a:r>
+              <a:rPr lang="it-IT" sz="650" dirty="0" smtClean="0"/>
+              <a:t>CODE</a:t>
+            </a:r>
+            <a:endParaRPr lang="it-IT" sz="650" dirty="0"/>
+          </a:p>
+        </p:txBody>
+      </p:sp>
+      <p:cxnSp>
+        <p:nvCxnSpPr>
+          <p:cNvPr id="215" name="Connettore 1 214"/>
+          <p:cNvCxnSpPr/>
+          <p:nvPr/>
+        </p:nvCxnSpPr>
+        <p:spPr>
+          <a:xfrm>
+            <a:off x="4898132" y="1137940"/>
+            <a:ext cx="0" cy="144016"/>
+          </a:xfrm>
+          <a:prstGeom prst="line">
+            <a:avLst/>
+          </a:prstGeom>
+          <a:ln>
+            <a:solidFill>
+              <a:schemeClr val="tx1"/>
+            </a:solidFill>
+          </a:ln>
+        </p:spPr>
+        <p:style>
+          <a:lnRef idx="1">
+            <a:schemeClr val="accent1"/>
+          </a:lnRef>
+          <a:fillRef idx="0">
+            <a:schemeClr val="accent1"/>
+          </a:fillRef>
+          <a:effectRef idx="0">
+            <a:schemeClr val="accent1"/>
+          </a:effectRef>
+          <a:fontRef idx="minor">
+            <a:schemeClr val="tx1"/>
+          </a:fontRef>
+        </p:style>
+      </p:cxnSp>
+      <p:sp>
+        <p:nvSpPr>
+          <p:cNvPr id="216" name="Ovale 215"/>
+          <p:cNvSpPr/>
+          <p:nvPr/>
+        </p:nvSpPr>
+        <p:spPr>
+          <a:xfrm rot="5400000" flipH="1">
+            <a:off x="4864224" y="1097682"/>
+            <a:ext cx="72008" cy="72008"/>
+          </a:xfrm>
+          <a:prstGeom prst="ellipse">
+            <a:avLst/>
+          </a:prstGeom>
+          <a:solidFill>
+            <a:schemeClr val="tx1"/>
+          </a:solidFill>
+          <a:ln w="12700">
+            <a:solidFill>
+              <a:schemeClr val="tx1"/>
+            </a:solidFill>
+          </a:ln>
+        </p:spPr>
+        <p:style>
+          <a:lnRef idx="2">
+            <a:schemeClr val="accent1">
+              <a:shade val="50000"/>
+            </a:schemeClr>
+          </a:lnRef>
+          <a:fillRef idx="1">
+            <a:schemeClr val="accent1"/>
+          </a:fillRef>
+          <a:effectRef idx="0">
+            <a:schemeClr val="accent1"/>
+          </a:effectRef>
+          <a:fontRef idx="minor">
+            <a:schemeClr val="lt1"/>
+          </a:fontRef>
+        </p:style>
+        <p:txBody>
+          <a:bodyPr rtlCol="0" anchor="ctr"/>
+          <a:lstStyle/>
+          <a:p>
+            <a:pPr algn="ctr"/>
+            <a:endParaRPr lang="it-IT" dirty="0"/>
+          </a:p>
+        </p:txBody>
+      </p:sp>
+      <p:sp>
+        <p:nvSpPr>
+          <p:cNvPr id="217" name="CasellaDiTesto 216"/>
+          <p:cNvSpPr txBox="1"/>
+          <p:nvPr/>
+        </p:nvSpPr>
+        <p:spPr>
+          <a:xfrm>
+            <a:off x="4716016" y="934616"/>
+            <a:ext cx="448940" cy="192360"/>
+          </a:xfrm>
+          <a:prstGeom prst="rect">
+            <a:avLst/>
+          </a:prstGeom>
+          <a:noFill/>
+        </p:spPr>
+        <p:txBody>
+          <a:bodyPr wrap="square" rtlCol="0">
+            <a:spAutoFit/>
+          </a:bodyPr>
+          <a:lstStyle/>
+          <a:p>
+            <a:r>
+              <a:rPr lang="it-IT" sz="650" dirty="0" smtClean="0"/>
+              <a:t>CODE</a:t>
+            </a:r>
+            <a:endParaRPr lang="it-IT" sz="650" dirty="0"/>
+          </a:p>
+        </p:txBody>
+      </p:sp>
+      <p:sp>
+        <p:nvSpPr>
+          <p:cNvPr id="220" name="CasellaDiTesto 219"/>
+          <p:cNvSpPr txBox="1"/>
+          <p:nvPr/>
+        </p:nvSpPr>
+        <p:spPr>
+          <a:xfrm>
+            <a:off x="5097264" y="2221235"/>
+            <a:ext cx="448940" cy="192360"/>
+          </a:xfrm>
+          <a:prstGeom prst="rect">
+            <a:avLst/>
+          </a:prstGeom>
+          <a:noFill/>
+        </p:spPr>
+        <p:txBody>
+          <a:bodyPr wrap="square" rtlCol="0">
+            <a:spAutoFit/>
+          </a:bodyPr>
+          <a:lstStyle/>
+          <a:p>
+            <a:r>
+              <a:rPr lang="it-IT" sz="650" dirty="0" smtClean="0"/>
+              <a:t>EMAIL</a:t>
+            </a:r>
+            <a:endParaRPr lang="it-IT" sz="650" dirty="0"/>
+          </a:p>
+        </p:txBody>
+      </p:sp>
+      <p:cxnSp>
+        <p:nvCxnSpPr>
+          <p:cNvPr id="221" name="Connettore 1 220"/>
+          <p:cNvCxnSpPr/>
+          <p:nvPr/>
+        </p:nvCxnSpPr>
+        <p:spPr>
+          <a:xfrm>
+            <a:off x="5220072" y="2424559"/>
+            <a:ext cx="0" cy="144016"/>
+          </a:xfrm>
+          <a:prstGeom prst="line">
+            <a:avLst/>
+          </a:prstGeom>
+          <a:ln>
+            <a:solidFill>
+              <a:schemeClr val="tx1"/>
+            </a:solidFill>
+          </a:ln>
+        </p:spPr>
+        <p:style>
+          <a:lnRef idx="1">
+            <a:schemeClr val="accent1"/>
+          </a:lnRef>
+          <a:fillRef idx="0">
+            <a:schemeClr val="accent1"/>
+          </a:fillRef>
+          <a:effectRef idx="0">
+            <a:schemeClr val="accent1"/>
+          </a:effectRef>
+          <a:fontRef idx="minor">
+            <a:schemeClr val="tx1"/>
+          </a:fontRef>
+        </p:style>
+      </p:cxnSp>
+      <p:sp>
+        <p:nvSpPr>
+          <p:cNvPr id="222" name="Ovale 221"/>
+          <p:cNvSpPr/>
+          <p:nvPr/>
+        </p:nvSpPr>
+        <p:spPr>
+          <a:xfrm rot="5400000" flipH="1">
+            <a:off x="5186164" y="2384301"/>
+            <a:ext cx="72008" cy="72008"/>
+          </a:xfrm>
+          <a:prstGeom prst="ellipse">
+            <a:avLst/>
+          </a:prstGeom>
+          <a:solidFill>
+            <a:schemeClr val="tx1"/>
+          </a:solidFill>
+          <a:ln w="12700">
+            <a:solidFill>
+              <a:schemeClr val="tx1"/>
+            </a:solidFill>
+          </a:ln>
+        </p:spPr>
+        <p:style>
+          <a:lnRef idx="2">
+            <a:schemeClr val="accent1">
+              <a:shade val="50000"/>
+            </a:schemeClr>
+          </a:lnRef>
+          <a:fillRef idx="1">
+            <a:schemeClr val="accent1"/>
+          </a:fillRef>
+          <a:effectRef idx="0">
+            <a:schemeClr val="accent1"/>
+          </a:effectRef>
+          <a:fontRef idx="minor">
+            <a:schemeClr val="lt1"/>
+          </a:fontRef>
+        </p:style>
+        <p:txBody>
+          <a:bodyPr rtlCol="0" anchor="ctr"/>
+          <a:lstStyle/>
+          <a:p>
+            <a:pPr algn="ctr"/>
+            <a:endParaRPr lang="it-IT" dirty="0"/>
+          </a:p>
+        </p:txBody>
+      </p:sp>
+      <p:cxnSp>
+        <p:nvCxnSpPr>
+          <p:cNvPr id="224" name="Connettore 1 223"/>
+          <p:cNvCxnSpPr/>
+          <p:nvPr/>
+        </p:nvCxnSpPr>
+        <p:spPr>
+          <a:xfrm>
+            <a:off x="4788024" y="2424137"/>
+            <a:ext cx="0" cy="144016"/>
+          </a:xfrm>
+          <a:prstGeom prst="line">
+            <a:avLst/>
+          </a:prstGeom>
+          <a:ln>
+            <a:solidFill>
+              <a:schemeClr val="tx1"/>
+            </a:solidFill>
+          </a:ln>
+        </p:spPr>
+        <p:style>
+          <a:lnRef idx="1">
+            <a:schemeClr val="accent1"/>
+          </a:lnRef>
+          <a:fillRef idx="0">
+            <a:schemeClr val="accent1"/>
+          </a:fillRef>
+          <a:effectRef idx="0">
+            <a:schemeClr val="accent1"/>
+          </a:effectRef>
+          <a:fontRef idx="minor">
+            <a:schemeClr val="tx1"/>
+          </a:fontRef>
+        </p:style>
+      </p:cxnSp>
+      <p:sp>
+        <p:nvSpPr>
+          <p:cNvPr id="225" name="Ovale 224"/>
+          <p:cNvSpPr/>
+          <p:nvPr/>
+        </p:nvSpPr>
+        <p:spPr>
+          <a:xfrm rot="5400000" flipH="1">
+            <a:off x="4754116" y="2383879"/>
             <a:ext cx="72008" cy="72008"/>
           </a:xfrm>
           <a:prstGeom prst="ellipse">
@@ -8017,14 +8908,14 @@
       </p:sp>
       <p:sp>
         <p:nvSpPr>
-          <p:cNvPr id="192" name="CasellaDiTesto 191"/>
+          <p:cNvPr id="226" name="CasellaDiTesto 225"/>
           <p:cNvSpPr txBox="1"/>
           <p:nvPr/>
         </p:nvSpPr>
         <p:spPr>
           <a:xfrm>
-            <a:off x="999158" y="1654696"/>
-            <a:ext cx="692522" cy="192360"/>
+            <a:off x="4627116" y="2225849"/>
+            <a:ext cx="448940" cy="192360"/>
           </a:xfrm>
           <a:prstGeom prst="rect">
             <a:avLst/>
@@ -8039,7 +8930,7 @@
           <a:p>
             <a:r>
               <a:rPr lang="it-IT" sz="650" dirty="0" smtClean="0"/>
-              <a:t>COORDINATES</a:t>
+              <a:t>TITLE</a:t>
             </a:r>
             <a:endParaRPr lang="it-IT" sz="650" dirty="0"/>
           </a:p>
@@ -8047,13 +8938,13 @@
       </p:sp>
       <p:cxnSp>
         <p:nvCxnSpPr>
-          <p:cNvPr id="193" name="Connettore 1 192"/>
+          <p:cNvPr id="227" name="Connettore 1 226"/>
           <p:cNvCxnSpPr/>
           <p:nvPr/>
         </p:nvCxnSpPr>
         <p:spPr>
           <a:xfrm>
-            <a:off x="1153716" y="2427734"/>
+            <a:off x="6861398" y="1124142"/>
             <a:ext cx="0" cy="144016"/>
           </a:xfrm>
           <a:prstGeom prst="line">
@@ -8082,13 +8973,13 @@
       </p:cxnSp>
       <p:sp>
         <p:nvSpPr>
-          <p:cNvPr id="194" name="Ovale 193"/>
+          <p:cNvPr id="228" name="Ovale 227"/>
           <p:cNvSpPr/>
           <p:nvPr/>
         </p:nvSpPr>
         <p:spPr>
           <a:xfrm rot="5400000" flipH="1">
-            <a:off x="1119808" y="2387476"/>
+            <a:off x="6827490" y="1091504"/>
             <a:ext cx="72008" cy="72008"/>
           </a:xfrm>
           <a:prstGeom prst="ellipse">
@@ -8130,13 +9021,13 @@
       </p:sp>
       <p:sp>
         <p:nvSpPr>
-          <p:cNvPr id="195" name="CasellaDiTesto 194"/>
+          <p:cNvPr id="229" name="CasellaDiTesto 228"/>
           <p:cNvSpPr txBox="1"/>
           <p:nvPr/>
         </p:nvSpPr>
         <p:spPr>
           <a:xfrm>
-            <a:off x="971600" y="2224410"/>
+            <a:off x="6679282" y="928438"/>
             <a:ext cx="448940" cy="192360"/>
           </a:xfrm>
           <a:prstGeom prst="rect">
@@ -8160,14 +9051,14 @@
       </p:sp>
       <p:cxnSp>
         <p:nvCxnSpPr>
-          <p:cNvPr id="196" name="Connettore 1 195"/>
+          <p:cNvPr id="230" name="Connettore 1 229"/>
           <p:cNvCxnSpPr/>
           <p:nvPr/>
         </p:nvCxnSpPr>
         <p:spPr>
-          <a:xfrm flipH="1">
-            <a:off x="2208436" y="4775423"/>
-            <a:ext cx="144016" cy="0"/>
+          <a:xfrm>
+            <a:off x="7346404" y="1125240"/>
+            <a:ext cx="0" cy="144016"/>
           </a:xfrm>
           <a:prstGeom prst="line">
             <a:avLst/>
@@ -8195,20 +9086,20 @@
       </p:cxnSp>
       <p:sp>
         <p:nvSpPr>
-          <p:cNvPr id="197" name="Ovale 196"/>
+          <p:cNvPr id="231" name="Ovale 230"/>
           <p:cNvSpPr/>
           <p:nvPr/>
         </p:nvSpPr>
         <p:spPr>
           <a:xfrm rot="5400000" flipH="1">
-            <a:off x="2352452" y="4741515"/>
+            <a:off x="7312496" y="1091160"/>
             <a:ext cx="72008" cy="72008"/>
           </a:xfrm>
           <a:prstGeom prst="ellipse">
             <a:avLst/>
           </a:prstGeom>
           <a:solidFill>
-            <a:schemeClr val="tx1"/>
+            <a:schemeClr val="bg1"/>
           </a:solidFill>
           <a:ln w="12700">
             <a:solidFill>
@@ -8243,14 +9134,14 @@
       </p:sp>
       <p:sp>
         <p:nvSpPr>
-          <p:cNvPr id="198" name="CasellaDiTesto 197"/>
+          <p:cNvPr id="232" name="CasellaDiTesto 231"/>
           <p:cNvSpPr txBox="1"/>
           <p:nvPr/>
         </p:nvSpPr>
         <p:spPr>
           <a:xfrm>
-            <a:off x="2394868" y="4682207"/>
-            <a:ext cx="448940" cy="192360"/>
+            <a:off x="7164288" y="927922"/>
+            <a:ext cx="504056" cy="192360"/>
           </a:xfrm>
           <a:prstGeom prst="rect">
             <a:avLst/>
@@ -8265,7 +9156,7 @@
           <a:p>
             <a:r>
               <a:rPr lang="it-IT" sz="650" dirty="0" smtClean="0"/>
-              <a:t>EMAIL</a:t>
+              <a:t>ENABLED</a:t>
             </a:r>
             <a:endParaRPr lang="it-IT" sz="650" dirty="0"/>
           </a:p>
@@ -8273,13 +9164,13 @@
       </p:sp>
       <p:cxnSp>
         <p:nvCxnSpPr>
-          <p:cNvPr id="201" name="Connettore 1 200"/>
+          <p:cNvPr id="240" name="Connettore 1 239"/>
           <p:cNvCxnSpPr/>
           <p:nvPr/>
         </p:nvCxnSpPr>
         <p:spPr>
           <a:xfrm>
-            <a:off x="3337198" y="1131590"/>
+            <a:off x="5793978" y="1773140"/>
             <a:ext cx="0" cy="144016"/>
           </a:xfrm>
           <a:prstGeom prst="line">
@@ -8308,13 +9199,13 @@
       </p:cxnSp>
       <p:sp>
         <p:nvSpPr>
-          <p:cNvPr id="202" name="Ovale 201"/>
+          <p:cNvPr id="241" name="Ovale 240"/>
           <p:cNvSpPr/>
           <p:nvPr/>
         </p:nvSpPr>
         <p:spPr>
           <a:xfrm rot="5400000" flipH="1">
-            <a:off x="3303290" y="1091332"/>
+            <a:off x="5760070" y="1739060"/>
             <a:ext cx="72008" cy="72008"/>
           </a:xfrm>
           <a:prstGeom prst="ellipse">
@@ -8356,14 +9247,14 @@
       </p:sp>
       <p:sp>
         <p:nvSpPr>
-          <p:cNvPr id="203" name="CasellaDiTesto 202"/>
+          <p:cNvPr id="242" name="CasellaDiTesto 241"/>
           <p:cNvSpPr txBox="1"/>
           <p:nvPr/>
         </p:nvSpPr>
         <p:spPr>
           <a:xfrm>
-            <a:off x="3155082" y="928266"/>
-            <a:ext cx="448940" cy="192360"/>
+            <a:off x="5611862" y="1569816"/>
+            <a:ext cx="432048" cy="192360"/>
           </a:xfrm>
           <a:prstGeom prst="rect">
             <a:avLst/>
@@ -8386,13 +9277,13 @@
       </p:sp>
       <p:cxnSp>
         <p:nvCxnSpPr>
-          <p:cNvPr id="206" name="Connettore 1 205"/>
+          <p:cNvPr id="243" name="Connettore 1 242"/>
           <p:cNvCxnSpPr/>
           <p:nvPr/>
         </p:nvCxnSpPr>
         <p:spPr>
           <a:xfrm>
-            <a:off x="3737620" y="1137940"/>
+            <a:off x="6187926" y="1772042"/>
             <a:ext cx="0" cy="144016"/>
           </a:xfrm>
           <a:prstGeom prst="line">
@@ -8421,13 +9312,13 @@
       </p:cxnSp>
       <p:sp>
         <p:nvSpPr>
-          <p:cNvPr id="207" name="Ovale 206"/>
+          <p:cNvPr id="244" name="Ovale 243"/>
           <p:cNvSpPr/>
           <p:nvPr/>
         </p:nvSpPr>
         <p:spPr>
           <a:xfrm rot="5400000" flipH="1">
-            <a:off x="3703712" y="1097682"/>
+            <a:off x="6147840" y="1739404"/>
             <a:ext cx="72008" cy="72008"/>
           </a:xfrm>
           <a:prstGeom prst="ellipse">
@@ -8467,15 +9358,45 @@
           </a:p>
         </p:txBody>
       </p:sp>
+      <p:sp>
+        <p:nvSpPr>
+          <p:cNvPr id="245" name="CasellaDiTesto 244"/>
+          <p:cNvSpPr txBox="1"/>
+          <p:nvPr/>
+        </p:nvSpPr>
+        <p:spPr>
+          <a:xfrm>
+            <a:off x="6031554" y="1569816"/>
+            <a:ext cx="448940" cy="192360"/>
+          </a:xfrm>
+          <a:prstGeom prst="rect">
+            <a:avLst/>
+          </a:prstGeom>
+          <a:noFill/>
+        </p:spPr>
+        <p:txBody>
+          <a:bodyPr wrap="square" rtlCol="0">
+            <a:spAutoFit/>
+          </a:bodyPr>
+          <a:lstStyle/>
+          <a:p>
+            <a:r>
+              <a:rPr lang="it-IT" sz="650" dirty="0" smtClean="0"/>
+              <a:t>NAME</a:t>
+            </a:r>
+            <a:endParaRPr lang="it-IT" sz="650" dirty="0"/>
+          </a:p>
+        </p:txBody>
+      </p:sp>
       <p:cxnSp>
         <p:nvCxnSpPr>
-          <p:cNvPr id="208" name="Connettore 1 207"/>
+          <p:cNvPr id="246" name="Connettore 1 245"/>
           <p:cNvCxnSpPr/>
           <p:nvPr/>
         </p:nvCxnSpPr>
         <p:spPr>
           <a:xfrm>
-            <a:off x="3851920" y="1491630"/>
+            <a:off x="5971902" y="2139702"/>
             <a:ext cx="0" cy="144016"/>
           </a:xfrm>
           <a:prstGeom prst="line">
@@ -8504,13 +9425,13 @@
       </p:cxnSp>
       <p:sp>
         <p:nvSpPr>
-          <p:cNvPr id="209" name="Ovale 208"/>
+          <p:cNvPr id="247" name="Ovale 246"/>
           <p:cNvSpPr/>
           <p:nvPr/>
         </p:nvSpPr>
         <p:spPr>
           <a:xfrm rot="5400000" flipH="1">
-            <a:off x="3823727" y="1601738"/>
+            <a:off x="5936962" y="2265184"/>
             <a:ext cx="72008" cy="72008"/>
           </a:xfrm>
           <a:prstGeom prst="ellipse">
@@ -8552,14 +9473,14 @@
       </p:sp>
       <p:sp>
         <p:nvSpPr>
-          <p:cNvPr id="210" name="CasellaDiTesto 209"/>
+          <p:cNvPr id="248" name="CasellaDiTesto 247"/>
           <p:cNvSpPr txBox="1"/>
           <p:nvPr/>
         </p:nvSpPr>
         <p:spPr>
           <a:xfrm>
-            <a:off x="3555504" y="928266"/>
-            <a:ext cx="648072" cy="192360"/>
+            <a:off x="5827886" y="2308430"/>
+            <a:ext cx="448940" cy="192360"/>
           </a:xfrm>
           <a:prstGeom prst="rect">
             <a:avLst/>
@@ -8574,37 +9495,7 @@
           <a:p>
             <a:r>
               <a:rPr lang="it-IT" sz="650" dirty="0" smtClean="0"/>
-              <a:t>DESCRIPTION</a:t>
-            </a:r>
-            <a:endParaRPr lang="it-IT" sz="650" dirty="0"/>
-          </a:p>
-        </p:txBody>
-      </p:sp>
-      <p:sp>
-        <p:nvSpPr>
-          <p:cNvPr id="211" name="CasellaDiTesto 210"/>
-          <p:cNvSpPr txBox="1"/>
-          <p:nvPr/>
-        </p:nvSpPr>
-        <p:spPr>
-          <a:xfrm>
-            <a:off x="3688854" y="1650504"/>
-            <a:ext cx="739130" cy="192360"/>
-          </a:xfrm>
-          <a:prstGeom prst="rect">
-            <a:avLst/>
-          </a:prstGeom>
-          <a:noFill/>
-        </p:spPr>
-        <p:txBody>
-          <a:bodyPr wrap="square" rtlCol="0">
-            <a:spAutoFit/>
-          </a:bodyPr>
-          <a:lstStyle/>
-          <a:p>
-            <a:r>
-              <a:rPr lang="it-IT" sz="650" dirty="0" smtClean="0"/>
-              <a:t>COORDINATES</a:t>
+              <a:t>TYPE</a:t>
             </a:r>
             <a:endParaRPr lang="it-IT" sz="650" dirty="0"/>
           </a:p>
@@ -8612,13 +9503,13 @@
       </p:sp>
       <p:cxnSp>
         <p:nvCxnSpPr>
-          <p:cNvPr id="212" name="Connettore 1 211"/>
+          <p:cNvPr id="252" name="Connettore 1 251"/>
           <p:cNvCxnSpPr/>
           <p:nvPr/>
         </p:nvCxnSpPr>
         <p:spPr>
           <a:xfrm>
-            <a:off x="3025924" y="2424559"/>
+            <a:off x="7346404" y="2427390"/>
             <a:ext cx="0" cy="144016"/>
           </a:xfrm>
           <a:prstGeom prst="line">
@@ -8647,13 +9538,13 @@
       </p:cxnSp>
       <p:sp>
         <p:nvSpPr>
-          <p:cNvPr id="213" name="Ovale 212"/>
+          <p:cNvPr id="253" name="Ovale 252"/>
           <p:cNvSpPr/>
           <p:nvPr/>
         </p:nvSpPr>
         <p:spPr>
           <a:xfrm rot="5400000" flipH="1">
-            <a:off x="2992016" y="2384301"/>
+            <a:off x="7312496" y="2393310"/>
             <a:ext cx="72008" cy="72008"/>
           </a:xfrm>
           <a:prstGeom prst="ellipse">
@@ -8695,14 +9586,14 @@
       </p:sp>
       <p:sp>
         <p:nvSpPr>
-          <p:cNvPr id="214" name="CasellaDiTesto 213"/>
+          <p:cNvPr id="254" name="CasellaDiTesto 253"/>
           <p:cNvSpPr txBox="1"/>
           <p:nvPr/>
         </p:nvSpPr>
         <p:spPr>
           <a:xfrm>
-            <a:off x="2843808" y="2221235"/>
-            <a:ext cx="448940" cy="192360"/>
+            <a:off x="7164288" y="2224066"/>
+            <a:ext cx="432048" cy="192360"/>
           </a:xfrm>
           <a:prstGeom prst="rect">
             <a:avLst/>
@@ -8725,13 +9616,13 @@
       </p:sp>
       <p:cxnSp>
         <p:nvCxnSpPr>
-          <p:cNvPr id="215" name="Connettore 1 214"/>
+          <p:cNvPr id="255" name="Connettore 1 254"/>
           <p:cNvCxnSpPr/>
           <p:nvPr/>
         </p:nvCxnSpPr>
         <p:spPr>
           <a:xfrm>
-            <a:off x="4898132" y="1137940"/>
+            <a:off x="5258172" y="3578076"/>
             <a:ext cx="0" cy="144016"/>
           </a:xfrm>
           <a:prstGeom prst="line">
@@ -8760,13 +9651,13 @@
       </p:cxnSp>
       <p:sp>
         <p:nvSpPr>
-          <p:cNvPr id="216" name="Ovale 215"/>
+          <p:cNvPr id="256" name="Ovale 255"/>
           <p:cNvSpPr/>
           <p:nvPr/>
         </p:nvSpPr>
         <p:spPr>
           <a:xfrm rot="5400000" flipH="1">
-            <a:off x="4864224" y="1097682"/>
+            <a:off x="5224264" y="3551616"/>
             <a:ext cx="72008" cy="72008"/>
           </a:xfrm>
           <a:prstGeom prst="ellipse">
@@ -8808,14 +9699,14 @@
       </p:sp>
       <p:sp>
         <p:nvSpPr>
-          <p:cNvPr id="217" name="CasellaDiTesto 216"/>
+          <p:cNvPr id="257" name="CasellaDiTesto 256"/>
           <p:cNvSpPr txBox="1"/>
           <p:nvPr/>
         </p:nvSpPr>
         <p:spPr>
           <a:xfrm>
-            <a:off x="4716016" y="934616"/>
-            <a:ext cx="448940" cy="192360"/>
+            <a:off x="5076056" y="3382372"/>
+            <a:ext cx="432048" cy="192360"/>
           </a:xfrm>
           <a:prstGeom prst="rect">
             <a:avLst/>
@@ -8836,45 +9727,15 @@
           </a:p>
         </p:txBody>
       </p:sp>
-      <p:sp>
-        <p:nvSpPr>
-          <p:cNvPr id="220" name="CasellaDiTesto 219"/>
-          <p:cNvSpPr txBox="1"/>
-          <p:nvPr/>
-        </p:nvSpPr>
-        <p:spPr>
-          <a:xfrm>
-            <a:off x="5097264" y="2221235"/>
-            <a:ext cx="448940" cy="192360"/>
-          </a:xfrm>
-          <a:prstGeom prst="rect">
-            <a:avLst/>
-          </a:prstGeom>
-          <a:noFill/>
-        </p:spPr>
-        <p:txBody>
-          <a:bodyPr wrap="square" rtlCol="0">
-            <a:spAutoFit/>
-          </a:bodyPr>
-          <a:lstStyle/>
-          <a:p>
-            <a:r>
-              <a:rPr lang="it-IT" sz="650" dirty="0" smtClean="0"/>
-              <a:t>EMAIL</a:t>
-            </a:r>
-            <a:endParaRPr lang="it-IT" sz="650" dirty="0"/>
-          </a:p>
-        </p:txBody>
-      </p:sp>
       <p:cxnSp>
         <p:nvCxnSpPr>
-          <p:cNvPr id="221" name="Connettore 1 220"/>
+          <p:cNvPr id="261" name="Connettore 1 260"/>
           <p:cNvCxnSpPr/>
           <p:nvPr/>
         </p:nvCxnSpPr>
         <p:spPr>
           <a:xfrm>
-            <a:off x="5220072" y="2424559"/>
+            <a:off x="6244590" y="1131590"/>
             <a:ext cx="0" cy="144016"/>
           </a:xfrm>
           <a:prstGeom prst="line">
@@ -8903,20 +9764,20 @@
       </p:cxnSp>
       <p:sp>
         <p:nvSpPr>
-          <p:cNvPr id="222" name="Ovale 221"/>
+          <p:cNvPr id="262" name="Ovale 261"/>
           <p:cNvSpPr/>
           <p:nvPr/>
         </p:nvSpPr>
         <p:spPr>
           <a:xfrm rot="5400000" flipH="1">
-            <a:off x="5186164" y="2384301"/>
+            <a:off x="6210682" y="1097510"/>
             <a:ext cx="72008" cy="72008"/>
           </a:xfrm>
           <a:prstGeom prst="ellipse">
             <a:avLst/>
           </a:prstGeom>
           <a:solidFill>
-            <a:schemeClr val="tx1"/>
+            <a:schemeClr val="bg1"/>
           </a:solidFill>
           <a:ln w="12700">
             <a:solidFill>
@@ -8949,98 +9810,15 @@
           </a:p>
         </p:txBody>
       </p:sp>
-      <p:cxnSp>
-        <p:nvCxnSpPr>
-          <p:cNvPr id="224" name="Connettore 1 223"/>
-          <p:cNvCxnSpPr/>
-          <p:nvPr/>
-        </p:nvCxnSpPr>
-        <p:spPr>
-          <a:xfrm>
-            <a:off x="4788024" y="2424137"/>
-            <a:ext cx="0" cy="144016"/>
-          </a:xfrm>
-          <a:prstGeom prst="line">
-            <a:avLst/>
-          </a:prstGeom>
-          <a:ln>
-            <a:solidFill>
-              <a:schemeClr val="tx1"/>
-            </a:solidFill>
-          </a:ln>
-        </p:spPr>
-        <p:style>
-          <a:lnRef idx="1">
-            <a:schemeClr val="accent1"/>
-          </a:lnRef>
-          <a:fillRef idx="0">
-            <a:schemeClr val="accent1"/>
-          </a:fillRef>
-          <a:effectRef idx="0">
-            <a:schemeClr val="accent1"/>
-          </a:effectRef>
-          <a:fontRef idx="minor">
-            <a:schemeClr val="tx1"/>
-          </a:fontRef>
-        </p:style>
-      </p:cxnSp>
-      <p:sp>
-        <p:nvSpPr>
-          <p:cNvPr id="225" name="Ovale 224"/>
-          <p:cNvSpPr/>
-          <p:nvPr/>
-        </p:nvSpPr>
-        <p:spPr>
-          <a:xfrm rot="5400000" flipH="1">
-            <a:off x="4754116" y="2383879"/>
-            <a:ext cx="72008" cy="72008"/>
-          </a:xfrm>
-          <a:prstGeom prst="ellipse">
-            <a:avLst/>
-          </a:prstGeom>
-          <a:solidFill>
-            <a:schemeClr val="bg1"/>
-          </a:solidFill>
-          <a:ln w="12700">
-            <a:solidFill>
-              <a:schemeClr val="tx1"/>
-            </a:solidFill>
-          </a:ln>
-        </p:spPr>
-        <p:style>
-          <a:lnRef idx="2">
-            <a:schemeClr val="accent1">
-              <a:shade val="50000"/>
-            </a:schemeClr>
-          </a:lnRef>
-          <a:fillRef idx="1">
-            <a:schemeClr val="accent1"/>
-          </a:fillRef>
-          <a:effectRef idx="0">
-            <a:schemeClr val="accent1"/>
-          </a:effectRef>
-          <a:fontRef idx="minor">
-            <a:schemeClr val="lt1"/>
-          </a:fontRef>
-        </p:style>
-        <p:txBody>
-          <a:bodyPr rtlCol="0" anchor="ctr"/>
-          <a:lstStyle/>
-          <a:p>
-            <a:pPr algn="ctr"/>
-            <a:endParaRPr lang="it-IT" dirty="0"/>
-          </a:p>
-        </p:txBody>
-      </p:sp>
-      <p:sp>
-        <p:nvSpPr>
-          <p:cNvPr id="226" name="CasellaDiTesto 225"/>
+      <p:sp>
+        <p:nvSpPr>
+          <p:cNvPr id="263" name="CasellaDiTesto 262"/>
           <p:cNvSpPr txBox="1"/>
           <p:nvPr/>
         </p:nvSpPr>
         <p:spPr>
           <a:xfrm>
-            <a:off x="4627116" y="2225849"/>
+            <a:off x="6106752" y="927922"/>
             <a:ext cx="448940" cy="192360"/>
           </a:xfrm>
           <a:prstGeom prst="rect">
@@ -9056,910 +9834,6 @@
           <a:p>
             <a:r>
               <a:rPr lang="it-IT" sz="650" dirty="0" smtClean="0"/>
-              <a:t>TITLE</a:t>
-            </a:r>
-            <a:endParaRPr lang="it-IT" sz="650" dirty="0"/>
-          </a:p>
-        </p:txBody>
-      </p:sp>
-      <p:cxnSp>
-        <p:nvCxnSpPr>
-          <p:cNvPr id="227" name="Connettore 1 226"/>
-          <p:cNvCxnSpPr/>
-          <p:nvPr/>
-        </p:nvCxnSpPr>
-        <p:spPr>
-          <a:xfrm>
-            <a:off x="6861398" y="1124142"/>
-            <a:ext cx="0" cy="144016"/>
-          </a:xfrm>
-          <a:prstGeom prst="line">
-            <a:avLst/>
-          </a:prstGeom>
-          <a:ln>
-            <a:solidFill>
-              <a:schemeClr val="tx1"/>
-            </a:solidFill>
-          </a:ln>
-        </p:spPr>
-        <p:style>
-          <a:lnRef idx="1">
-            <a:schemeClr val="accent1"/>
-          </a:lnRef>
-          <a:fillRef idx="0">
-            <a:schemeClr val="accent1"/>
-          </a:fillRef>
-          <a:effectRef idx="0">
-            <a:schemeClr val="accent1"/>
-          </a:effectRef>
-          <a:fontRef idx="minor">
-            <a:schemeClr val="tx1"/>
-          </a:fontRef>
-        </p:style>
-      </p:cxnSp>
-      <p:sp>
-        <p:nvSpPr>
-          <p:cNvPr id="228" name="Ovale 227"/>
-          <p:cNvSpPr/>
-          <p:nvPr/>
-        </p:nvSpPr>
-        <p:spPr>
-          <a:xfrm rot="5400000" flipH="1">
-            <a:off x="6827490" y="1091504"/>
-            <a:ext cx="72008" cy="72008"/>
-          </a:xfrm>
-          <a:prstGeom prst="ellipse">
-            <a:avLst/>
-          </a:prstGeom>
-          <a:solidFill>
-            <a:schemeClr val="tx1"/>
-          </a:solidFill>
-          <a:ln w="12700">
-            <a:solidFill>
-              <a:schemeClr val="tx1"/>
-            </a:solidFill>
-          </a:ln>
-        </p:spPr>
-        <p:style>
-          <a:lnRef idx="2">
-            <a:schemeClr val="accent1">
-              <a:shade val="50000"/>
-            </a:schemeClr>
-          </a:lnRef>
-          <a:fillRef idx="1">
-            <a:schemeClr val="accent1"/>
-          </a:fillRef>
-          <a:effectRef idx="0">
-            <a:schemeClr val="accent1"/>
-          </a:effectRef>
-          <a:fontRef idx="minor">
-            <a:schemeClr val="lt1"/>
-          </a:fontRef>
-        </p:style>
-        <p:txBody>
-          <a:bodyPr rtlCol="0" anchor="ctr"/>
-          <a:lstStyle/>
-          <a:p>
-            <a:pPr algn="ctr"/>
-            <a:endParaRPr lang="it-IT" dirty="0"/>
-          </a:p>
-        </p:txBody>
-      </p:sp>
-      <p:sp>
-        <p:nvSpPr>
-          <p:cNvPr id="229" name="CasellaDiTesto 228"/>
-          <p:cNvSpPr txBox="1"/>
-          <p:nvPr/>
-        </p:nvSpPr>
-        <p:spPr>
-          <a:xfrm>
-            <a:off x="6679282" y="928438"/>
-            <a:ext cx="448940" cy="192360"/>
-          </a:xfrm>
-          <a:prstGeom prst="rect">
-            <a:avLst/>
-          </a:prstGeom>
-          <a:noFill/>
-        </p:spPr>
-        <p:txBody>
-          <a:bodyPr wrap="square" rtlCol="0">
-            <a:spAutoFit/>
-          </a:bodyPr>
-          <a:lstStyle/>
-          <a:p>
-            <a:r>
-              <a:rPr lang="it-IT" sz="650" dirty="0" smtClean="0"/>
-              <a:t>CODE</a:t>
-            </a:r>
-            <a:endParaRPr lang="it-IT" sz="650" dirty="0"/>
-          </a:p>
-        </p:txBody>
-      </p:sp>
-      <p:cxnSp>
-        <p:nvCxnSpPr>
-          <p:cNvPr id="230" name="Connettore 1 229"/>
-          <p:cNvCxnSpPr/>
-          <p:nvPr/>
-        </p:nvCxnSpPr>
-        <p:spPr>
-          <a:xfrm>
-            <a:off x="7346404" y="1125240"/>
-            <a:ext cx="0" cy="144016"/>
-          </a:xfrm>
-          <a:prstGeom prst="line">
-            <a:avLst/>
-          </a:prstGeom>
-          <a:ln>
-            <a:solidFill>
-              <a:schemeClr val="tx1"/>
-            </a:solidFill>
-          </a:ln>
-        </p:spPr>
-        <p:style>
-          <a:lnRef idx="1">
-            <a:schemeClr val="accent1"/>
-          </a:lnRef>
-          <a:fillRef idx="0">
-            <a:schemeClr val="accent1"/>
-          </a:fillRef>
-          <a:effectRef idx="0">
-            <a:schemeClr val="accent1"/>
-          </a:effectRef>
-          <a:fontRef idx="minor">
-            <a:schemeClr val="tx1"/>
-          </a:fontRef>
-        </p:style>
-      </p:cxnSp>
-      <p:sp>
-        <p:nvSpPr>
-          <p:cNvPr id="231" name="Ovale 230"/>
-          <p:cNvSpPr/>
-          <p:nvPr/>
-        </p:nvSpPr>
-        <p:spPr>
-          <a:xfrm rot="5400000" flipH="1">
-            <a:off x="7312496" y="1091160"/>
-            <a:ext cx="72008" cy="72008"/>
-          </a:xfrm>
-          <a:prstGeom prst="ellipse">
-            <a:avLst/>
-          </a:prstGeom>
-          <a:solidFill>
-            <a:schemeClr val="bg1"/>
-          </a:solidFill>
-          <a:ln w="12700">
-            <a:solidFill>
-              <a:schemeClr val="tx1"/>
-            </a:solidFill>
-          </a:ln>
-        </p:spPr>
-        <p:style>
-          <a:lnRef idx="2">
-            <a:schemeClr val="accent1">
-              <a:shade val="50000"/>
-            </a:schemeClr>
-          </a:lnRef>
-          <a:fillRef idx="1">
-            <a:schemeClr val="accent1"/>
-          </a:fillRef>
-          <a:effectRef idx="0">
-            <a:schemeClr val="accent1"/>
-          </a:effectRef>
-          <a:fontRef idx="minor">
-            <a:schemeClr val="lt1"/>
-          </a:fontRef>
-        </p:style>
-        <p:txBody>
-          <a:bodyPr rtlCol="0" anchor="ctr"/>
-          <a:lstStyle/>
-          <a:p>
-            <a:pPr algn="ctr"/>
-            <a:endParaRPr lang="it-IT" dirty="0"/>
-          </a:p>
-        </p:txBody>
-      </p:sp>
-      <p:sp>
-        <p:nvSpPr>
-          <p:cNvPr id="232" name="CasellaDiTesto 231"/>
-          <p:cNvSpPr txBox="1"/>
-          <p:nvPr/>
-        </p:nvSpPr>
-        <p:spPr>
-          <a:xfrm>
-            <a:off x="7164288" y="927922"/>
-            <a:ext cx="504056" cy="192360"/>
-          </a:xfrm>
-          <a:prstGeom prst="rect">
-            <a:avLst/>
-          </a:prstGeom>
-          <a:noFill/>
-        </p:spPr>
-        <p:txBody>
-          <a:bodyPr wrap="square" rtlCol="0">
-            <a:spAutoFit/>
-          </a:bodyPr>
-          <a:lstStyle/>
-          <a:p>
-            <a:r>
-              <a:rPr lang="it-IT" sz="650" dirty="0" smtClean="0"/>
-              <a:t>ENABLED</a:t>
-            </a:r>
-            <a:endParaRPr lang="it-IT" sz="650" dirty="0"/>
-          </a:p>
-        </p:txBody>
-      </p:sp>
-      <p:cxnSp>
-        <p:nvCxnSpPr>
-          <p:cNvPr id="240" name="Connettore 1 239"/>
-          <p:cNvCxnSpPr/>
-          <p:nvPr/>
-        </p:nvCxnSpPr>
-        <p:spPr>
-          <a:xfrm>
-            <a:off x="5793978" y="1773140"/>
-            <a:ext cx="0" cy="144016"/>
-          </a:xfrm>
-          <a:prstGeom prst="line">
-            <a:avLst/>
-          </a:prstGeom>
-          <a:ln>
-            <a:solidFill>
-              <a:schemeClr val="tx1"/>
-            </a:solidFill>
-          </a:ln>
-        </p:spPr>
-        <p:style>
-          <a:lnRef idx="1">
-            <a:schemeClr val="accent1"/>
-          </a:lnRef>
-          <a:fillRef idx="0">
-            <a:schemeClr val="accent1"/>
-          </a:fillRef>
-          <a:effectRef idx="0">
-            <a:schemeClr val="accent1"/>
-          </a:effectRef>
-          <a:fontRef idx="minor">
-            <a:schemeClr val="tx1"/>
-          </a:fontRef>
-        </p:style>
-      </p:cxnSp>
-      <p:sp>
-        <p:nvSpPr>
-          <p:cNvPr id="241" name="Ovale 240"/>
-          <p:cNvSpPr/>
-          <p:nvPr/>
-        </p:nvSpPr>
-        <p:spPr>
-          <a:xfrm rot="5400000" flipH="1">
-            <a:off x="5760070" y="1739060"/>
-            <a:ext cx="72008" cy="72008"/>
-          </a:xfrm>
-          <a:prstGeom prst="ellipse">
-            <a:avLst/>
-          </a:prstGeom>
-          <a:solidFill>
-            <a:schemeClr val="tx1"/>
-          </a:solidFill>
-          <a:ln w="12700">
-            <a:solidFill>
-              <a:schemeClr val="tx1"/>
-            </a:solidFill>
-          </a:ln>
-        </p:spPr>
-        <p:style>
-          <a:lnRef idx="2">
-            <a:schemeClr val="accent1">
-              <a:shade val="50000"/>
-            </a:schemeClr>
-          </a:lnRef>
-          <a:fillRef idx="1">
-            <a:schemeClr val="accent1"/>
-          </a:fillRef>
-          <a:effectRef idx="0">
-            <a:schemeClr val="accent1"/>
-          </a:effectRef>
-          <a:fontRef idx="minor">
-            <a:schemeClr val="lt1"/>
-          </a:fontRef>
-        </p:style>
-        <p:txBody>
-          <a:bodyPr rtlCol="0" anchor="ctr"/>
-          <a:lstStyle/>
-          <a:p>
-            <a:pPr algn="ctr"/>
-            <a:endParaRPr lang="it-IT" dirty="0"/>
-          </a:p>
-        </p:txBody>
-      </p:sp>
-      <p:sp>
-        <p:nvSpPr>
-          <p:cNvPr id="242" name="CasellaDiTesto 241"/>
-          <p:cNvSpPr txBox="1"/>
-          <p:nvPr/>
-        </p:nvSpPr>
-        <p:spPr>
-          <a:xfrm>
-            <a:off x="5611862" y="1569816"/>
-            <a:ext cx="432048" cy="192360"/>
-          </a:xfrm>
-          <a:prstGeom prst="rect">
-            <a:avLst/>
-          </a:prstGeom>
-          <a:noFill/>
-        </p:spPr>
-        <p:txBody>
-          <a:bodyPr wrap="square" rtlCol="0">
-            <a:spAutoFit/>
-          </a:bodyPr>
-          <a:lstStyle/>
-          <a:p>
-            <a:r>
-              <a:rPr lang="it-IT" sz="650" dirty="0" smtClean="0"/>
-              <a:t>CODE</a:t>
-            </a:r>
-            <a:endParaRPr lang="it-IT" sz="650" dirty="0"/>
-          </a:p>
-        </p:txBody>
-      </p:sp>
-      <p:cxnSp>
-        <p:nvCxnSpPr>
-          <p:cNvPr id="243" name="Connettore 1 242"/>
-          <p:cNvCxnSpPr/>
-          <p:nvPr/>
-        </p:nvCxnSpPr>
-        <p:spPr>
-          <a:xfrm>
-            <a:off x="6187926" y="1772042"/>
-            <a:ext cx="0" cy="144016"/>
-          </a:xfrm>
-          <a:prstGeom prst="line">
-            <a:avLst/>
-          </a:prstGeom>
-          <a:ln>
-            <a:solidFill>
-              <a:schemeClr val="tx1"/>
-            </a:solidFill>
-          </a:ln>
-        </p:spPr>
-        <p:style>
-          <a:lnRef idx="1">
-            <a:schemeClr val="accent1"/>
-          </a:lnRef>
-          <a:fillRef idx="0">
-            <a:schemeClr val="accent1"/>
-          </a:fillRef>
-          <a:effectRef idx="0">
-            <a:schemeClr val="accent1"/>
-          </a:effectRef>
-          <a:fontRef idx="minor">
-            <a:schemeClr val="tx1"/>
-          </a:fontRef>
-        </p:style>
-      </p:cxnSp>
-      <p:sp>
-        <p:nvSpPr>
-          <p:cNvPr id="244" name="Ovale 243"/>
-          <p:cNvSpPr/>
-          <p:nvPr/>
-        </p:nvSpPr>
-        <p:spPr>
-          <a:xfrm rot="5400000" flipH="1">
-            <a:off x="6147840" y="1739404"/>
-            <a:ext cx="72008" cy="72008"/>
-          </a:xfrm>
-          <a:prstGeom prst="ellipse">
-            <a:avLst/>
-          </a:prstGeom>
-          <a:solidFill>
-            <a:schemeClr val="bg1"/>
-          </a:solidFill>
-          <a:ln w="12700">
-            <a:solidFill>
-              <a:schemeClr val="tx1"/>
-            </a:solidFill>
-          </a:ln>
-        </p:spPr>
-        <p:style>
-          <a:lnRef idx="2">
-            <a:schemeClr val="accent1">
-              <a:shade val="50000"/>
-            </a:schemeClr>
-          </a:lnRef>
-          <a:fillRef idx="1">
-            <a:schemeClr val="accent1"/>
-          </a:fillRef>
-          <a:effectRef idx="0">
-            <a:schemeClr val="accent1"/>
-          </a:effectRef>
-          <a:fontRef idx="minor">
-            <a:schemeClr val="lt1"/>
-          </a:fontRef>
-        </p:style>
-        <p:txBody>
-          <a:bodyPr rtlCol="0" anchor="ctr"/>
-          <a:lstStyle/>
-          <a:p>
-            <a:pPr algn="ctr"/>
-            <a:endParaRPr lang="it-IT" dirty="0"/>
-          </a:p>
-        </p:txBody>
-      </p:sp>
-      <p:sp>
-        <p:nvSpPr>
-          <p:cNvPr id="245" name="CasellaDiTesto 244"/>
-          <p:cNvSpPr txBox="1"/>
-          <p:nvPr/>
-        </p:nvSpPr>
-        <p:spPr>
-          <a:xfrm>
-            <a:off x="6031554" y="1569816"/>
-            <a:ext cx="448940" cy="192360"/>
-          </a:xfrm>
-          <a:prstGeom prst="rect">
-            <a:avLst/>
-          </a:prstGeom>
-          <a:noFill/>
-        </p:spPr>
-        <p:txBody>
-          <a:bodyPr wrap="square" rtlCol="0">
-            <a:spAutoFit/>
-          </a:bodyPr>
-          <a:lstStyle/>
-          <a:p>
-            <a:r>
-              <a:rPr lang="it-IT" sz="650" dirty="0" smtClean="0"/>
-              <a:t>NAME</a:t>
-            </a:r>
-            <a:endParaRPr lang="it-IT" sz="650" dirty="0"/>
-          </a:p>
-        </p:txBody>
-      </p:sp>
-      <p:cxnSp>
-        <p:nvCxnSpPr>
-          <p:cNvPr id="246" name="Connettore 1 245"/>
-          <p:cNvCxnSpPr/>
-          <p:nvPr/>
-        </p:nvCxnSpPr>
-        <p:spPr>
-          <a:xfrm>
-            <a:off x="5971902" y="2139702"/>
-            <a:ext cx="0" cy="144016"/>
-          </a:xfrm>
-          <a:prstGeom prst="line">
-            <a:avLst/>
-          </a:prstGeom>
-          <a:ln>
-            <a:solidFill>
-              <a:schemeClr val="tx1"/>
-            </a:solidFill>
-          </a:ln>
-        </p:spPr>
-        <p:style>
-          <a:lnRef idx="1">
-            <a:schemeClr val="accent1"/>
-          </a:lnRef>
-          <a:fillRef idx="0">
-            <a:schemeClr val="accent1"/>
-          </a:fillRef>
-          <a:effectRef idx="0">
-            <a:schemeClr val="accent1"/>
-          </a:effectRef>
-          <a:fontRef idx="minor">
-            <a:schemeClr val="tx1"/>
-          </a:fontRef>
-        </p:style>
-      </p:cxnSp>
-      <p:sp>
-        <p:nvSpPr>
-          <p:cNvPr id="247" name="Ovale 246"/>
-          <p:cNvSpPr/>
-          <p:nvPr/>
-        </p:nvSpPr>
-        <p:spPr>
-          <a:xfrm rot="5400000" flipH="1">
-            <a:off x="5936962" y="2265184"/>
-            <a:ext cx="72008" cy="72008"/>
-          </a:xfrm>
-          <a:prstGeom prst="ellipse">
-            <a:avLst/>
-          </a:prstGeom>
-          <a:solidFill>
-            <a:schemeClr val="bg1"/>
-          </a:solidFill>
-          <a:ln w="12700">
-            <a:solidFill>
-              <a:schemeClr val="tx1"/>
-            </a:solidFill>
-          </a:ln>
-        </p:spPr>
-        <p:style>
-          <a:lnRef idx="2">
-            <a:schemeClr val="accent1">
-              <a:shade val="50000"/>
-            </a:schemeClr>
-          </a:lnRef>
-          <a:fillRef idx="1">
-            <a:schemeClr val="accent1"/>
-          </a:fillRef>
-          <a:effectRef idx="0">
-            <a:schemeClr val="accent1"/>
-          </a:effectRef>
-          <a:fontRef idx="minor">
-            <a:schemeClr val="lt1"/>
-          </a:fontRef>
-        </p:style>
-        <p:txBody>
-          <a:bodyPr rtlCol="0" anchor="ctr"/>
-          <a:lstStyle/>
-          <a:p>
-            <a:pPr algn="ctr"/>
-            <a:endParaRPr lang="it-IT" dirty="0"/>
-          </a:p>
-        </p:txBody>
-      </p:sp>
-      <p:sp>
-        <p:nvSpPr>
-          <p:cNvPr id="248" name="CasellaDiTesto 247"/>
-          <p:cNvSpPr txBox="1"/>
-          <p:nvPr/>
-        </p:nvSpPr>
-        <p:spPr>
-          <a:xfrm>
-            <a:off x="5827886" y="2308430"/>
-            <a:ext cx="448940" cy="192360"/>
-          </a:xfrm>
-          <a:prstGeom prst="rect">
-            <a:avLst/>
-          </a:prstGeom>
-          <a:noFill/>
-        </p:spPr>
-        <p:txBody>
-          <a:bodyPr wrap="square" rtlCol="0">
-            <a:spAutoFit/>
-          </a:bodyPr>
-          <a:lstStyle/>
-          <a:p>
-            <a:r>
-              <a:rPr lang="it-IT" sz="650" dirty="0" smtClean="0"/>
-              <a:t>TYPE</a:t>
-            </a:r>
-            <a:endParaRPr lang="it-IT" sz="650" dirty="0"/>
-          </a:p>
-        </p:txBody>
-      </p:sp>
-      <p:cxnSp>
-        <p:nvCxnSpPr>
-          <p:cNvPr id="252" name="Connettore 1 251"/>
-          <p:cNvCxnSpPr/>
-          <p:nvPr/>
-        </p:nvCxnSpPr>
-        <p:spPr>
-          <a:xfrm>
-            <a:off x="7346404" y="2427390"/>
-            <a:ext cx="0" cy="144016"/>
-          </a:xfrm>
-          <a:prstGeom prst="line">
-            <a:avLst/>
-          </a:prstGeom>
-          <a:ln>
-            <a:solidFill>
-              <a:schemeClr val="tx1"/>
-            </a:solidFill>
-          </a:ln>
-        </p:spPr>
-        <p:style>
-          <a:lnRef idx="1">
-            <a:schemeClr val="accent1"/>
-          </a:lnRef>
-          <a:fillRef idx="0">
-            <a:schemeClr val="accent1"/>
-          </a:fillRef>
-          <a:effectRef idx="0">
-            <a:schemeClr val="accent1"/>
-          </a:effectRef>
-          <a:fontRef idx="minor">
-            <a:schemeClr val="tx1"/>
-          </a:fontRef>
-        </p:style>
-      </p:cxnSp>
-      <p:sp>
-        <p:nvSpPr>
-          <p:cNvPr id="253" name="Ovale 252"/>
-          <p:cNvSpPr/>
-          <p:nvPr/>
-        </p:nvSpPr>
-        <p:spPr>
-          <a:xfrm rot="5400000" flipH="1">
-            <a:off x="7312496" y="2393310"/>
-            <a:ext cx="72008" cy="72008"/>
-          </a:xfrm>
-          <a:prstGeom prst="ellipse">
-            <a:avLst/>
-          </a:prstGeom>
-          <a:solidFill>
-            <a:schemeClr val="tx1"/>
-          </a:solidFill>
-          <a:ln w="12700">
-            <a:solidFill>
-              <a:schemeClr val="tx1"/>
-            </a:solidFill>
-          </a:ln>
-        </p:spPr>
-        <p:style>
-          <a:lnRef idx="2">
-            <a:schemeClr val="accent1">
-              <a:shade val="50000"/>
-            </a:schemeClr>
-          </a:lnRef>
-          <a:fillRef idx="1">
-            <a:schemeClr val="accent1"/>
-          </a:fillRef>
-          <a:effectRef idx="0">
-            <a:schemeClr val="accent1"/>
-          </a:effectRef>
-          <a:fontRef idx="minor">
-            <a:schemeClr val="lt1"/>
-          </a:fontRef>
-        </p:style>
-        <p:txBody>
-          <a:bodyPr rtlCol="0" anchor="ctr"/>
-          <a:lstStyle/>
-          <a:p>
-            <a:pPr algn="ctr"/>
-            <a:endParaRPr lang="it-IT" dirty="0"/>
-          </a:p>
-        </p:txBody>
-      </p:sp>
-      <p:sp>
-        <p:nvSpPr>
-          <p:cNvPr id="254" name="CasellaDiTesto 253"/>
-          <p:cNvSpPr txBox="1"/>
-          <p:nvPr/>
-        </p:nvSpPr>
-        <p:spPr>
-          <a:xfrm>
-            <a:off x="7164288" y="2224066"/>
-            <a:ext cx="432048" cy="192360"/>
-          </a:xfrm>
-          <a:prstGeom prst="rect">
-            <a:avLst/>
-          </a:prstGeom>
-          <a:noFill/>
-        </p:spPr>
-        <p:txBody>
-          <a:bodyPr wrap="square" rtlCol="0">
-            <a:spAutoFit/>
-          </a:bodyPr>
-          <a:lstStyle/>
-          <a:p>
-            <a:r>
-              <a:rPr lang="it-IT" sz="650" dirty="0" smtClean="0"/>
-              <a:t>CODE</a:t>
-            </a:r>
-            <a:endParaRPr lang="it-IT" sz="650" dirty="0"/>
-          </a:p>
-        </p:txBody>
-      </p:sp>
-      <p:cxnSp>
-        <p:nvCxnSpPr>
-          <p:cNvPr id="255" name="Connettore 1 254"/>
-          <p:cNvCxnSpPr/>
-          <p:nvPr/>
-        </p:nvCxnSpPr>
-        <p:spPr>
-          <a:xfrm>
-            <a:off x="5258172" y="3578076"/>
-            <a:ext cx="0" cy="144016"/>
-          </a:xfrm>
-          <a:prstGeom prst="line">
-            <a:avLst/>
-          </a:prstGeom>
-          <a:ln>
-            <a:solidFill>
-              <a:schemeClr val="tx1"/>
-            </a:solidFill>
-          </a:ln>
-        </p:spPr>
-        <p:style>
-          <a:lnRef idx="1">
-            <a:schemeClr val="accent1"/>
-          </a:lnRef>
-          <a:fillRef idx="0">
-            <a:schemeClr val="accent1"/>
-          </a:fillRef>
-          <a:effectRef idx="0">
-            <a:schemeClr val="accent1"/>
-          </a:effectRef>
-          <a:fontRef idx="minor">
-            <a:schemeClr val="tx1"/>
-          </a:fontRef>
-        </p:style>
-      </p:cxnSp>
-      <p:sp>
-        <p:nvSpPr>
-          <p:cNvPr id="256" name="Ovale 255"/>
-          <p:cNvSpPr/>
-          <p:nvPr/>
-        </p:nvSpPr>
-        <p:spPr>
-          <a:xfrm rot="5400000" flipH="1">
-            <a:off x="5224264" y="3551616"/>
-            <a:ext cx="72008" cy="72008"/>
-          </a:xfrm>
-          <a:prstGeom prst="ellipse">
-            <a:avLst/>
-          </a:prstGeom>
-          <a:solidFill>
-            <a:schemeClr val="tx1"/>
-          </a:solidFill>
-          <a:ln w="12700">
-            <a:solidFill>
-              <a:schemeClr val="tx1"/>
-            </a:solidFill>
-          </a:ln>
-        </p:spPr>
-        <p:style>
-          <a:lnRef idx="2">
-            <a:schemeClr val="accent1">
-              <a:shade val="50000"/>
-            </a:schemeClr>
-          </a:lnRef>
-          <a:fillRef idx="1">
-            <a:schemeClr val="accent1"/>
-          </a:fillRef>
-          <a:effectRef idx="0">
-            <a:schemeClr val="accent1"/>
-          </a:effectRef>
-          <a:fontRef idx="minor">
-            <a:schemeClr val="lt1"/>
-          </a:fontRef>
-        </p:style>
-        <p:txBody>
-          <a:bodyPr rtlCol="0" anchor="ctr"/>
-          <a:lstStyle/>
-          <a:p>
-            <a:pPr algn="ctr"/>
-            <a:endParaRPr lang="it-IT" dirty="0"/>
-          </a:p>
-        </p:txBody>
-      </p:sp>
-      <p:sp>
-        <p:nvSpPr>
-          <p:cNvPr id="257" name="CasellaDiTesto 256"/>
-          <p:cNvSpPr txBox="1"/>
-          <p:nvPr/>
-        </p:nvSpPr>
-        <p:spPr>
-          <a:xfrm>
-            <a:off x="5076056" y="3382372"/>
-            <a:ext cx="432048" cy="192360"/>
-          </a:xfrm>
-          <a:prstGeom prst="rect">
-            <a:avLst/>
-          </a:prstGeom>
-          <a:noFill/>
-        </p:spPr>
-        <p:txBody>
-          <a:bodyPr wrap="square" rtlCol="0">
-            <a:spAutoFit/>
-          </a:bodyPr>
-          <a:lstStyle/>
-          <a:p>
-            <a:r>
-              <a:rPr lang="it-IT" sz="650" dirty="0" smtClean="0"/>
-              <a:t>CODE</a:t>
-            </a:r>
-            <a:endParaRPr lang="it-IT" sz="650" dirty="0"/>
-          </a:p>
-        </p:txBody>
-      </p:sp>
-      <p:cxnSp>
-        <p:nvCxnSpPr>
-          <p:cNvPr id="261" name="Connettore 1 260"/>
-          <p:cNvCxnSpPr/>
-          <p:nvPr/>
-        </p:nvCxnSpPr>
-        <p:spPr>
-          <a:xfrm>
-            <a:off x="6244590" y="1131590"/>
-            <a:ext cx="0" cy="144016"/>
-          </a:xfrm>
-          <a:prstGeom prst="line">
-            <a:avLst/>
-          </a:prstGeom>
-          <a:ln>
-            <a:solidFill>
-              <a:schemeClr val="tx1"/>
-            </a:solidFill>
-          </a:ln>
-        </p:spPr>
-        <p:style>
-          <a:lnRef idx="1">
-            <a:schemeClr val="accent1"/>
-          </a:lnRef>
-          <a:fillRef idx="0">
-            <a:schemeClr val="accent1"/>
-          </a:fillRef>
-          <a:effectRef idx="0">
-            <a:schemeClr val="accent1"/>
-          </a:effectRef>
-          <a:fontRef idx="minor">
-            <a:schemeClr val="tx1"/>
-          </a:fontRef>
-        </p:style>
-      </p:cxnSp>
-      <p:sp>
-        <p:nvSpPr>
-          <p:cNvPr id="262" name="Ovale 261"/>
-          <p:cNvSpPr/>
-          <p:nvPr/>
-        </p:nvSpPr>
-        <p:spPr>
-          <a:xfrm rot="5400000" flipH="1">
-            <a:off x="6210682" y="1097510"/>
-            <a:ext cx="72008" cy="72008"/>
-          </a:xfrm>
-          <a:prstGeom prst="ellipse">
-            <a:avLst/>
-          </a:prstGeom>
-          <a:solidFill>
-            <a:schemeClr val="bg1"/>
-          </a:solidFill>
-          <a:ln w="12700">
-            <a:solidFill>
-              <a:schemeClr val="tx1"/>
-            </a:solidFill>
-          </a:ln>
-        </p:spPr>
-        <p:style>
-          <a:lnRef idx="2">
-            <a:schemeClr val="accent1">
-              <a:shade val="50000"/>
-            </a:schemeClr>
-          </a:lnRef>
-          <a:fillRef idx="1">
-            <a:schemeClr val="accent1"/>
-          </a:fillRef>
-          <a:effectRef idx="0">
-            <a:schemeClr val="accent1"/>
-          </a:effectRef>
-          <a:fontRef idx="minor">
-            <a:schemeClr val="lt1"/>
-          </a:fontRef>
-        </p:style>
-        <p:txBody>
-          <a:bodyPr rtlCol="0" anchor="ctr"/>
-          <a:lstStyle/>
-          <a:p>
-            <a:pPr algn="ctr"/>
-            <a:endParaRPr lang="it-IT" dirty="0"/>
-          </a:p>
-        </p:txBody>
-      </p:sp>
-      <p:sp>
-        <p:nvSpPr>
-          <p:cNvPr id="263" name="CasellaDiTesto 262"/>
-          <p:cNvSpPr txBox="1"/>
-          <p:nvPr/>
-        </p:nvSpPr>
-        <p:spPr>
-          <a:xfrm>
-            <a:off x="6106752" y="927922"/>
-            <a:ext cx="448940" cy="192360"/>
-          </a:xfrm>
-          <a:prstGeom prst="rect">
-            <a:avLst/>
-          </a:prstGeom>
-          <a:noFill/>
-        </p:spPr>
-        <p:txBody>
-          <a:bodyPr wrap="square" rtlCol="0">
-            <a:spAutoFit/>
-          </a:bodyPr>
-          <a:lstStyle/>
-          <a:p>
-            <a:r>
-              <a:rPr lang="it-IT" sz="650" dirty="0" smtClean="0"/>
               <a:t>SOLVED</a:t>
             </a:r>
             <a:endParaRPr lang="it-IT" sz="650" dirty="0"/>
@@ -9975,7 +9849,7 @@
         <p:spPr>
           <a:xfrm>
             <a:off x="2195736" y="1811412"/>
-            <a:ext cx="864096" cy="288032"/>
+            <a:ext cx="720080" cy="288032"/>
           </a:xfrm>
           <a:prstGeom prst="diamond">
             <a:avLst/>
@@ -13614,232 +13488,6 @@
           </a:p>
         </p:txBody>
       </p:sp>
-      <p:cxnSp>
-        <p:nvCxnSpPr>
-          <p:cNvPr id="394" name="Connettore 1 393"/>
-          <p:cNvCxnSpPr/>
-          <p:nvPr/>
-        </p:nvCxnSpPr>
-        <p:spPr>
-          <a:xfrm>
-            <a:off x="7956376" y="4515966"/>
-            <a:ext cx="0" cy="144016"/>
-          </a:xfrm>
-          <a:prstGeom prst="line">
-            <a:avLst/>
-          </a:prstGeom>
-          <a:ln>
-            <a:solidFill>
-              <a:schemeClr val="tx1"/>
-            </a:solidFill>
-          </a:ln>
-        </p:spPr>
-        <p:style>
-          <a:lnRef idx="1">
-            <a:schemeClr val="accent1"/>
-          </a:lnRef>
-          <a:fillRef idx="0">
-            <a:schemeClr val="accent1"/>
-          </a:fillRef>
-          <a:effectRef idx="0">
-            <a:schemeClr val="accent1"/>
-          </a:effectRef>
-          <a:fontRef idx="minor">
-            <a:schemeClr val="tx1"/>
-          </a:fontRef>
-        </p:style>
-      </p:cxnSp>
-      <p:sp>
-        <p:nvSpPr>
-          <p:cNvPr id="395" name="Ovale 394"/>
-          <p:cNvSpPr/>
-          <p:nvPr/>
-        </p:nvSpPr>
-        <p:spPr>
-          <a:xfrm rot="5400000" flipH="1">
-            <a:off x="7925896" y="4659982"/>
-            <a:ext cx="72008" cy="72008"/>
-          </a:xfrm>
-          <a:prstGeom prst="ellipse">
-            <a:avLst/>
-          </a:prstGeom>
-          <a:solidFill>
-            <a:schemeClr val="bg1"/>
-          </a:solidFill>
-          <a:ln w="12700">
-            <a:solidFill>
-              <a:schemeClr val="tx1"/>
-            </a:solidFill>
-          </a:ln>
-        </p:spPr>
-        <p:style>
-          <a:lnRef idx="2">
-            <a:schemeClr val="accent1">
-              <a:shade val="50000"/>
-            </a:schemeClr>
-          </a:lnRef>
-          <a:fillRef idx="1">
-            <a:schemeClr val="accent1"/>
-          </a:fillRef>
-          <a:effectRef idx="0">
-            <a:schemeClr val="accent1"/>
-          </a:effectRef>
-          <a:fontRef idx="minor">
-            <a:schemeClr val="lt1"/>
-          </a:fontRef>
-        </p:style>
-        <p:txBody>
-          <a:bodyPr rtlCol="0" anchor="ctr"/>
-          <a:lstStyle/>
-          <a:p>
-            <a:pPr algn="ctr"/>
-            <a:endParaRPr lang="it-IT" dirty="0"/>
-          </a:p>
-        </p:txBody>
-      </p:sp>
-      <p:sp>
-        <p:nvSpPr>
-          <p:cNvPr id="396" name="CasellaDiTesto 395"/>
-          <p:cNvSpPr txBox="1"/>
-          <p:nvPr/>
-        </p:nvSpPr>
-        <p:spPr>
-          <a:xfrm>
-            <a:off x="7714064" y="4701510"/>
-            <a:ext cx="576064" cy="192360"/>
-          </a:xfrm>
-          <a:prstGeom prst="rect">
-            <a:avLst/>
-          </a:prstGeom>
-          <a:noFill/>
-        </p:spPr>
-        <p:txBody>
-          <a:bodyPr wrap="square" rtlCol="0">
-            <a:spAutoFit/>
-          </a:bodyPr>
-          <a:lstStyle/>
-          <a:p>
-            <a:r>
-              <a:rPr lang="it-IT" sz="650" dirty="0" smtClean="0"/>
-              <a:t>OBTAINED</a:t>
-            </a:r>
-            <a:endParaRPr lang="it-IT" sz="650" dirty="0"/>
-          </a:p>
-        </p:txBody>
-      </p:sp>
-      <p:cxnSp>
-        <p:nvCxnSpPr>
-          <p:cNvPr id="400" name="Connettore 1 399"/>
-          <p:cNvCxnSpPr/>
-          <p:nvPr/>
-        </p:nvCxnSpPr>
-        <p:spPr>
-          <a:xfrm flipV="1">
-            <a:off x="7956376" y="885086"/>
-            <a:ext cx="0" cy="144016"/>
-          </a:xfrm>
-          <a:prstGeom prst="line">
-            <a:avLst/>
-          </a:prstGeom>
-          <a:ln>
-            <a:solidFill>
-              <a:schemeClr val="tx1"/>
-            </a:solidFill>
-          </a:ln>
-        </p:spPr>
-        <p:style>
-          <a:lnRef idx="1">
-            <a:schemeClr val="accent1"/>
-          </a:lnRef>
-          <a:fillRef idx="0">
-            <a:schemeClr val="accent1"/>
-          </a:fillRef>
-          <a:effectRef idx="0">
-            <a:schemeClr val="accent1"/>
-          </a:effectRef>
-          <a:fontRef idx="minor">
-            <a:schemeClr val="tx1"/>
-          </a:fontRef>
-        </p:style>
-      </p:cxnSp>
-      <p:sp>
-        <p:nvSpPr>
-          <p:cNvPr id="402" name="Ovale 401"/>
-          <p:cNvSpPr/>
-          <p:nvPr/>
-        </p:nvSpPr>
-        <p:spPr>
-          <a:xfrm rot="5400000" flipH="1">
-            <a:off x="7918276" y="835938"/>
-            <a:ext cx="72008" cy="72008"/>
-          </a:xfrm>
-          <a:prstGeom prst="ellipse">
-            <a:avLst/>
-          </a:prstGeom>
-          <a:solidFill>
-            <a:schemeClr val="bg1"/>
-          </a:solidFill>
-          <a:ln w="12700">
-            <a:solidFill>
-              <a:schemeClr val="tx1"/>
-            </a:solidFill>
-          </a:ln>
-        </p:spPr>
-        <p:style>
-          <a:lnRef idx="2">
-            <a:schemeClr val="accent1">
-              <a:shade val="50000"/>
-            </a:schemeClr>
-          </a:lnRef>
-          <a:fillRef idx="1">
-            <a:schemeClr val="accent1"/>
-          </a:fillRef>
-          <a:effectRef idx="0">
-            <a:schemeClr val="accent1"/>
-          </a:effectRef>
-          <a:fontRef idx="minor">
-            <a:schemeClr val="lt1"/>
-          </a:fontRef>
-        </p:style>
-        <p:txBody>
-          <a:bodyPr rtlCol="0" anchor="ctr"/>
-          <a:lstStyle/>
-          <a:p>
-            <a:pPr algn="ctr"/>
-            <a:endParaRPr lang="it-IT" dirty="0"/>
-          </a:p>
-        </p:txBody>
-      </p:sp>
-      <p:sp>
-        <p:nvSpPr>
-          <p:cNvPr id="403" name="CasellaDiTesto 402"/>
-          <p:cNvSpPr txBox="1"/>
-          <p:nvPr/>
-        </p:nvSpPr>
-        <p:spPr>
-          <a:xfrm>
-            <a:off x="7706444" y="673254"/>
-            <a:ext cx="576064" cy="192360"/>
-          </a:xfrm>
-          <a:prstGeom prst="rect">
-            <a:avLst/>
-          </a:prstGeom>
-          <a:noFill/>
-        </p:spPr>
-        <p:txBody>
-          <a:bodyPr wrap="square" rtlCol="0">
-            <a:spAutoFit/>
-          </a:bodyPr>
-          <a:lstStyle/>
-          <a:p>
-            <a:r>
-              <a:rPr lang="it-IT" sz="650" dirty="0" smtClean="0"/>
-              <a:t>OBTAINED</a:t>
-            </a:r>
-            <a:endParaRPr lang="it-IT" sz="650" dirty="0"/>
-          </a:p>
-        </p:txBody>
-      </p:sp>
       <p:sp>
         <p:nvSpPr>
           <p:cNvPr id="406" name="CasellaDiTesto 405"/>
@@ -14846,6 +14494,299 @@
               <a:rPr lang="it-IT" sz="650" dirty="0" smtClean="0"/>
               <a:t>DESCRIPTION</a:t>
             </a:r>
+          </a:p>
+        </p:txBody>
+      </p:sp>
+      <p:cxnSp>
+        <p:nvCxnSpPr>
+          <p:cNvPr id="341" name="Connettore 1 340"/>
+          <p:cNvCxnSpPr/>
+          <p:nvPr/>
+        </p:nvCxnSpPr>
+        <p:spPr>
+          <a:xfrm>
+            <a:off x="539552" y="411510"/>
+            <a:ext cx="0" cy="144016"/>
+          </a:xfrm>
+          <a:prstGeom prst="line">
+            <a:avLst/>
+          </a:prstGeom>
+          <a:ln>
+            <a:solidFill>
+              <a:schemeClr val="tx1"/>
+            </a:solidFill>
+          </a:ln>
+        </p:spPr>
+        <p:style>
+          <a:lnRef idx="1">
+            <a:schemeClr val="accent1"/>
+          </a:lnRef>
+          <a:fillRef idx="0">
+            <a:schemeClr val="accent1"/>
+          </a:fillRef>
+          <a:effectRef idx="0">
+            <a:schemeClr val="accent1"/>
+          </a:effectRef>
+          <a:fontRef idx="minor">
+            <a:schemeClr val="tx1"/>
+          </a:fontRef>
+        </p:style>
+      </p:cxnSp>
+      <p:sp>
+        <p:nvSpPr>
+          <p:cNvPr id="342" name="Ovale 341"/>
+          <p:cNvSpPr/>
+          <p:nvPr/>
+        </p:nvSpPr>
+        <p:spPr>
+          <a:xfrm rot="5400000" flipH="1">
+            <a:off x="502254" y="549132"/>
+            <a:ext cx="72008" cy="72008"/>
+          </a:xfrm>
+          <a:prstGeom prst="ellipse">
+            <a:avLst/>
+          </a:prstGeom>
+          <a:solidFill>
+            <a:schemeClr val="tx1"/>
+          </a:solidFill>
+          <a:ln w="12700">
+            <a:solidFill>
+              <a:schemeClr val="tx1"/>
+            </a:solidFill>
+          </a:ln>
+        </p:spPr>
+        <p:style>
+          <a:lnRef idx="2">
+            <a:schemeClr val="accent1">
+              <a:shade val="50000"/>
+            </a:schemeClr>
+          </a:lnRef>
+          <a:fillRef idx="1">
+            <a:schemeClr val="accent1"/>
+          </a:fillRef>
+          <a:effectRef idx="0">
+            <a:schemeClr val="accent1"/>
+          </a:effectRef>
+          <a:fontRef idx="minor">
+            <a:schemeClr val="lt1"/>
+          </a:fontRef>
+        </p:style>
+        <p:txBody>
+          <a:bodyPr rtlCol="0" anchor="ctr"/>
+          <a:lstStyle/>
+          <a:p>
+            <a:pPr algn="ctr"/>
+            <a:endParaRPr lang="it-IT" dirty="0"/>
+          </a:p>
+        </p:txBody>
+      </p:sp>
+      <p:cxnSp>
+        <p:nvCxnSpPr>
+          <p:cNvPr id="343" name="Connettore 1 342"/>
+          <p:cNvCxnSpPr/>
+          <p:nvPr/>
+        </p:nvCxnSpPr>
+        <p:spPr>
+          <a:xfrm>
+            <a:off x="1115616" y="411510"/>
+            <a:ext cx="0" cy="144016"/>
+          </a:xfrm>
+          <a:prstGeom prst="line">
+            <a:avLst/>
+          </a:prstGeom>
+          <a:ln>
+            <a:solidFill>
+              <a:schemeClr val="tx1"/>
+            </a:solidFill>
+          </a:ln>
+        </p:spPr>
+        <p:style>
+          <a:lnRef idx="1">
+            <a:schemeClr val="accent1"/>
+          </a:lnRef>
+          <a:fillRef idx="0">
+            <a:schemeClr val="accent1"/>
+          </a:fillRef>
+          <a:effectRef idx="0">
+            <a:schemeClr val="accent1"/>
+          </a:effectRef>
+          <a:fontRef idx="minor">
+            <a:schemeClr val="tx1"/>
+          </a:fontRef>
+        </p:style>
+      </p:cxnSp>
+      <p:sp>
+        <p:nvSpPr>
+          <p:cNvPr id="344" name="Ovale 343"/>
+          <p:cNvSpPr/>
+          <p:nvPr/>
+        </p:nvSpPr>
+        <p:spPr>
+          <a:xfrm rot="5400000" flipH="1">
+            <a:off x="1090138" y="547059"/>
+            <a:ext cx="72008" cy="72008"/>
+          </a:xfrm>
+          <a:prstGeom prst="ellipse">
+            <a:avLst/>
+          </a:prstGeom>
+          <a:solidFill>
+            <a:schemeClr val="bg1"/>
+          </a:solidFill>
+          <a:ln w="12700">
+            <a:solidFill>
+              <a:schemeClr val="tx1"/>
+            </a:solidFill>
+          </a:ln>
+        </p:spPr>
+        <p:style>
+          <a:lnRef idx="2">
+            <a:schemeClr val="accent1">
+              <a:shade val="50000"/>
+            </a:schemeClr>
+          </a:lnRef>
+          <a:fillRef idx="1">
+            <a:schemeClr val="accent1"/>
+          </a:fillRef>
+          <a:effectRef idx="0">
+            <a:schemeClr val="accent1"/>
+          </a:effectRef>
+          <a:fontRef idx="minor">
+            <a:schemeClr val="lt1"/>
+          </a:fontRef>
+        </p:style>
+        <p:txBody>
+          <a:bodyPr rtlCol="0" anchor="ctr"/>
+          <a:lstStyle/>
+          <a:p>
+            <a:pPr algn="ctr"/>
+            <a:endParaRPr lang="it-IT" dirty="0"/>
+          </a:p>
+        </p:txBody>
+      </p:sp>
+      <p:sp>
+        <p:nvSpPr>
+          <p:cNvPr id="351" name="Rombo 350"/>
+          <p:cNvSpPr/>
+          <p:nvPr/>
+        </p:nvSpPr>
+        <p:spPr>
+          <a:xfrm>
+            <a:off x="2555776" y="161618"/>
+            <a:ext cx="864096" cy="288032"/>
+          </a:xfrm>
+          <a:prstGeom prst="diamond">
+            <a:avLst/>
+          </a:prstGeom>
+          <a:solidFill>
+            <a:schemeClr val="bg1"/>
+          </a:solidFill>
+          <a:ln w="12700">
+            <a:solidFill>
+              <a:schemeClr val="tx1"/>
+            </a:solidFill>
+          </a:ln>
+        </p:spPr>
+        <p:style>
+          <a:lnRef idx="2">
+            <a:schemeClr val="accent1">
+              <a:shade val="50000"/>
+            </a:schemeClr>
+          </a:lnRef>
+          <a:fillRef idx="1">
+            <a:schemeClr val="accent1"/>
+          </a:fillRef>
+          <a:effectRef idx="0">
+            <a:schemeClr val="accent1"/>
+          </a:effectRef>
+          <a:fontRef idx="minor">
+            <a:schemeClr val="lt1"/>
+          </a:fontRef>
+        </p:style>
+        <p:txBody>
+          <a:bodyPr rtlCol="0" anchor="ctr"/>
+          <a:lstStyle/>
+          <a:p>
+            <a:pPr algn="ctr"/>
+            <a:r>
+              <a:rPr lang="it-IT" sz="800" b="1" dirty="0" smtClean="0">
+                <a:solidFill>
+                  <a:schemeClr val="tx1"/>
+                </a:solidFill>
+              </a:rPr>
+              <a:t>G1C</a:t>
+            </a:r>
+            <a:endParaRPr lang="it-IT" sz="800" b="1" dirty="0">
+              <a:solidFill>
+                <a:schemeClr val="tx1"/>
+              </a:solidFill>
+            </a:endParaRPr>
+          </a:p>
+        </p:txBody>
+      </p:sp>
+      <p:cxnSp>
+        <p:nvCxnSpPr>
+          <p:cNvPr id="355" name="Connettore 1 354"/>
+          <p:cNvCxnSpPr>
+            <a:stCxn id="351" idx="2"/>
+          </p:cNvCxnSpPr>
+          <p:nvPr/>
+        </p:nvCxnSpPr>
+        <p:spPr>
+          <a:xfrm>
+            <a:off x="2987824" y="449650"/>
+            <a:ext cx="0" cy="2122100"/>
+          </a:xfrm>
+          <a:prstGeom prst="line">
+            <a:avLst/>
+          </a:prstGeom>
+          <a:ln>
+            <a:solidFill>
+              <a:schemeClr val="tx1"/>
+            </a:solidFill>
+          </a:ln>
+        </p:spPr>
+        <p:style>
+          <a:lnRef idx="1">
+            <a:schemeClr val="accent1"/>
+          </a:lnRef>
+          <a:fillRef idx="0">
+            <a:schemeClr val="accent1"/>
+          </a:fillRef>
+          <a:effectRef idx="0">
+            <a:schemeClr val="accent1"/>
+          </a:effectRef>
+          <a:fontRef idx="minor">
+            <a:schemeClr val="tx1"/>
+          </a:fontRef>
+        </p:style>
+      </p:cxnSp>
+      <p:sp>
+        <p:nvSpPr>
+          <p:cNvPr id="399" name="CasellaDiTesto 398"/>
+          <p:cNvSpPr txBox="1"/>
+          <p:nvPr/>
+        </p:nvSpPr>
+        <p:spPr>
+          <a:xfrm>
+            <a:off x="1217297" y="297167"/>
+            <a:ext cx="288032" cy="192360"/>
+          </a:xfrm>
+          <a:prstGeom prst="rect">
+            <a:avLst/>
+          </a:prstGeom>
+          <a:noFill/>
+        </p:spPr>
+        <p:txBody>
+          <a:bodyPr wrap="square" rtlCol="0">
+            <a:spAutoFit/>
+          </a:bodyPr>
+          <a:lstStyle/>
+          <a:p>
+            <a:r>
+              <a:rPr lang="it-IT" sz="650" dirty="0" smtClean="0"/>
+              <a:t>0.1</a:t>
+            </a:r>
+            <a:endParaRPr lang="it-IT" sz="650" dirty="0"/>
           </a:p>
         </p:txBody>
       </p:sp>

--- a/Documentazione/database.pptx
+++ b/Documentazione/database.pptx
@@ -193,7 +193,7 @@
             <a:fld id="{E36400BA-0FAF-41C7-AD02-864713816CB5}" type="datetimeFigureOut">
               <a:rPr lang="it-IT" smtClean="0"/>
               <a:pPr/>
-              <a:t>01/10/2016</a:t>
+              <a:t>03/10/2016</a:t>
             </a:fld>
             <a:endParaRPr lang="it-IT"/>
           </a:p>
@@ -723,7 +723,7 @@
             <a:fld id="{920B080A-5D88-430C-A764-4252F62C936A}" type="datetimeFigureOut">
               <a:rPr lang="it-IT" smtClean="0"/>
               <a:pPr/>
-              <a:t>01/10/2016</a:t>
+              <a:t>03/10/2016</a:t>
             </a:fld>
             <a:endParaRPr lang="it-IT"/>
           </a:p>
@@ -890,7 +890,7 @@
             <a:fld id="{920B080A-5D88-430C-A764-4252F62C936A}" type="datetimeFigureOut">
               <a:rPr lang="it-IT" smtClean="0"/>
               <a:pPr/>
-              <a:t>01/10/2016</a:t>
+              <a:t>03/10/2016</a:t>
             </a:fld>
             <a:endParaRPr lang="it-IT"/>
           </a:p>
@@ -1067,7 +1067,7 @@
             <a:fld id="{920B080A-5D88-430C-A764-4252F62C936A}" type="datetimeFigureOut">
               <a:rPr lang="it-IT" smtClean="0"/>
               <a:pPr/>
-              <a:t>01/10/2016</a:t>
+              <a:t>03/10/2016</a:t>
             </a:fld>
             <a:endParaRPr lang="it-IT"/>
           </a:p>
@@ -1234,7 +1234,7 @@
             <a:fld id="{920B080A-5D88-430C-A764-4252F62C936A}" type="datetimeFigureOut">
               <a:rPr lang="it-IT" smtClean="0"/>
               <a:pPr/>
-              <a:t>01/10/2016</a:t>
+              <a:t>03/10/2016</a:t>
             </a:fld>
             <a:endParaRPr lang="it-IT"/>
           </a:p>
@@ -1477,7 +1477,7 @@
             <a:fld id="{920B080A-5D88-430C-A764-4252F62C936A}" type="datetimeFigureOut">
               <a:rPr lang="it-IT" smtClean="0"/>
               <a:pPr/>
-              <a:t>01/10/2016</a:t>
+              <a:t>03/10/2016</a:t>
             </a:fld>
             <a:endParaRPr lang="it-IT"/>
           </a:p>
@@ -1762,7 +1762,7 @@
             <a:fld id="{920B080A-5D88-430C-A764-4252F62C936A}" type="datetimeFigureOut">
               <a:rPr lang="it-IT" smtClean="0"/>
               <a:pPr/>
-              <a:t>01/10/2016</a:t>
+              <a:t>03/10/2016</a:t>
             </a:fld>
             <a:endParaRPr lang="it-IT"/>
           </a:p>
@@ -2186,7 +2186,7 @@
             <a:fld id="{920B080A-5D88-430C-A764-4252F62C936A}" type="datetimeFigureOut">
               <a:rPr lang="it-IT" smtClean="0"/>
               <a:pPr/>
-              <a:t>01/10/2016</a:t>
+              <a:t>03/10/2016</a:t>
             </a:fld>
             <a:endParaRPr lang="it-IT"/>
           </a:p>
@@ -2301,7 +2301,7 @@
             <a:fld id="{920B080A-5D88-430C-A764-4252F62C936A}" type="datetimeFigureOut">
               <a:rPr lang="it-IT" smtClean="0"/>
               <a:pPr/>
-              <a:t>01/10/2016</a:t>
+              <a:t>03/10/2016</a:t>
             </a:fld>
             <a:endParaRPr lang="it-IT"/>
           </a:p>
@@ -2393,7 +2393,7 @@
             <a:fld id="{920B080A-5D88-430C-A764-4252F62C936A}" type="datetimeFigureOut">
               <a:rPr lang="it-IT" smtClean="0"/>
               <a:pPr/>
-              <a:t>01/10/2016</a:t>
+              <a:t>03/10/2016</a:t>
             </a:fld>
             <a:endParaRPr lang="it-IT"/>
           </a:p>
@@ -2667,7 +2667,7 @@
             <a:fld id="{920B080A-5D88-430C-A764-4252F62C936A}" type="datetimeFigureOut">
               <a:rPr lang="it-IT" smtClean="0"/>
               <a:pPr/>
-              <a:t>01/10/2016</a:t>
+              <a:t>03/10/2016</a:t>
             </a:fld>
             <a:endParaRPr lang="it-IT"/>
           </a:p>
@@ -2917,7 +2917,7 @@
             <a:fld id="{920B080A-5D88-430C-A764-4252F62C936A}" type="datetimeFigureOut">
               <a:rPr lang="it-IT" smtClean="0"/>
               <a:pPr/>
-              <a:t>01/10/2016</a:t>
+              <a:t>03/10/2016</a:t>
             </a:fld>
             <a:endParaRPr lang="it-IT"/>
           </a:p>
@@ -3127,7 +3127,7 @@
             <a:fld id="{920B080A-5D88-430C-A764-4252F62C936A}" type="datetimeFigureOut">
               <a:rPr lang="it-IT" smtClean="0"/>
               <a:pPr/>
-              <a:t>01/10/2016</a:t>
+              <a:t>03/10/2016</a:t>
             </a:fld>
             <a:endParaRPr lang="it-IT"/>
           </a:p>
@@ -7475,7 +7475,7 @@
         </p:nvCxnSpPr>
         <p:spPr>
           <a:xfrm>
-            <a:off x="1187624" y="1123970"/>
+            <a:off x="537900" y="1123970"/>
             <a:ext cx="0" cy="144016"/>
           </a:xfrm>
           <a:prstGeom prst="line">
@@ -7510,7 +7510,7 @@
         </p:nvSpPr>
         <p:spPr>
           <a:xfrm rot="5400000" flipH="1">
-            <a:off x="1153716" y="1091332"/>
+            <a:off x="503992" y="1091332"/>
             <a:ext cx="72008" cy="72008"/>
           </a:xfrm>
           <a:prstGeom prst="ellipse">
@@ -7558,7 +7558,7 @@
         </p:nvSpPr>
         <p:spPr>
           <a:xfrm>
-            <a:off x="1005508" y="928266"/>
+            <a:off x="360356" y="928266"/>
             <a:ext cx="448940" cy="192360"/>
           </a:xfrm>
           <a:prstGeom prst="rect">
@@ -7913,7 +7913,7 @@
           <a:p>
             <a:r>
               <a:rPr lang="it-IT" sz="650" dirty="0" smtClean="0"/>
-              <a:t>COORDINATES</a:t>
+              <a:t>LATITUDE</a:t>
             </a:r>
             <a:endParaRPr lang="it-IT" sz="650" dirty="0"/>
           </a:p>
@@ -8153,7 +8153,7 @@
         </p:nvCxnSpPr>
         <p:spPr>
           <a:xfrm>
-            <a:off x="3337198" y="1131590"/>
+            <a:off x="3203848" y="1491630"/>
             <a:ext cx="0" cy="144016"/>
           </a:xfrm>
           <a:prstGeom prst="line">
@@ -8188,7 +8188,7 @@
         </p:nvSpPr>
         <p:spPr>
           <a:xfrm rot="5400000" flipH="1">
-            <a:off x="3303290" y="1091332"/>
+            <a:off x="3168416" y="1599070"/>
             <a:ext cx="72008" cy="72008"/>
           </a:xfrm>
           <a:prstGeom prst="ellipse">
@@ -8236,7 +8236,7 @@
         </p:nvSpPr>
         <p:spPr>
           <a:xfrm>
-            <a:off x="3155082" y="928266"/>
+            <a:off x="3035828" y="1649362"/>
             <a:ext cx="448940" cy="192360"/>
           </a:xfrm>
           <a:prstGeom prst="rect">
@@ -8266,7 +8266,7 @@
         </p:nvCxnSpPr>
         <p:spPr>
           <a:xfrm>
-            <a:off x="3737620" y="1137940"/>
+            <a:off x="3219088" y="1137940"/>
             <a:ext cx="0" cy="144016"/>
           </a:xfrm>
           <a:prstGeom prst="line">
@@ -8301,7 +8301,7 @@
         </p:nvSpPr>
         <p:spPr>
           <a:xfrm rot="5400000" flipH="1">
-            <a:off x="3703712" y="1097682"/>
+            <a:off x="3185180" y="1097682"/>
             <a:ext cx="72008" cy="72008"/>
           </a:xfrm>
           <a:prstGeom prst="ellipse">
@@ -8384,7 +8384,7 @@
         </p:nvSpPr>
         <p:spPr>
           <a:xfrm rot="5400000" flipH="1">
-            <a:off x="3823727" y="1601738"/>
+            <a:off x="3819155" y="1601738"/>
             <a:ext cx="72008" cy="72008"/>
           </a:xfrm>
           <a:prstGeom prst="ellipse">
@@ -8432,7 +8432,7 @@
         </p:nvSpPr>
         <p:spPr>
           <a:xfrm>
-            <a:off x="3555504" y="928266"/>
+            <a:off x="3036972" y="928266"/>
             <a:ext cx="648072" cy="192360"/>
           </a:xfrm>
           <a:prstGeom prst="rect">
@@ -8478,7 +8478,7 @@
           <a:p>
             <a:r>
               <a:rPr lang="it-IT" sz="650" dirty="0" smtClean="0"/>
-              <a:t>COORDINATES</a:t>
+              <a:t>LONGITUDE</a:t>
             </a:r>
             <a:endParaRPr lang="it-IT" sz="650" dirty="0"/>
           </a:p>
@@ -10346,7 +10346,7 @@
           <a:p>
             <a:r>
               <a:rPr lang="it-IT" sz="650" dirty="0" smtClean="0"/>
-              <a:t>TYPOLOGY</a:t>
+              <a:t>LONGITUDE</a:t>
             </a:r>
             <a:endParaRPr lang="it-IT" sz="650" dirty="0"/>
           </a:p>
@@ -10459,7 +10459,7 @@
           <a:p>
             <a:r>
               <a:rPr lang="it-IT" sz="650" dirty="0" smtClean="0"/>
-              <a:t>COORDINATES</a:t>
+              <a:t>LATITUDE</a:t>
             </a:r>
             <a:endParaRPr lang="it-IT" sz="650" dirty="0"/>
           </a:p>
@@ -14785,6 +14785,345 @@
             <a:r>
               <a:rPr lang="it-IT" sz="650" dirty="0" smtClean="0"/>
               <a:t>0.1</a:t>
+            </a:r>
+            <a:endParaRPr lang="it-IT" sz="650" dirty="0"/>
+          </a:p>
+        </p:txBody>
+      </p:sp>
+      <p:cxnSp>
+        <p:nvCxnSpPr>
+          <p:cNvPr id="320" name="Connettore 1 319"/>
+          <p:cNvCxnSpPr/>
+          <p:nvPr/>
+        </p:nvCxnSpPr>
+        <p:spPr>
+          <a:xfrm>
+            <a:off x="2555776" y="3651870"/>
+            <a:ext cx="72008" cy="72008"/>
+          </a:xfrm>
+          <a:prstGeom prst="line">
+            <a:avLst/>
+          </a:prstGeom>
+          <a:ln>
+            <a:solidFill>
+              <a:schemeClr val="tx1"/>
+            </a:solidFill>
+          </a:ln>
+        </p:spPr>
+        <p:style>
+          <a:lnRef idx="1">
+            <a:schemeClr val="accent1"/>
+          </a:lnRef>
+          <a:fillRef idx="0">
+            <a:schemeClr val="accent1"/>
+          </a:fillRef>
+          <a:effectRef idx="0">
+            <a:schemeClr val="accent1"/>
+          </a:effectRef>
+          <a:fontRef idx="minor">
+            <a:schemeClr val="tx1"/>
+          </a:fontRef>
+        </p:style>
+      </p:cxnSp>
+      <p:sp>
+        <p:nvSpPr>
+          <p:cNvPr id="321" name="Ovale 320"/>
+          <p:cNvSpPr/>
+          <p:nvPr/>
+        </p:nvSpPr>
+        <p:spPr>
+          <a:xfrm rot="5400000" flipH="1">
+            <a:off x="2511200" y="3593578"/>
+            <a:ext cx="72008" cy="72008"/>
+          </a:xfrm>
+          <a:prstGeom prst="ellipse">
+            <a:avLst/>
+          </a:prstGeom>
+          <a:solidFill>
+            <a:schemeClr val="bg1"/>
+          </a:solidFill>
+          <a:ln w="12700">
+            <a:solidFill>
+              <a:schemeClr val="tx1"/>
+            </a:solidFill>
+          </a:ln>
+        </p:spPr>
+        <p:style>
+          <a:lnRef idx="2">
+            <a:schemeClr val="accent1">
+              <a:shade val="50000"/>
+            </a:schemeClr>
+          </a:lnRef>
+          <a:fillRef idx="1">
+            <a:schemeClr val="accent1"/>
+          </a:fillRef>
+          <a:effectRef idx="0">
+            <a:schemeClr val="accent1"/>
+          </a:effectRef>
+          <a:fontRef idx="minor">
+            <a:schemeClr val="lt1"/>
+          </a:fontRef>
+        </p:style>
+        <p:txBody>
+          <a:bodyPr rtlCol="0" anchor="ctr"/>
+          <a:lstStyle/>
+          <a:p>
+            <a:pPr algn="ctr"/>
+            <a:endParaRPr lang="it-IT" dirty="0"/>
+          </a:p>
+        </p:txBody>
+      </p:sp>
+      <p:sp>
+        <p:nvSpPr>
+          <p:cNvPr id="322" name="CasellaDiTesto 321"/>
+          <p:cNvSpPr txBox="1"/>
+          <p:nvPr/>
+        </p:nvSpPr>
+        <p:spPr>
+          <a:xfrm>
+            <a:off x="2016288" y="3535286"/>
+            <a:ext cx="592956" cy="192360"/>
+          </a:xfrm>
+          <a:prstGeom prst="rect">
+            <a:avLst/>
+          </a:prstGeom>
+          <a:noFill/>
+        </p:spPr>
+        <p:txBody>
+          <a:bodyPr wrap="square" rtlCol="0">
+            <a:spAutoFit/>
+          </a:bodyPr>
+          <a:lstStyle/>
+          <a:p>
+            <a:r>
+              <a:rPr lang="it-IT" sz="650" dirty="0" smtClean="0"/>
+              <a:t>TYPOLOGY</a:t>
+            </a:r>
+            <a:endParaRPr lang="it-IT" sz="650" dirty="0"/>
+          </a:p>
+        </p:txBody>
+      </p:sp>
+      <p:cxnSp>
+        <p:nvCxnSpPr>
+          <p:cNvPr id="323" name="Connettore 1 322"/>
+          <p:cNvCxnSpPr/>
+          <p:nvPr/>
+        </p:nvCxnSpPr>
+        <p:spPr>
+          <a:xfrm>
+            <a:off x="1187624" y="1131590"/>
+            <a:ext cx="0" cy="144016"/>
+          </a:xfrm>
+          <a:prstGeom prst="line">
+            <a:avLst/>
+          </a:prstGeom>
+          <a:ln>
+            <a:solidFill>
+              <a:schemeClr val="tx1"/>
+            </a:solidFill>
+          </a:ln>
+        </p:spPr>
+        <p:style>
+          <a:lnRef idx="1">
+            <a:schemeClr val="accent1"/>
+          </a:lnRef>
+          <a:fillRef idx="0">
+            <a:schemeClr val="accent1"/>
+          </a:fillRef>
+          <a:effectRef idx="0">
+            <a:schemeClr val="accent1"/>
+          </a:effectRef>
+          <a:fontRef idx="minor">
+            <a:schemeClr val="tx1"/>
+          </a:fontRef>
+        </p:style>
+      </p:cxnSp>
+      <p:sp>
+        <p:nvSpPr>
+          <p:cNvPr id="324" name="Ovale 323"/>
+          <p:cNvSpPr/>
+          <p:nvPr/>
+        </p:nvSpPr>
+        <p:spPr>
+          <a:xfrm rot="5400000" flipH="1">
+            <a:off x="1152192" y="1091586"/>
+            <a:ext cx="72008" cy="72008"/>
+          </a:xfrm>
+          <a:prstGeom prst="ellipse">
+            <a:avLst/>
+          </a:prstGeom>
+          <a:solidFill>
+            <a:schemeClr val="bg1"/>
+          </a:solidFill>
+          <a:ln w="12700">
+            <a:solidFill>
+              <a:schemeClr val="tx1"/>
+            </a:solidFill>
+          </a:ln>
+        </p:spPr>
+        <p:style>
+          <a:lnRef idx="2">
+            <a:schemeClr val="accent1">
+              <a:shade val="50000"/>
+            </a:schemeClr>
+          </a:lnRef>
+          <a:fillRef idx="1">
+            <a:schemeClr val="accent1"/>
+          </a:fillRef>
+          <a:effectRef idx="0">
+            <a:schemeClr val="accent1"/>
+          </a:effectRef>
+          <a:fontRef idx="minor">
+            <a:schemeClr val="lt1"/>
+          </a:fontRef>
+        </p:style>
+        <p:txBody>
+          <a:bodyPr rtlCol="0" anchor="ctr"/>
+          <a:lstStyle/>
+          <a:p>
+            <a:pPr algn="ctr"/>
+            <a:endParaRPr lang="it-IT" dirty="0"/>
+          </a:p>
+        </p:txBody>
+      </p:sp>
+      <p:sp>
+        <p:nvSpPr>
+          <p:cNvPr id="325" name="CasellaDiTesto 324"/>
+          <p:cNvSpPr txBox="1"/>
+          <p:nvPr/>
+        </p:nvSpPr>
+        <p:spPr>
+          <a:xfrm>
+            <a:off x="1020748" y="933854"/>
+            <a:ext cx="692522" cy="192360"/>
+          </a:xfrm>
+          <a:prstGeom prst="rect">
+            <a:avLst/>
+          </a:prstGeom>
+          <a:noFill/>
+        </p:spPr>
+        <p:txBody>
+          <a:bodyPr wrap="square" rtlCol="0">
+            <a:spAutoFit/>
+          </a:bodyPr>
+          <a:lstStyle/>
+          <a:p>
+            <a:r>
+              <a:rPr lang="it-IT" sz="650" dirty="0" smtClean="0"/>
+              <a:t>LONGITUDE</a:t>
+            </a:r>
+            <a:endParaRPr lang="it-IT" sz="650" dirty="0"/>
+          </a:p>
+        </p:txBody>
+      </p:sp>
+      <p:cxnSp>
+        <p:nvCxnSpPr>
+          <p:cNvPr id="327" name="Connettore 1 326"/>
+          <p:cNvCxnSpPr/>
+          <p:nvPr/>
+        </p:nvCxnSpPr>
+        <p:spPr>
+          <a:xfrm>
+            <a:off x="3851920" y="1131590"/>
+            <a:ext cx="0" cy="144016"/>
+          </a:xfrm>
+          <a:prstGeom prst="line">
+            <a:avLst/>
+          </a:prstGeom>
+          <a:ln>
+            <a:solidFill>
+              <a:schemeClr val="tx1"/>
+            </a:solidFill>
+          </a:ln>
+        </p:spPr>
+        <p:style>
+          <a:lnRef idx="1">
+            <a:schemeClr val="accent1"/>
+          </a:lnRef>
+          <a:fillRef idx="0">
+            <a:schemeClr val="accent1"/>
+          </a:fillRef>
+          <a:effectRef idx="0">
+            <a:schemeClr val="accent1"/>
+          </a:effectRef>
+          <a:fontRef idx="minor">
+            <a:schemeClr val="tx1"/>
+          </a:fontRef>
+        </p:style>
+      </p:cxnSp>
+      <p:sp>
+        <p:nvSpPr>
+          <p:cNvPr id="329" name="Ovale 328"/>
+          <p:cNvSpPr/>
+          <p:nvPr/>
+        </p:nvSpPr>
+        <p:spPr>
+          <a:xfrm rot="5400000" flipH="1">
+            <a:off x="3815344" y="1099586"/>
+            <a:ext cx="72008" cy="72008"/>
+          </a:xfrm>
+          <a:prstGeom prst="ellipse">
+            <a:avLst/>
+          </a:prstGeom>
+          <a:solidFill>
+            <a:schemeClr val="bg1"/>
+          </a:solidFill>
+          <a:ln w="12700">
+            <a:solidFill>
+              <a:schemeClr val="tx1"/>
+            </a:solidFill>
+          </a:ln>
+        </p:spPr>
+        <p:style>
+          <a:lnRef idx="2">
+            <a:schemeClr val="accent1">
+              <a:shade val="50000"/>
+            </a:schemeClr>
+          </a:lnRef>
+          <a:fillRef idx="1">
+            <a:schemeClr val="accent1"/>
+          </a:fillRef>
+          <a:effectRef idx="0">
+            <a:schemeClr val="accent1"/>
+          </a:effectRef>
+          <a:fontRef idx="minor">
+            <a:schemeClr val="lt1"/>
+          </a:fontRef>
+        </p:style>
+        <p:txBody>
+          <a:bodyPr rtlCol="0" anchor="ctr"/>
+          <a:lstStyle/>
+          <a:p>
+            <a:pPr algn="ctr"/>
+            <a:endParaRPr lang="it-IT" dirty="0"/>
+          </a:p>
+        </p:txBody>
+      </p:sp>
+      <p:sp>
+        <p:nvSpPr>
+          <p:cNvPr id="330" name="CasellaDiTesto 329"/>
+          <p:cNvSpPr txBox="1"/>
+          <p:nvPr/>
+        </p:nvSpPr>
+        <p:spPr>
+          <a:xfrm>
+            <a:off x="3690760" y="928138"/>
+            <a:ext cx="739130" cy="192360"/>
+          </a:xfrm>
+          <a:prstGeom prst="rect">
+            <a:avLst/>
+          </a:prstGeom>
+          <a:noFill/>
+        </p:spPr>
+        <p:txBody>
+          <a:bodyPr wrap="square" rtlCol="0">
+            <a:spAutoFit/>
+          </a:bodyPr>
+          <a:lstStyle/>
+          <a:p>
+            <a:r>
+              <a:rPr lang="it-IT" sz="650" dirty="0" smtClean="0"/>
+              <a:t>LATITUDE</a:t>
             </a:r>
             <a:endParaRPr lang="it-IT" sz="650" dirty="0"/>
           </a:p>

--- a/Documentazione/database.pptx
+++ b/Documentazione/database.pptx
@@ -7415,7 +7415,7 @@
         </p:nvSpPr>
         <p:spPr>
           <a:xfrm>
-            <a:off x="391264" y="596124"/>
+            <a:off x="-43776" y="172118"/>
             <a:ext cx="448940" cy="192360"/>
           </a:xfrm>
           <a:prstGeom prst="rect">
@@ -7445,7 +7445,7 @@
         </p:nvSpPr>
         <p:spPr>
           <a:xfrm>
-            <a:off x="1001196" y="597861"/>
+            <a:off x="980376" y="598350"/>
             <a:ext cx="684014" cy="192360"/>
           </a:xfrm>
           <a:prstGeom prst="rect">
@@ -8914,7 +8914,7 @@
         </p:nvSpPr>
         <p:spPr>
           <a:xfrm>
-            <a:off x="4627116" y="2225849"/>
+            <a:off x="5100376" y="2951246"/>
             <a:ext cx="448940" cy="192360"/>
           </a:xfrm>
           <a:prstGeom prst="rect">
@@ -8930,7 +8930,7 @@
           <a:p>
             <a:r>
               <a:rPr lang="it-IT" sz="650" dirty="0" smtClean="0"/>
-              <a:t>TITLE</a:t>
+              <a:t>COINS</a:t>
             </a:r>
             <a:endParaRPr lang="it-IT" sz="650" dirty="0"/>
           </a:p>
@@ -9722,119 +9722,6 @@
             <a:r>
               <a:rPr lang="it-IT" sz="650" dirty="0" smtClean="0"/>
               <a:t>CODE</a:t>
-            </a:r>
-            <a:endParaRPr lang="it-IT" sz="650" dirty="0"/>
-          </a:p>
-        </p:txBody>
-      </p:sp>
-      <p:cxnSp>
-        <p:nvCxnSpPr>
-          <p:cNvPr id="261" name="Connettore 1 260"/>
-          <p:cNvCxnSpPr/>
-          <p:nvPr/>
-        </p:nvCxnSpPr>
-        <p:spPr>
-          <a:xfrm>
-            <a:off x="6244590" y="1131590"/>
-            <a:ext cx="0" cy="144016"/>
-          </a:xfrm>
-          <a:prstGeom prst="line">
-            <a:avLst/>
-          </a:prstGeom>
-          <a:ln>
-            <a:solidFill>
-              <a:schemeClr val="tx1"/>
-            </a:solidFill>
-          </a:ln>
-        </p:spPr>
-        <p:style>
-          <a:lnRef idx="1">
-            <a:schemeClr val="accent1"/>
-          </a:lnRef>
-          <a:fillRef idx="0">
-            <a:schemeClr val="accent1"/>
-          </a:fillRef>
-          <a:effectRef idx="0">
-            <a:schemeClr val="accent1"/>
-          </a:effectRef>
-          <a:fontRef idx="minor">
-            <a:schemeClr val="tx1"/>
-          </a:fontRef>
-        </p:style>
-      </p:cxnSp>
-      <p:sp>
-        <p:nvSpPr>
-          <p:cNvPr id="262" name="Ovale 261"/>
-          <p:cNvSpPr/>
-          <p:nvPr/>
-        </p:nvSpPr>
-        <p:spPr>
-          <a:xfrm rot="5400000" flipH="1">
-            <a:off x="6210682" y="1097510"/>
-            <a:ext cx="72008" cy="72008"/>
-          </a:xfrm>
-          <a:prstGeom prst="ellipse">
-            <a:avLst/>
-          </a:prstGeom>
-          <a:solidFill>
-            <a:schemeClr val="bg1"/>
-          </a:solidFill>
-          <a:ln w="12700">
-            <a:solidFill>
-              <a:schemeClr val="tx1"/>
-            </a:solidFill>
-          </a:ln>
-        </p:spPr>
-        <p:style>
-          <a:lnRef idx="2">
-            <a:schemeClr val="accent1">
-              <a:shade val="50000"/>
-            </a:schemeClr>
-          </a:lnRef>
-          <a:fillRef idx="1">
-            <a:schemeClr val="accent1"/>
-          </a:fillRef>
-          <a:effectRef idx="0">
-            <a:schemeClr val="accent1"/>
-          </a:effectRef>
-          <a:fontRef idx="minor">
-            <a:schemeClr val="lt1"/>
-          </a:fontRef>
-        </p:style>
-        <p:txBody>
-          <a:bodyPr rtlCol="0" anchor="ctr"/>
-          <a:lstStyle/>
-          <a:p>
-            <a:pPr algn="ctr"/>
-            <a:endParaRPr lang="it-IT" dirty="0"/>
-          </a:p>
-        </p:txBody>
-      </p:sp>
-      <p:sp>
-        <p:nvSpPr>
-          <p:cNvPr id="263" name="CasellaDiTesto 262"/>
-          <p:cNvSpPr txBox="1"/>
-          <p:nvPr/>
-        </p:nvSpPr>
-        <p:spPr>
-          <a:xfrm>
-            <a:off x="6106752" y="927922"/>
-            <a:ext cx="448940" cy="192360"/>
-          </a:xfrm>
-          <a:prstGeom prst="rect">
-            <a:avLst/>
-          </a:prstGeom>
-          <a:noFill/>
-        </p:spPr>
-        <p:txBody>
-          <a:bodyPr wrap="square" rtlCol="0">
-            <a:spAutoFit/>
-          </a:bodyPr>
-          <a:lstStyle/>
-          <a:p>
-            <a:r>
-              <a:rPr lang="it-IT" sz="650" dirty="0" smtClean="0"/>
-              <a:t>SOLVED</a:t>
             </a:r>
             <a:endParaRPr lang="it-IT" sz="650" dirty="0"/>
           </a:p>
@@ -12646,7 +12533,7 @@
         </p:nvCxnSpPr>
         <p:spPr>
           <a:xfrm>
-            <a:off x="6866731" y="1501155"/>
+            <a:off x="7092280" y="1491630"/>
             <a:ext cx="0" cy="144016"/>
           </a:xfrm>
           <a:prstGeom prst="line">
@@ -12681,8 +12568,8 @@
         </p:nvSpPr>
         <p:spPr>
           <a:xfrm>
-            <a:off x="6675090" y="1659310"/>
-            <a:ext cx="504056" cy="192360"/>
+            <a:off x="7260616" y="1669694"/>
+            <a:ext cx="777230" cy="192360"/>
           </a:xfrm>
           <a:prstGeom prst="rect">
             <a:avLst/>
@@ -12697,21 +12584,56 @@
           <a:p>
             <a:r>
               <a:rPr lang="it-IT" sz="650" dirty="0" smtClean="0"/>
-              <a:t>LEVEL</a:t>
+              <a:t>PUZZLEGROUP</a:t>
             </a:r>
             <a:endParaRPr lang="it-IT" sz="650" dirty="0"/>
           </a:p>
         </p:txBody>
       </p:sp>
-      <p:sp>
-        <p:nvSpPr>
-          <p:cNvPr id="374" name="Ovale 373"/>
+      <p:cxnSp>
+        <p:nvCxnSpPr>
+          <p:cNvPr id="375" name="Connettore 1 374"/>
+          <p:cNvCxnSpPr/>
+          <p:nvPr/>
+        </p:nvCxnSpPr>
+        <p:spPr>
+          <a:xfrm flipH="1">
+            <a:off x="6660232" y="1457582"/>
+            <a:ext cx="144016" cy="0"/>
+          </a:xfrm>
+          <a:prstGeom prst="line">
+            <a:avLst/>
+          </a:prstGeom>
+          <a:ln>
+            <a:solidFill>
+              <a:schemeClr val="tx1"/>
+            </a:solidFill>
+          </a:ln>
+        </p:spPr>
+        <p:style>
+          <a:lnRef idx="1">
+            <a:schemeClr val="accent1"/>
+          </a:lnRef>
+          <a:fillRef idx="0">
+            <a:schemeClr val="accent1"/>
+          </a:fillRef>
+          <a:effectRef idx="0">
+            <a:schemeClr val="accent1"/>
+          </a:effectRef>
+          <a:fontRef idx="minor">
+            <a:schemeClr val="tx1"/>
+          </a:fontRef>
+        </p:style>
+      </p:cxnSp>
+      <p:sp>
+        <p:nvSpPr>
+          <p:cNvPr id="376" name="Ovale 375"/>
           <p:cNvSpPr/>
           <p:nvPr/>
         </p:nvSpPr>
         <p:spPr>
           <a:xfrm rot="5400000" flipH="1">
-            <a:off x="6825456" y="1620788"/>
+            <a:off x="6607680" y="1419622"/>
             <a:ext cx="72008" cy="72008"/>
           </a:xfrm>
           <a:prstGeom prst="ellipse">
@@ -12751,89 +12673,6 @@
           </a:p>
         </p:txBody>
       </p:sp>
-      <p:cxnSp>
-        <p:nvCxnSpPr>
-          <p:cNvPr id="375" name="Connettore 1 374"/>
-          <p:cNvCxnSpPr/>
-          <p:nvPr/>
-        </p:nvCxnSpPr>
-        <p:spPr>
-          <a:xfrm>
-            <a:off x="7146255" y="1504330"/>
-            <a:ext cx="0" cy="144016"/>
-          </a:xfrm>
-          <a:prstGeom prst="line">
-            <a:avLst/>
-          </a:prstGeom>
-          <a:ln>
-            <a:solidFill>
-              <a:schemeClr val="tx1"/>
-            </a:solidFill>
-          </a:ln>
-        </p:spPr>
-        <p:style>
-          <a:lnRef idx="1">
-            <a:schemeClr val="accent1"/>
-          </a:lnRef>
-          <a:fillRef idx="0">
-            <a:schemeClr val="accent1"/>
-          </a:fillRef>
-          <a:effectRef idx="0">
-            <a:schemeClr val="accent1"/>
-          </a:effectRef>
-          <a:fontRef idx="minor">
-            <a:schemeClr val="tx1"/>
-          </a:fontRef>
-        </p:style>
-      </p:cxnSp>
-      <p:sp>
-        <p:nvSpPr>
-          <p:cNvPr id="376" name="Ovale 375"/>
-          <p:cNvSpPr/>
-          <p:nvPr/>
-        </p:nvSpPr>
-        <p:spPr>
-          <a:xfrm rot="5400000" flipH="1">
-            <a:off x="7104980" y="1623963"/>
-            <a:ext cx="72008" cy="72008"/>
-          </a:xfrm>
-          <a:prstGeom prst="ellipse">
-            <a:avLst/>
-          </a:prstGeom>
-          <a:solidFill>
-            <a:schemeClr val="bg1"/>
-          </a:solidFill>
-          <a:ln w="12700">
-            <a:solidFill>
-              <a:schemeClr val="tx1"/>
-            </a:solidFill>
-          </a:ln>
-        </p:spPr>
-        <p:style>
-          <a:lnRef idx="2">
-            <a:schemeClr val="accent1">
-              <a:shade val="50000"/>
-            </a:schemeClr>
-          </a:lnRef>
-          <a:fillRef idx="1">
-            <a:schemeClr val="accent1"/>
-          </a:fillRef>
-          <a:effectRef idx="0">
-            <a:schemeClr val="accent1"/>
-          </a:effectRef>
-          <a:fontRef idx="minor">
-            <a:schemeClr val="lt1"/>
-          </a:fontRef>
-        </p:style>
-        <p:txBody>
-          <a:bodyPr rtlCol="0" anchor="ctr"/>
-          <a:lstStyle/>
-          <a:p>
-            <a:pPr algn="ctr"/>
-            <a:endParaRPr lang="it-IT" dirty="0"/>
-          </a:p>
-        </p:txBody>
-      </p:sp>
       <p:sp>
         <p:nvSpPr>
           <p:cNvPr id="377" name="CasellaDiTesto 376"/>
@@ -12842,7 +12681,7 @@
         </p:nvSpPr>
         <p:spPr>
           <a:xfrm>
-            <a:off x="6910164" y="1659310"/>
+            <a:off x="6189272" y="1362206"/>
             <a:ext cx="504056" cy="192360"/>
           </a:xfrm>
           <a:prstGeom prst="rect">
@@ -14393,7 +14232,7 @@
         </p:nvCxnSpPr>
         <p:spPr>
           <a:xfrm flipH="1">
-            <a:off x="7956376" y="1491630"/>
+            <a:off x="7956376" y="1568804"/>
             <a:ext cx="144016" cy="0"/>
           </a:xfrm>
           <a:prstGeom prst="line">
@@ -14428,7 +14267,7 @@
         </p:nvSpPr>
         <p:spPr>
           <a:xfrm rot="5400000" flipH="1">
-            <a:off x="7893794" y="1450526"/>
+            <a:off x="7920530" y="1532958"/>
             <a:ext cx="72008" cy="72008"/>
           </a:xfrm>
           <a:prstGeom prst="ellipse">
@@ -14476,7 +14315,7 @@
         </p:nvSpPr>
         <p:spPr>
           <a:xfrm>
-            <a:off x="7442894" y="1294458"/>
+            <a:off x="7334134" y="1474282"/>
             <a:ext cx="648072" cy="192360"/>
           </a:xfrm>
           <a:prstGeom prst="rect">
@@ -14505,8 +14344,8 @@
         </p:nvCxnSpPr>
         <p:spPr>
           <a:xfrm>
-            <a:off x="539552" y="411510"/>
-            <a:ext cx="0" cy="144016"/>
+            <a:off x="323528" y="267494"/>
+            <a:ext cx="144016" cy="0"/>
           </a:xfrm>
           <a:prstGeom prst="line">
             <a:avLst/>
@@ -14540,7 +14379,7 @@
         </p:nvSpPr>
         <p:spPr>
           <a:xfrm rot="5400000" flipH="1">
-            <a:off x="502254" y="549132"/>
+            <a:off x="275840" y="233446"/>
             <a:ext cx="72008" cy="72008"/>
           </a:xfrm>
           <a:prstGeom prst="ellipse">
@@ -14588,7 +14427,7 @@
         </p:nvCxnSpPr>
         <p:spPr>
           <a:xfrm>
-            <a:off x="1115616" y="411510"/>
+            <a:off x="1090344" y="411510"/>
             <a:ext cx="0" cy="144016"/>
           </a:xfrm>
           <a:prstGeom prst="line">
@@ -14623,7 +14462,7 @@
         </p:nvSpPr>
         <p:spPr>
           <a:xfrm rot="5400000" flipH="1">
-            <a:off x="1090138" y="547059"/>
+            <a:off x="1055278" y="547059"/>
             <a:ext cx="72008" cy="72008"/>
           </a:xfrm>
           <a:prstGeom prst="ellipse">
@@ -15124,6 +14963,731 @@
             <a:r>
               <a:rPr lang="it-IT" sz="650" dirty="0" smtClean="0"/>
               <a:t>LATITUDE</a:t>
+            </a:r>
+            <a:endParaRPr lang="it-IT" sz="650" dirty="0"/>
+          </a:p>
+        </p:txBody>
+      </p:sp>
+      <p:cxnSp>
+        <p:nvCxnSpPr>
+          <p:cNvPr id="347" name="Connettore 1 346"/>
+          <p:cNvCxnSpPr/>
+          <p:nvPr/>
+        </p:nvCxnSpPr>
+        <p:spPr>
+          <a:xfrm>
+            <a:off x="567784" y="411510"/>
+            <a:ext cx="0" cy="144016"/>
+          </a:xfrm>
+          <a:prstGeom prst="line">
+            <a:avLst/>
+          </a:prstGeom>
+          <a:ln>
+            <a:solidFill>
+              <a:schemeClr val="tx1"/>
+            </a:solidFill>
+          </a:ln>
+        </p:spPr>
+        <p:style>
+          <a:lnRef idx="1">
+            <a:schemeClr val="accent1"/>
+          </a:lnRef>
+          <a:fillRef idx="0">
+            <a:schemeClr val="accent1"/>
+          </a:fillRef>
+          <a:effectRef idx="0">
+            <a:schemeClr val="accent1"/>
+          </a:effectRef>
+          <a:fontRef idx="minor">
+            <a:schemeClr val="tx1"/>
+          </a:fontRef>
+        </p:style>
+      </p:cxnSp>
+      <p:sp>
+        <p:nvSpPr>
+          <p:cNvPr id="348" name="Ovale 347"/>
+          <p:cNvSpPr/>
+          <p:nvPr/>
+        </p:nvSpPr>
+        <p:spPr>
+          <a:xfrm rot="5400000" flipH="1">
+            <a:off x="532718" y="547059"/>
+            <a:ext cx="72008" cy="72008"/>
+          </a:xfrm>
+          <a:prstGeom prst="ellipse">
+            <a:avLst/>
+          </a:prstGeom>
+          <a:solidFill>
+            <a:schemeClr val="bg1"/>
+          </a:solidFill>
+          <a:ln w="12700">
+            <a:solidFill>
+              <a:schemeClr val="tx1"/>
+            </a:solidFill>
+          </a:ln>
+        </p:spPr>
+        <p:style>
+          <a:lnRef idx="2">
+            <a:schemeClr val="accent1">
+              <a:shade val="50000"/>
+            </a:schemeClr>
+          </a:lnRef>
+          <a:fillRef idx="1">
+            <a:schemeClr val="accent1"/>
+          </a:fillRef>
+          <a:effectRef idx="0">
+            <a:schemeClr val="accent1"/>
+          </a:effectRef>
+          <a:fontRef idx="minor">
+            <a:schemeClr val="lt1"/>
+          </a:fontRef>
+        </p:style>
+        <p:txBody>
+          <a:bodyPr rtlCol="0" anchor="ctr"/>
+          <a:lstStyle/>
+          <a:p>
+            <a:pPr algn="ctr"/>
+            <a:endParaRPr lang="it-IT" dirty="0"/>
+          </a:p>
+        </p:txBody>
+      </p:sp>
+      <p:sp>
+        <p:nvSpPr>
+          <p:cNvPr id="350" name="CasellaDiTesto 349"/>
+          <p:cNvSpPr txBox="1"/>
+          <p:nvPr/>
+        </p:nvSpPr>
+        <p:spPr>
+          <a:xfrm>
+            <a:off x="409176" y="594438"/>
+            <a:ext cx="448940" cy="192360"/>
+          </a:xfrm>
+          <a:prstGeom prst="rect">
+            <a:avLst/>
+          </a:prstGeom>
+          <a:noFill/>
+        </p:spPr>
+        <p:txBody>
+          <a:bodyPr wrap="square" rtlCol="0">
+            <a:spAutoFit/>
+          </a:bodyPr>
+          <a:lstStyle/>
+          <a:p>
+            <a:r>
+              <a:rPr lang="it-IT" sz="650" dirty="0" smtClean="0"/>
+              <a:t>COST</a:t>
+            </a:r>
+            <a:endParaRPr lang="it-IT" sz="650" dirty="0"/>
+          </a:p>
+        </p:txBody>
+      </p:sp>
+      <p:cxnSp>
+        <p:nvCxnSpPr>
+          <p:cNvPr id="352" name="Connettore 1 351"/>
+          <p:cNvCxnSpPr/>
+          <p:nvPr/>
+        </p:nvCxnSpPr>
+        <p:spPr>
+          <a:xfrm>
+            <a:off x="5220072" y="2796739"/>
+            <a:ext cx="0" cy="144016"/>
+          </a:xfrm>
+          <a:prstGeom prst="line">
+            <a:avLst/>
+          </a:prstGeom>
+          <a:ln>
+            <a:solidFill>
+              <a:schemeClr val="tx1"/>
+            </a:solidFill>
+          </a:ln>
+        </p:spPr>
+        <p:style>
+          <a:lnRef idx="1">
+            <a:schemeClr val="accent1"/>
+          </a:lnRef>
+          <a:fillRef idx="0">
+            <a:schemeClr val="accent1"/>
+          </a:fillRef>
+          <a:effectRef idx="0">
+            <a:schemeClr val="accent1"/>
+          </a:effectRef>
+          <a:fontRef idx="minor">
+            <a:schemeClr val="tx1"/>
+          </a:fontRef>
+        </p:style>
+      </p:cxnSp>
+      <p:sp>
+        <p:nvSpPr>
+          <p:cNvPr id="353" name="Ovale 352"/>
+          <p:cNvSpPr/>
+          <p:nvPr/>
+        </p:nvSpPr>
+        <p:spPr>
+          <a:xfrm rot="5400000" flipH="1">
+            <a:off x="5182112" y="2897742"/>
+            <a:ext cx="72008" cy="72008"/>
+          </a:xfrm>
+          <a:prstGeom prst="ellipse">
+            <a:avLst/>
+          </a:prstGeom>
+          <a:solidFill>
+            <a:schemeClr val="bg1"/>
+          </a:solidFill>
+          <a:ln w="12700">
+            <a:solidFill>
+              <a:schemeClr val="tx1"/>
+            </a:solidFill>
+          </a:ln>
+        </p:spPr>
+        <p:style>
+          <a:lnRef idx="2">
+            <a:schemeClr val="accent1">
+              <a:shade val="50000"/>
+            </a:schemeClr>
+          </a:lnRef>
+          <a:fillRef idx="1">
+            <a:schemeClr val="accent1"/>
+          </a:fillRef>
+          <a:effectRef idx="0">
+            <a:schemeClr val="accent1"/>
+          </a:effectRef>
+          <a:fontRef idx="minor">
+            <a:schemeClr val="lt1"/>
+          </a:fontRef>
+        </p:style>
+        <p:txBody>
+          <a:bodyPr rtlCol="0" anchor="ctr"/>
+          <a:lstStyle/>
+          <a:p>
+            <a:pPr algn="ctr"/>
+            <a:endParaRPr lang="it-IT" dirty="0"/>
+          </a:p>
+        </p:txBody>
+      </p:sp>
+      <p:sp>
+        <p:nvSpPr>
+          <p:cNvPr id="357" name="CasellaDiTesto 356"/>
+          <p:cNvSpPr txBox="1"/>
+          <p:nvPr/>
+        </p:nvSpPr>
+        <p:spPr>
+          <a:xfrm>
+            <a:off x="4661938" y="2220675"/>
+            <a:ext cx="448940" cy="192360"/>
+          </a:xfrm>
+          <a:prstGeom prst="rect">
+            <a:avLst/>
+          </a:prstGeom>
+          <a:noFill/>
+        </p:spPr>
+        <p:txBody>
+          <a:bodyPr wrap="square" rtlCol="0">
+            <a:spAutoFit/>
+          </a:bodyPr>
+          <a:lstStyle/>
+          <a:p>
+            <a:r>
+              <a:rPr lang="it-IT" sz="650" dirty="0" smtClean="0"/>
+              <a:t>TITLE</a:t>
+            </a:r>
+            <a:endParaRPr lang="it-IT" sz="650" dirty="0"/>
+          </a:p>
+        </p:txBody>
+      </p:sp>
+      <p:cxnSp>
+        <p:nvCxnSpPr>
+          <p:cNvPr id="368" name="Connettore 1 367"/>
+          <p:cNvCxnSpPr/>
+          <p:nvPr/>
+        </p:nvCxnSpPr>
+        <p:spPr>
+          <a:xfrm>
+            <a:off x="7380312" y="1491630"/>
+            <a:ext cx="0" cy="144016"/>
+          </a:xfrm>
+          <a:prstGeom prst="line">
+            <a:avLst/>
+          </a:prstGeom>
+          <a:ln>
+            <a:solidFill>
+              <a:schemeClr val="tx1"/>
+            </a:solidFill>
+          </a:ln>
+        </p:spPr>
+        <p:style>
+          <a:lnRef idx="1">
+            <a:schemeClr val="accent1"/>
+          </a:lnRef>
+          <a:fillRef idx="0">
+            <a:schemeClr val="accent1"/>
+          </a:fillRef>
+          <a:effectRef idx="0">
+            <a:schemeClr val="accent1"/>
+          </a:effectRef>
+          <a:fontRef idx="minor">
+            <a:schemeClr val="tx1"/>
+          </a:fontRef>
+        </p:style>
+      </p:cxnSp>
+      <p:sp>
+        <p:nvSpPr>
+          <p:cNvPr id="370" name="Ovale 369"/>
+          <p:cNvSpPr/>
+          <p:nvPr/>
+        </p:nvSpPr>
+        <p:spPr>
+          <a:xfrm rot="5400000" flipH="1">
+            <a:off x="7346264" y="1621054"/>
+            <a:ext cx="72008" cy="72008"/>
+          </a:xfrm>
+          <a:prstGeom prst="ellipse">
+            <a:avLst/>
+          </a:prstGeom>
+          <a:solidFill>
+            <a:schemeClr val="bg1"/>
+          </a:solidFill>
+          <a:ln w="12700">
+            <a:solidFill>
+              <a:schemeClr val="tx1"/>
+            </a:solidFill>
+          </a:ln>
+        </p:spPr>
+        <p:style>
+          <a:lnRef idx="2">
+            <a:schemeClr val="accent1">
+              <a:shade val="50000"/>
+            </a:schemeClr>
+          </a:lnRef>
+          <a:fillRef idx="1">
+            <a:schemeClr val="accent1"/>
+          </a:fillRef>
+          <a:effectRef idx="0">
+            <a:schemeClr val="accent1"/>
+          </a:effectRef>
+          <a:fontRef idx="minor">
+            <a:schemeClr val="lt1"/>
+          </a:fontRef>
+        </p:style>
+        <p:txBody>
+          <a:bodyPr rtlCol="0" anchor="ctr"/>
+          <a:lstStyle/>
+          <a:p>
+            <a:pPr algn="ctr"/>
+            <a:endParaRPr lang="it-IT" dirty="0"/>
+          </a:p>
+        </p:txBody>
+      </p:sp>
+      <p:sp>
+        <p:nvSpPr>
+          <p:cNvPr id="394" name="Ovale 393"/>
+          <p:cNvSpPr/>
+          <p:nvPr/>
+        </p:nvSpPr>
+        <p:spPr>
+          <a:xfrm rot="5400000" flipH="1">
+            <a:off x="7053368" y="1621054"/>
+            <a:ext cx="72008" cy="72008"/>
+          </a:xfrm>
+          <a:prstGeom prst="ellipse">
+            <a:avLst/>
+          </a:prstGeom>
+          <a:solidFill>
+            <a:schemeClr val="bg1"/>
+          </a:solidFill>
+          <a:ln w="12700">
+            <a:solidFill>
+              <a:schemeClr val="tx1"/>
+            </a:solidFill>
+          </a:ln>
+        </p:spPr>
+        <p:style>
+          <a:lnRef idx="2">
+            <a:schemeClr val="accent1">
+              <a:shade val="50000"/>
+            </a:schemeClr>
+          </a:lnRef>
+          <a:fillRef idx="1">
+            <a:schemeClr val="accent1"/>
+          </a:fillRef>
+          <a:effectRef idx="0">
+            <a:schemeClr val="accent1"/>
+          </a:effectRef>
+          <a:fontRef idx="minor">
+            <a:schemeClr val="lt1"/>
+          </a:fontRef>
+        </p:style>
+        <p:txBody>
+          <a:bodyPr rtlCol="0" anchor="ctr"/>
+          <a:lstStyle/>
+          <a:p>
+            <a:pPr algn="ctr"/>
+            <a:endParaRPr lang="it-IT" dirty="0"/>
+          </a:p>
+        </p:txBody>
+      </p:sp>
+      <p:sp>
+        <p:nvSpPr>
+          <p:cNvPr id="395" name="CasellaDiTesto 394"/>
+          <p:cNvSpPr txBox="1"/>
+          <p:nvPr/>
+        </p:nvSpPr>
+        <p:spPr>
+          <a:xfrm>
+            <a:off x="6890848" y="1669694"/>
+            <a:ext cx="777230" cy="192360"/>
+          </a:xfrm>
+          <a:prstGeom prst="rect">
+            <a:avLst/>
+          </a:prstGeom>
+          <a:noFill/>
+        </p:spPr>
+        <p:txBody>
+          <a:bodyPr wrap="square" rtlCol="0">
+            <a:spAutoFit/>
+          </a:bodyPr>
+          <a:lstStyle/>
+          <a:p>
+            <a:r>
+              <a:rPr lang="it-IT" sz="650" dirty="0" smtClean="0"/>
+              <a:t>COSTHINT</a:t>
+            </a:r>
+            <a:endParaRPr lang="it-IT" sz="650" dirty="0"/>
+          </a:p>
+        </p:txBody>
+      </p:sp>
+      <p:cxnSp>
+        <p:nvCxnSpPr>
+          <p:cNvPr id="396" name="Connettore 1 395"/>
+          <p:cNvCxnSpPr/>
+          <p:nvPr/>
+        </p:nvCxnSpPr>
+        <p:spPr>
+          <a:xfrm>
+            <a:off x="6866528" y="1491630"/>
+            <a:ext cx="0" cy="144016"/>
+          </a:xfrm>
+          <a:prstGeom prst="line">
+            <a:avLst/>
+          </a:prstGeom>
+          <a:ln>
+            <a:solidFill>
+              <a:schemeClr val="tx1"/>
+            </a:solidFill>
+          </a:ln>
+        </p:spPr>
+        <p:style>
+          <a:lnRef idx="1">
+            <a:schemeClr val="accent1"/>
+          </a:lnRef>
+          <a:fillRef idx="0">
+            <a:schemeClr val="accent1"/>
+          </a:fillRef>
+          <a:effectRef idx="0">
+            <a:schemeClr val="accent1"/>
+          </a:effectRef>
+          <a:fontRef idx="minor">
+            <a:schemeClr val="tx1"/>
+          </a:fontRef>
+        </p:style>
+      </p:cxnSp>
+      <p:sp>
+        <p:nvSpPr>
+          <p:cNvPr id="397" name="Ovale 396"/>
+          <p:cNvSpPr/>
+          <p:nvPr/>
+        </p:nvSpPr>
+        <p:spPr>
+          <a:xfrm rot="5400000" flipH="1">
+            <a:off x="6827616" y="1621054"/>
+            <a:ext cx="72008" cy="72008"/>
+          </a:xfrm>
+          <a:prstGeom prst="ellipse">
+            <a:avLst/>
+          </a:prstGeom>
+          <a:solidFill>
+            <a:schemeClr val="bg1"/>
+          </a:solidFill>
+          <a:ln w="12700">
+            <a:solidFill>
+              <a:schemeClr val="tx1"/>
+            </a:solidFill>
+          </a:ln>
+        </p:spPr>
+        <p:style>
+          <a:lnRef idx="2">
+            <a:schemeClr val="accent1">
+              <a:shade val="50000"/>
+            </a:schemeClr>
+          </a:lnRef>
+          <a:fillRef idx="1">
+            <a:schemeClr val="accent1"/>
+          </a:fillRef>
+          <a:effectRef idx="0">
+            <a:schemeClr val="accent1"/>
+          </a:effectRef>
+          <a:fontRef idx="minor">
+            <a:schemeClr val="lt1"/>
+          </a:fontRef>
+        </p:style>
+        <p:txBody>
+          <a:bodyPr rtlCol="0" anchor="ctr"/>
+          <a:lstStyle/>
+          <a:p>
+            <a:pPr algn="ctr"/>
+            <a:endParaRPr lang="it-IT" dirty="0"/>
+          </a:p>
+        </p:txBody>
+      </p:sp>
+      <p:sp>
+        <p:nvSpPr>
+          <p:cNvPr id="398" name="CasellaDiTesto 397"/>
+          <p:cNvSpPr txBox="1"/>
+          <p:nvPr/>
+        </p:nvSpPr>
+        <p:spPr>
+          <a:xfrm>
+            <a:off x="6666048" y="1668742"/>
+            <a:ext cx="360040" cy="192360"/>
+          </a:xfrm>
+          <a:prstGeom prst="rect">
+            <a:avLst/>
+          </a:prstGeom>
+          <a:noFill/>
+        </p:spPr>
+        <p:txBody>
+          <a:bodyPr wrap="square" rtlCol="0">
+            <a:spAutoFit/>
+          </a:bodyPr>
+          <a:lstStyle/>
+          <a:p>
+            <a:r>
+              <a:rPr lang="it-IT" sz="650" dirty="0" smtClean="0"/>
+              <a:t>HINT</a:t>
+            </a:r>
+            <a:endParaRPr lang="it-IT" sz="650" dirty="0"/>
+          </a:p>
+        </p:txBody>
+      </p:sp>
+      <p:cxnSp>
+        <p:nvCxnSpPr>
+          <p:cNvPr id="400" name="Connettore 1 399"/>
+          <p:cNvCxnSpPr/>
+          <p:nvPr/>
+        </p:nvCxnSpPr>
+        <p:spPr>
+          <a:xfrm flipH="1">
+            <a:off x="7452320" y="1349648"/>
+            <a:ext cx="144016" cy="0"/>
+          </a:xfrm>
+          <a:prstGeom prst="line">
+            <a:avLst/>
+          </a:prstGeom>
+          <a:ln>
+            <a:solidFill>
+              <a:schemeClr val="tx1"/>
+            </a:solidFill>
+          </a:ln>
+        </p:spPr>
+        <p:style>
+          <a:lnRef idx="1">
+            <a:schemeClr val="accent1"/>
+          </a:lnRef>
+          <a:fillRef idx="0">
+            <a:schemeClr val="accent1"/>
+          </a:fillRef>
+          <a:effectRef idx="0">
+            <a:schemeClr val="accent1"/>
+          </a:effectRef>
+          <a:fontRef idx="minor">
+            <a:schemeClr val="tx1"/>
+          </a:fontRef>
+        </p:style>
+      </p:cxnSp>
+      <p:sp>
+        <p:nvSpPr>
+          <p:cNvPr id="404" name="Ovale 403"/>
+          <p:cNvSpPr/>
+          <p:nvPr/>
+        </p:nvSpPr>
+        <p:spPr>
+          <a:xfrm rot="5400000" flipH="1">
+            <a:off x="7538920" y="1304790"/>
+            <a:ext cx="72008" cy="72008"/>
+          </a:xfrm>
+          <a:prstGeom prst="ellipse">
+            <a:avLst/>
+          </a:prstGeom>
+          <a:solidFill>
+            <a:schemeClr val="bg1"/>
+          </a:solidFill>
+          <a:ln w="12700">
+            <a:solidFill>
+              <a:schemeClr val="tx1"/>
+            </a:solidFill>
+          </a:ln>
+        </p:spPr>
+        <p:style>
+          <a:lnRef idx="2">
+            <a:schemeClr val="accent1">
+              <a:shade val="50000"/>
+            </a:schemeClr>
+          </a:lnRef>
+          <a:fillRef idx="1">
+            <a:schemeClr val="accent1"/>
+          </a:fillRef>
+          <a:effectRef idx="0">
+            <a:schemeClr val="accent1"/>
+          </a:effectRef>
+          <a:fontRef idx="minor">
+            <a:schemeClr val="lt1"/>
+          </a:fontRef>
+        </p:style>
+        <p:txBody>
+          <a:bodyPr rtlCol="0" anchor="ctr"/>
+          <a:lstStyle/>
+          <a:p>
+            <a:pPr algn="ctr"/>
+            <a:endParaRPr lang="it-IT" dirty="0"/>
+          </a:p>
+        </p:txBody>
+      </p:sp>
+      <p:sp>
+        <p:nvSpPr>
+          <p:cNvPr id="405" name="CasellaDiTesto 404"/>
+          <p:cNvSpPr txBox="1"/>
+          <p:nvPr/>
+        </p:nvSpPr>
+        <p:spPr>
+          <a:xfrm>
+            <a:off x="7557424" y="1246718"/>
+            <a:ext cx="648072" cy="192360"/>
+          </a:xfrm>
+          <a:prstGeom prst="rect">
+            <a:avLst/>
+          </a:prstGeom>
+          <a:noFill/>
+        </p:spPr>
+        <p:txBody>
+          <a:bodyPr wrap="square" rtlCol="0">
+            <a:spAutoFit/>
+          </a:bodyPr>
+          <a:lstStyle/>
+          <a:p>
+            <a:r>
+              <a:rPr lang="it-IT" sz="650" dirty="0" smtClean="0"/>
+              <a:t>DESCRIPTION</a:t>
+            </a:r>
+          </a:p>
+        </p:txBody>
+      </p:sp>
+      <p:cxnSp>
+        <p:nvCxnSpPr>
+          <p:cNvPr id="432" name="Connettore 1 431"/>
+          <p:cNvCxnSpPr/>
+          <p:nvPr/>
+        </p:nvCxnSpPr>
+        <p:spPr>
+          <a:xfrm>
+            <a:off x="4781159" y="2797334"/>
+            <a:ext cx="0" cy="144016"/>
+          </a:xfrm>
+          <a:prstGeom prst="line">
+            <a:avLst/>
+          </a:prstGeom>
+          <a:ln>
+            <a:solidFill>
+              <a:schemeClr val="tx1"/>
+            </a:solidFill>
+          </a:ln>
+        </p:spPr>
+        <p:style>
+          <a:lnRef idx="1">
+            <a:schemeClr val="accent1"/>
+          </a:lnRef>
+          <a:fillRef idx="0">
+            <a:schemeClr val="accent1"/>
+          </a:fillRef>
+          <a:effectRef idx="0">
+            <a:schemeClr val="accent1"/>
+          </a:effectRef>
+          <a:fontRef idx="minor">
+            <a:schemeClr val="tx1"/>
+          </a:fontRef>
+        </p:style>
+      </p:cxnSp>
+      <p:sp>
+        <p:nvSpPr>
+          <p:cNvPr id="433" name="Ovale 432"/>
+          <p:cNvSpPr/>
+          <p:nvPr/>
+        </p:nvSpPr>
+        <p:spPr>
+          <a:xfrm rot="5400000" flipH="1">
+            <a:off x="4743199" y="2898337"/>
+            <a:ext cx="72008" cy="72008"/>
+          </a:xfrm>
+          <a:prstGeom prst="ellipse">
+            <a:avLst/>
+          </a:prstGeom>
+          <a:solidFill>
+            <a:schemeClr val="bg1"/>
+          </a:solidFill>
+          <a:ln w="12700">
+            <a:solidFill>
+              <a:schemeClr val="tx1"/>
+            </a:solidFill>
+          </a:ln>
+        </p:spPr>
+        <p:style>
+          <a:lnRef idx="2">
+            <a:schemeClr val="accent1">
+              <a:shade val="50000"/>
+            </a:schemeClr>
+          </a:lnRef>
+          <a:fillRef idx="1">
+            <a:schemeClr val="accent1"/>
+          </a:fillRef>
+          <a:effectRef idx="0">
+            <a:schemeClr val="accent1"/>
+          </a:effectRef>
+          <a:fontRef idx="minor">
+            <a:schemeClr val="lt1"/>
+          </a:fontRef>
+        </p:style>
+        <p:txBody>
+          <a:bodyPr rtlCol="0" anchor="ctr"/>
+          <a:lstStyle/>
+          <a:p>
+            <a:pPr algn="ctr"/>
+            <a:endParaRPr lang="it-IT" dirty="0"/>
+          </a:p>
+        </p:txBody>
+      </p:sp>
+      <p:sp>
+        <p:nvSpPr>
+          <p:cNvPr id="434" name="CasellaDiTesto 433"/>
+          <p:cNvSpPr txBox="1"/>
+          <p:nvPr/>
+        </p:nvSpPr>
+        <p:spPr>
+          <a:xfrm>
+            <a:off x="4427984" y="2951737"/>
+            <a:ext cx="651789" cy="192360"/>
+          </a:xfrm>
+          <a:prstGeom prst="rect">
+            <a:avLst/>
+          </a:prstGeom>
+          <a:noFill/>
+        </p:spPr>
+        <p:txBody>
+          <a:bodyPr wrap="square" rtlCol="0">
+            <a:spAutoFit/>
+          </a:bodyPr>
+          <a:lstStyle/>
+          <a:p>
+            <a:r>
+              <a:rPr lang="it-IT" sz="650" dirty="0" smtClean="0"/>
+              <a:t>PASSWORD</a:t>
             </a:r>
             <a:endParaRPr lang="it-IT" sz="650" dirty="0"/>
           </a:p>

--- a/Documentazione/database.pptx
+++ b/Documentazione/database.pptx
@@ -193,7 +193,7 @@
             <a:fld id="{E36400BA-0FAF-41C7-AD02-864713816CB5}" type="datetimeFigureOut">
               <a:rPr lang="it-IT" smtClean="0"/>
               <a:pPr/>
-              <a:t>03/10/2016</a:t>
+              <a:t>05/10/2016</a:t>
             </a:fld>
             <a:endParaRPr lang="it-IT"/>
           </a:p>
@@ -723,7 +723,7 @@
             <a:fld id="{920B080A-5D88-430C-A764-4252F62C936A}" type="datetimeFigureOut">
               <a:rPr lang="it-IT" smtClean="0"/>
               <a:pPr/>
-              <a:t>03/10/2016</a:t>
+              <a:t>05/10/2016</a:t>
             </a:fld>
             <a:endParaRPr lang="it-IT"/>
           </a:p>
@@ -890,7 +890,7 @@
             <a:fld id="{920B080A-5D88-430C-A764-4252F62C936A}" type="datetimeFigureOut">
               <a:rPr lang="it-IT" smtClean="0"/>
               <a:pPr/>
-              <a:t>03/10/2016</a:t>
+              <a:t>05/10/2016</a:t>
             </a:fld>
             <a:endParaRPr lang="it-IT"/>
           </a:p>
@@ -1067,7 +1067,7 @@
             <a:fld id="{920B080A-5D88-430C-A764-4252F62C936A}" type="datetimeFigureOut">
               <a:rPr lang="it-IT" smtClean="0"/>
               <a:pPr/>
-              <a:t>03/10/2016</a:t>
+              <a:t>05/10/2016</a:t>
             </a:fld>
             <a:endParaRPr lang="it-IT"/>
           </a:p>
@@ -1234,7 +1234,7 @@
             <a:fld id="{920B080A-5D88-430C-A764-4252F62C936A}" type="datetimeFigureOut">
               <a:rPr lang="it-IT" smtClean="0"/>
               <a:pPr/>
-              <a:t>03/10/2016</a:t>
+              <a:t>05/10/2016</a:t>
             </a:fld>
             <a:endParaRPr lang="it-IT"/>
           </a:p>
@@ -1477,7 +1477,7 @@
             <a:fld id="{920B080A-5D88-430C-A764-4252F62C936A}" type="datetimeFigureOut">
               <a:rPr lang="it-IT" smtClean="0"/>
               <a:pPr/>
-              <a:t>03/10/2016</a:t>
+              <a:t>05/10/2016</a:t>
             </a:fld>
             <a:endParaRPr lang="it-IT"/>
           </a:p>
@@ -1762,7 +1762,7 @@
             <a:fld id="{920B080A-5D88-430C-A764-4252F62C936A}" type="datetimeFigureOut">
               <a:rPr lang="it-IT" smtClean="0"/>
               <a:pPr/>
-              <a:t>03/10/2016</a:t>
+              <a:t>05/10/2016</a:t>
             </a:fld>
             <a:endParaRPr lang="it-IT"/>
           </a:p>
@@ -2186,7 +2186,7 @@
             <a:fld id="{920B080A-5D88-430C-A764-4252F62C936A}" type="datetimeFigureOut">
               <a:rPr lang="it-IT" smtClean="0"/>
               <a:pPr/>
-              <a:t>03/10/2016</a:t>
+              <a:t>05/10/2016</a:t>
             </a:fld>
             <a:endParaRPr lang="it-IT"/>
           </a:p>
@@ -2301,7 +2301,7 @@
             <a:fld id="{920B080A-5D88-430C-A764-4252F62C936A}" type="datetimeFigureOut">
               <a:rPr lang="it-IT" smtClean="0"/>
               <a:pPr/>
-              <a:t>03/10/2016</a:t>
+              <a:t>05/10/2016</a:t>
             </a:fld>
             <a:endParaRPr lang="it-IT"/>
           </a:p>
@@ -2393,7 +2393,7 @@
             <a:fld id="{920B080A-5D88-430C-A764-4252F62C936A}" type="datetimeFigureOut">
               <a:rPr lang="it-IT" smtClean="0"/>
               <a:pPr/>
-              <a:t>03/10/2016</a:t>
+              <a:t>05/10/2016</a:t>
             </a:fld>
             <a:endParaRPr lang="it-IT"/>
           </a:p>
@@ -2667,7 +2667,7 @@
             <a:fld id="{920B080A-5D88-430C-A764-4252F62C936A}" type="datetimeFigureOut">
               <a:rPr lang="it-IT" smtClean="0"/>
               <a:pPr/>
-              <a:t>03/10/2016</a:t>
+              <a:t>05/10/2016</a:t>
             </a:fld>
             <a:endParaRPr lang="it-IT"/>
           </a:p>
@@ -2917,7 +2917,7 @@
             <a:fld id="{920B080A-5D88-430C-A764-4252F62C936A}" type="datetimeFigureOut">
               <a:rPr lang="it-IT" smtClean="0"/>
               <a:pPr/>
-              <a:t>03/10/2016</a:t>
+              <a:t>05/10/2016</a:t>
             </a:fld>
             <a:endParaRPr lang="it-IT"/>
           </a:p>
@@ -3127,7 +3127,7 @@
             <a:fld id="{920B080A-5D88-430C-A764-4252F62C936A}" type="datetimeFigureOut">
               <a:rPr lang="it-IT" smtClean="0"/>
               <a:pPr/>
-              <a:t>03/10/2016</a:t>
+              <a:t>05/10/2016</a:t>
             </a:fld>
             <a:endParaRPr lang="it-IT"/>
           </a:p>
@@ -14232,7 +14232,7 @@
         </p:nvCxnSpPr>
         <p:spPr>
           <a:xfrm flipH="1">
-            <a:off x="7956376" y="1568804"/>
+            <a:off x="7956376" y="1599142"/>
             <a:ext cx="144016" cy="0"/>
           </a:xfrm>
           <a:prstGeom prst="line">
@@ -14267,7 +14267,7 @@
         </p:nvSpPr>
         <p:spPr>
           <a:xfrm rot="5400000" flipH="1">
-            <a:off x="7920530" y="1532958"/>
+            <a:off x="7920530" y="1558962"/>
             <a:ext cx="72008" cy="72008"/>
           </a:xfrm>
           <a:prstGeom prst="ellipse">
@@ -14315,7 +14315,7 @@
         </p:nvSpPr>
         <p:spPr>
           <a:xfrm>
-            <a:off x="7334134" y="1474282"/>
+            <a:off x="7351470" y="1500286"/>
             <a:ext cx="648072" cy="192360"/>
           </a:xfrm>
           <a:prstGeom prst="rect">
@@ -15690,6 +15690,232 @@
               <a:t>PASSWORD</a:t>
             </a:r>
             <a:endParaRPr lang="it-IT" sz="650" dirty="0"/>
+          </a:p>
+        </p:txBody>
+      </p:sp>
+      <p:cxnSp>
+        <p:nvCxnSpPr>
+          <p:cNvPr id="333" name="Connettore 1 332"/>
+          <p:cNvCxnSpPr/>
+          <p:nvPr/>
+        </p:nvCxnSpPr>
+        <p:spPr>
+          <a:xfrm>
+            <a:off x="7956376" y="3553858"/>
+            <a:ext cx="0" cy="144016"/>
+          </a:xfrm>
+          <a:prstGeom prst="line">
+            <a:avLst/>
+          </a:prstGeom>
+          <a:ln>
+            <a:solidFill>
+              <a:schemeClr val="tx1"/>
+            </a:solidFill>
+          </a:ln>
+        </p:spPr>
+        <p:style>
+          <a:lnRef idx="1">
+            <a:schemeClr val="accent1"/>
+          </a:lnRef>
+          <a:fillRef idx="0">
+            <a:schemeClr val="accent1"/>
+          </a:fillRef>
+          <a:effectRef idx="0">
+            <a:schemeClr val="accent1"/>
+          </a:effectRef>
+          <a:fontRef idx="minor">
+            <a:schemeClr val="tx1"/>
+          </a:fontRef>
+        </p:style>
+      </p:cxnSp>
+      <p:sp>
+        <p:nvSpPr>
+          <p:cNvPr id="340" name="Ovale 339"/>
+          <p:cNvSpPr/>
+          <p:nvPr/>
+        </p:nvSpPr>
+        <p:spPr>
+          <a:xfrm rot="5400000" flipH="1">
+            <a:off x="7919040" y="3512188"/>
+            <a:ext cx="72008" cy="72008"/>
+          </a:xfrm>
+          <a:prstGeom prst="ellipse">
+            <a:avLst/>
+          </a:prstGeom>
+          <a:solidFill>
+            <a:schemeClr val="bg1"/>
+          </a:solidFill>
+          <a:ln w="12700">
+            <a:solidFill>
+              <a:schemeClr val="tx1"/>
+            </a:solidFill>
+          </a:ln>
+        </p:spPr>
+        <p:style>
+          <a:lnRef idx="2">
+            <a:schemeClr val="accent1">
+              <a:shade val="50000"/>
+            </a:schemeClr>
+          </a:lnRef>
+          <a:fillRef idx="1">
+            <a:schemeClr val="accent1"/>
+          </a:fillRef>
+          <a:effectRef idx="0">
+            <a:schemeClr val="accent1"/>
+          </a:effectRef>
+          <a:fontRef idx="minor">
+            <a:schemeClr val="lt1"/>
+          </a:fontRef>
+        </p:style>
+        <p:txBody>
+          <a:bodyPr rtlCol="0" anchor="ctr"/>
+          <a:lstStyle/>
+          <a:p>
+            <a:pPr algn="ctr"/>
+            <a:endParaRPr lang="it-IT" dirty="0"/>
+          </a:p>
+        </p:txBody>
+      </p:sp>
+      <p:sp>
+        <p:nvSpPr>
+          <p:cNvPr id="345" name="CasellaDiTesto 344"/>
+          <p:cNvSpPr txBox="1"/>
+          <p:nvPr/>
+        </p:nvSpPr>
+        <p:spPr>
+          <a:xfrm>
+            <a:off x="7596336" y="3455846"/>
+            <a:ext cx="432048" cy="192360"/>
+          </a:xfrm>
+          <a:prstGeom prst="rect">
+            <a:avLst/>
+          </a:prstGeom>
+          <a:noFill/>
+        </p:spPr>
+        <p:txBody>
+          <a:bodyPr wrap="square" rtlCol="0">
+            <a:spAutoFit/>
+          </a:bodyPr>
+          <a:lstStyle/>
+          <a:p>
+            <a:r>
+              <a:rPr lang="it-IT" sz="650" dirty="0" smtClean="0"/>
+              <a:t>NAME</a:t>
+            </a:r>
+            <a:endParaRPr lang="it-IT" sz="650" dirty="0" smtClean="0"/>
+          </a:p>
+        </p:txBody>
+      </p:sp>
+      <p:cxnSp>
+        <p:nvCxnSpPr>
+          <p:cNvPr id="358" name="Connettore 1 357"/>
+          <p:cNvCxnSpPr/>
+          <p:nvPr/>
+        </p:nvCxnSpPr>
+        <p:spPr>
+          <a:xfrm>
+            <a:off x="7956376" y="1491630"/>
+            <a:ext cx="144016" cy="0"/>
+          </a:xfrm>
+          <a:prstGeom prst="line">
+            <a:avLst/>
+          </a:prstGeom>
+          <a:ln>
+            <a:solidFill>
+              <a:schemeClr val="tx1"/>
+            </a:solidFill>
+          </a:ln>
+        </p:spPr>
+        <p:style>
+          <a:lnRef idx="1">
+            <a:schemeClr val="accent1"/>
+          </a:lnRef>
+          <a:fillRef idx="0">
+            <a:schemeClr val="accent1"/>
+          </a:fillRef>
+          <a:effectRef idx="0">
+            <a:schemeClr val="accent1"/>
+          </a:effectRef>
+          <a:fontRef idx="minor">
+            <a:schemeClr val="tx1"/>
+          </a:fontRef>
+        </p:style>
+      </p:cxnSp>
+      <p:sp>
+        <p:nvSpPr>
+          <p:cNvPr id="374" name="Ovale 373"/>
+          <p:cNvSpPr/>
+          <p:nvPr/>
+        </p:nvSpPr>
+        <p:spPr>
+          <a:xfrm rot="5400000" flipH="1">
+            <a:off x="7919040" y="1449960"/>
+            <a:ext cx="72008" cy="72008"/>
+          </a:xfrm>
+          <a:prstGeom prst="ellipse">
+            <a:avLst/>
+          </a:prstGeom>
+          <a:solidFill>
+            <a:schemeClr val="bg1"/>
+          </a:solidFill>
+          <a:ln w="12700">
+            <a:solidFill>
+              <a:schemeClr val="tx1"/>
+            </a:solidFill>
+          </a:ln>
+        </p:spPr>
+        <p:style>
+          <a:lnRef idx="2">
+            <a:schemeClr val="accent1">
+              <a:shade val="50000"/>
+            </a:schemeClr>
+          </a:lnRef>
+          <a:fillRef idx="1">
+            <a:schemeClr val="accent1"/>
+          </a:fillRef>
+          <a:effectRef idx="0">
+            <a:schemeClr val="accent1"/>
+          </a:effectRef>
+          <a:fontRef idx="minor">
+            <a:schemeClr val="lt1"/>
+          </a:fontRef>
+        </p:style>
+        <p:txBody>
+          <a:bodyPr rtlCol="0" anchor="ctr"/>
+          <a:lstStyle/>
+          <a:p>
+            <a:pPr algn="ctr"/>
+            <a:endParaRPr lang="it-IT" dirty="0"/>
+          </a:p>
+        </p:txBody>
+      </p:sp>
+      <p:sp>
+        <p:nvSpPr>
+          <p:cNvPr id="401" name="CasellaDiTesto 400"/>
+          <p:cNvSpPr txBox="1"/>
+          <p:nvPr/>
+        </p:nvSpPr>
+        <p:spPr>
+          <a:xfrm>
+            <a:off x="7585004" y="1389284"/>
+            <a:ext cx="432048" cy="192360"/>
+          </a:xfrm>
+          <a:prstGeom prst="rect">
+            <a:avLst/>
+          </a:prstGeom>
+          <a:noFill/>
+        </p:spPr>
+        <p:txBody>
+          <a:bodyPr wrap="square" rtlCol="0">
+            <a:spAutoFit/>
+          </a:bodyPr>
+          <a:lstStyle/>
+          <a:p>
+            <a:r>
+              <a:rPr lang="it-IT" sz="650" dirty="0" smtClean="0"/>
+              <a:t>NAME</a:t>
+            </a:r>
+            <a:endParaRPr lang="it-IT" sz="650" dirty="0" smtClean="0"/>
           </a:p>
         </p:txBody>
       </p:sp>

--- a/Documentazione/database.pptx
+++ b/Documentazione/database.pptx
@@ -193,7 +193,7 @@
             <a:fld id="{E36400BA-0FAF-41C7-AD02-864713816CB5}" type="datetimeFigureOut">
               <a:rPr lang="it-IT" smtClean="0"/>
               <a:pPr/>
-              <a:t>05/10/2016</a:t>
+              <a:t>11/10/2016</a:t>
             </a:fld>
             <a:endParaRPr lang="it-IT"/>
           </a:p>
@@ -723,7 +723,7 @@
             <a:fld id="{920B080A-5D88-430C-A764-4252F62C936A}" type="datetimeFigureOut">
               <a:rPr lang="it-IT" smtClean="0"/>
               <a:pPr/>
-              <a:t>05/10/2016</a:t>
+              <a:t>11/10/2016</a:t>
             </a:fld>
             <a:endParaRPr lang="it-IT"/>
           </a:p>
@@ -890,7 +890,7 @@
             <a:fld id="{920B080A-5D88-430C-A764-4252F62C936A}" type="datetimeFigureOut">
               <a:rPr lang="it-IT" smtClean="0"/>
               <a:pPr/>
-              <a:t>05/10/2016</a:t>
+              <a:t>11/10/2016</a:t>
             </a:fld>
             <a:endParaRPr lang="it-IT"/>
           </a:p>
@@ -1067,7 +1067,7 @@
             <a:fld id="{920B080A-5D88-430C-A764-4252F62C936A}" type="datetimeFigureOut">
               <a:rPr lang="it-IT" smtClean="0"/>
               <a:pPr/>
-              <a:t>05/10/2016</a:t>
+              <a:t>11/10/2016</a:t>
             </a:fld>
             <a:endParaRPr lang="it-IT"/>
           </a:p>
@@ -1234,7 +1234,7 @@
             <a:fld id="{920B080A-5D88-430C-A764-4252F62C936A}" type="datetimeFigureOut">
               <a:rPr lang="it-IT" smtClean="0"/>
               <a:pPr/>
-              <a:t>05/10/2016</a:t>
+              <a:t>11/10/2016</a:t>
             </a:fld>
             <a:endParaRPr lang="it-IT"/>
           </a:p>
@@ -1477,7 +1477,7 @@
             <a:fld id="{920B080A-5D88-430C-A764-4252F62C936A}" type="datetimeFigureOut">
               <a:rPr lang="it-IT" smtClean="0"/>
               <a:pPr/>
-              <a:t>05/10/2016</a:t>
+              <a:t>11/10/2016</a:t>
             </a:fld>
             <a:endParaRPr lang="it-IT"/>
           </a:p>
@@ -1762,7 +1762,7 @@
             <a:fld id="{920B080A-5D88-430C-A764-4252F62C936A}" type="datetimeFigureOut">
               <a:rPr lang="it-IT" smtClean="0"/>
               <a:pPr/>
-              <a:t>05/10/2016</a:t>
+              <a:t>11/10/2016</a:t>
             </a:fld>
             <a:endParaRPr lang="it-IT"/>
           </a:p>
@@ -2186,7 +2186,7 @@
             <a:fld id="{920B080A-5D88-430C-A764-4252F62C936A}" type="datetimeFigureOut">
               <a:rPr lang="it-IT" smtClean="0"/>
               <a:pPr/>
-              <a:t>05/10/2016</a:t>
+              <a:t>11/10/2016</a:t>
             </a:fld>
             <a:endParaRPr lang="it-IT"/>
           </a:p>
@@ -2301,7 +2301,7 @@
             <a:fld id="{920B080A-5D88-430C-A764-4252F62C936A}" type="datetimeFigureOut">
               <a:rPr lang="it-IT" smtClean="0"/>
               <a:pPr/>
-              <a:t>05/10/2016</a:t>
+              <a:t>11/10/2016</a:t>
             </a:fld>
             <a:endParaRPr lang="it-IT"/>
           </a:p>
@@ -2393,7 +2393,7 @@
             <a:fld id="{920B080A-5D88-430C-A764-4252F62C936A}" type="datetimeFigureOut">
               <a:rPr lang="it-IT" smtClean="0"/>
               <a:pPr/>
-              <a:t>05/10/2016</a:t>
+              <a:t>11/10/2016</a:t>
             </a:fld>
             <a:endParaRPr lang="it-IT"/>
           </a:p>
@@ -2667,7 +2667,7 @@
             <a:fld id="{920B080A-5D88-430C-A764-4252F62C936A}" type="datetimeFigureOut">
               <a:rPr lang="it-IT" smtClean="0"/>
               <a:pPr/>
-              <a:t>05/10/2016</a:t>
+              <a:t>11/10/2016</a:t>
             </a:fld>
             <a:endParaRPr lang="it-IT"/>
           </a:p>
@@ -2917,7 +2917,7 @@
             <a:fld id="{920B080A-5D88-430C-A764-4252F62C936A}" type="datetimeFigureOut">
               <a:rPr lang="it-IT" smtClean="0"/>
               <a:pPr/>
-              <a:t>05/10/2016</a:t>
+              <a:t>11/10/2016</a:t>
             </a:fld>
             <a:endParaRPr lang="it-IT"/>
           </a:p>
@@ -3127,7 +3127,7 @@
             <a:fld id="{920B080A-5D88-430C-A764-4252F62C936A}" type="datetimeFigureOut">
               <a:rPr lang="it-IT" smtClean="0"/>
               <a:pPr/>
-              <a:t>05/10/2016</a:t>
+              <a:t>11/10/2016</a:t>
             </a:fld>
             <a:endParaRPr lang="it-IT"/>
           </a:p>
@@ -8944,7 +8944,7 @@
         </p:nvCxnSpPr>
         <p:spPr>
           <a:xfrm>
-            <a:off x="6861398" y="1124142"/>
+            <a:off x="7054180" y="1128356"/>
             <a:ext cx="0" cy="144016"/>
           </a:xfrm>
           <a:prstGeom prst="line">
@@ -8979,7 +8979,7 @@
         </p:nvSpPr>
         <p:spPr>
           <a:xfrm rot="5400000" flipH="1">
-            <a:off x="6827490" y="1091504"/>
+            <a:off x="7020272" y="1095718"/>
             <a:ext cx="72008" cy="72008"/>
           </a:xfrm>
           <a:prstGeom prst="ellipse">
@@ -9027,7 +9027,7 @@
         </p:nvSpPr>
         <p:spPr>
           <a:xfrm>
-            <a:off x="6679282" y="928438"/>
+            <a:off x="6859364" y="928438"/>
             <a:ext cx="448940" cy="192360"/>
           </a:xfrm>
           <a:prstGeom prst="rect">
@@ -9057,7 +9057,7 @@
         </p:nvCxnSpPr>
         <p:spPr>
           <a:xfrm>
-            <a:off x="7346404" y="1125240"/>
+            <a:off x="7414220" y="1125240"/>
             <a:ext cx="0" cy="144016"/>
           </a:xfrm>
           <a:prstGeom prst="line">
@@ -9092,7 +9092,7 @@
         </p:nvSpPr>
         <p:spPr>
           <a:xfrm rot="5400000" flipH="1">
-            <a:off x="7312496" y="1091160"/>
+            <a:off x="7380312" y="1091160"/>
             <a:ext cx="72008" cy="72008"/>
           </a:xfrm>
           <a:prstGeom prst="ellipse">
@@ -9140,7 +9140,7 @@
         </p:nvSpPr>
         <p:spPr>
           <a:xfrm>
-            <a:off x="7164288" y="927922"/>
+            <a:off x="7283020" y="927922"/>
             <a:ext cx="504056" cy="192360"/>
           </a:xfrm>
           <a:prstGeom prst="rect">
@@ -13815,7 +13815,7 @@
         </p:nvSpPr>
         <p:spPr>
           <a:xfrm>
-            <a:off x="6940644" y="1101110"/>
+            <a:off x="7117564" y="1105324"/>
             <a:ext cx="288032" cy="192360"/>
           </a:xfrm>
           <a:prstGeom prst="rect">
@@ -15802,7 +15802,6 @@
               <a:rPr lang="it-IT" sz="650" dirty="0" smtClean="0"/>
               <a:t>NAME</a:t>
             </a:r>
-            <a:endParaRPr lang="it-IT" sz="650" dirty="0" smtClean="0"/>
           </a:p>
         </p:txBody>
       </p:sp>
@@ -15915,7 +15914,119 @@
               <a:rPr lang="it-IT" sz="650" dirty="0" smtClean="0"/>
               <a:t>NAME</a:t>
             </a:r>
-            <a:endParaRPr lang="it-IT" sz="650" dirty="0" smtClean="0"/>
+          </a:p>
+        </p:txBody>
+      </p:sp>
+      <p:cxnSp>
+        <p:nvCxnSpPr>
+          <p:cNvPr id="402" name="Connettore 1 401"/>
+          <p:cNvCxnSpPr/>
+          <p:nvPr/>
+        </p:nvCxnSpPr>
+        <p:spPr>
+          <a:xfrm>
+            <a:off x="6863440" y="1129370"/>
+            <a:ext cx="0" cy="144016"/>
+          </a:xfrm>
+          <a:prstGeom prst="line">
+            <a:avLst/>
+          </a:prstGeom>
+          <a:ln>
+            <a:solidFill>
+              <a:schemeClr val="tx1"/>
+            </a:solidFill>
+          </a:ln>
+        </p:spPr>
+        <p:style>
+          <a:lnRef idx="1">
+            <a:schemeClr val="accent1"/>
+          </a:lnRef>
+          <a:fillRef idx="0">
+            <a:schemeClr val="accent1"/>
+          </a:fillRef>
+          <a:effectRef idx="0">
+            <a:schemeClr val="accent1"/>
+          </a:effectRef>
+          <a:fontRef idx="minor">
+            <a:schemeClr val="tx1"/>
+          </a:fontRef>
+        </p:style>
+      </p:cxnSp>
+      <p:sp>
+        <p:nvSpPr>
+          <p:cNvPr id="403" name="Ovale 402"/>
+          <p:cNvSpPr/>
+          <p:nvPr/>
+        </p:nvSpPr>
+        <p:spPr>
+          <a:xfrm rot="5400000" flipH="1">
+            <a:off x="6829532" y="1095290"/>
+            <a:ext cx="72008" cy="72008"/>
+          </a:xfrm>
+          <a:prstGeom prst="ellipse">
+            <a:avLst/>
+          </a:prstGeom>
+          <a:solidFill>
+            <a:schemeClr val="bg1"/>
+          </a:solidFill>
+          <a:ln w="12700">
+            <a:solidFill>
+              <a:schemeClr val="tx1"/>
+            </a:solidFill>
+          </a:ln>
+        </p:spPr>
+        <p:style>
+          <a:lnRef idx="2">
+            <a:schemeClr val="accent1">
+              <a:shade val="50000"/>
+            </a:schemeClr>
+          </a:lnRef>
+          <a:fillRef idx="1">
+            <a:schemeClr val="accent1"/>
+          </a:fillRef>
+          <a:effectRef idx="0">
+            <a:schemeClr val="accent1"/>
+          </a:effectRef>
+          <a:fontRef idx="minor">
+            <a:schemeClr val="lt1"/>
+          </a:fontRef>
+        </p:style>
+        <p:txBody>
+          <a:bodyPr rtlCol="0" anchor="ctr"/>
+          <a:lstStyle/>
+          <a:p>
+            <a:pPr algn="ctr"/>
+            <a:endParaRPr lang="it-IT" dirty="0"/>
+          </a:p>
+        </p:txBody>
+      </p:sp>
+      <p:sp>
+        <p:nvSpPr>
+          <p:cNvPr id="407" name="CasellaDiTesto 406"/>
+          <p:cNvSpPr txBox="1"/>
+          <p:nvPr/>
+        </p:nvSpPr>
+        <p:spPr>
+          <a:xfrm>
+            <a:off x="6605450" y="927838"/>
+            <a:ext cx="504056" cy="192360"/>
+          </a:xfrm>
+          <a:prstGeom prst="rect">
+            <a:avLst/>
+          </a:prstGeom>
+          <a:noFill/>
+        </p:spPr>
+        <p:txBody>
+          <a:bodyPr wrap="square" rtlCol="0">
+            <a:spAutoFit/>
+          </a:bodyPr>
+          <a:lstStyle/>
+          <a:p>
+            <a:r>
+              <a:rPr lang="it-IT" sz="650" dirty="0" smtClean="0"/>
+              <a:t>NAME</a:t>
+            </a:r>
+            <a:endParaRPr lang="it-IT" sz="650" dirty="0"/>
           </a:p>
         </p:txBody>
       </p:sp>

--- a/Documentazione/database.pptx
+++ b/Documentazione/database.pptx
@@ -193,7 +193,7 @@
             <a:fld id="{E36400BA-0FAF-41C7-AD02-864713816CB5}" type="datetimeFigureOut">
               <a:rPr lang="it-IT" smtClean="0"/>
               <a:pPr/>
-              <a:t>11/10/2016</a:t>
+              <a:t>27/10/2016</a:t>
             </a:fld>
             <a:endParaRPr lang="it-IT"/>
           </a:p>
@@ -723,7 +723,7 @@
             <a:fld id="{920B080A-5D88-430C-A764-4252F62C936A}" type="datetimeFigureOut">
               <a:rPr lang="it-IT" smtClean="0"/>
               <a:pPr/>
-              <a:t>11/10/2016</a:t>
+              <a:t>27/10/2016</a:t>
             </a:fld>
             <a:endParaRPr lang="it-IT"/>
           </a:p>
@@ -890,7 +890,7 @@
             <a:fld id="{920B080A-5D88-430C-A764-4252F62C936A}" type="datetimeFigureOut">
               <a:rPr lang="it-IT" smtClean="0"/>
               <a:pPr/>
-              <a:t>11/10/2016</a:t>
+              <a:t>27/10/2016</a:t>
             </a:fld>
             <a:endParaRPr lang="it-IT"/>
           </a:p>
@@ -1067,7 +1067,7 @@
             <a:fld id="{920B080A-5D88-430C-A764-4252F62C936A}" type="datetimeFigureOut">
               <a:rPr lang="it-IT" smtClean="0"/>
               <a:pPr/>
-              <a:t>11/10/2016</a:t>
+              <a:t>27/10/2016</a:t>
             </a:fld>
             <a:endParaRPr lang="it-IT"/>
           </a:p>
@@ -1234,7 +1234,7 @@
             <a:fld id="{920B080A-5D88-430C-A764-4252F62C936A}" type="datetimeFigureOut">
               <a:rPr lang="it-IT" smtClean="0"/>
               <a:pPr/>
-              <a:t>11/10/2016</a:t>
+              <a:t>27/10/2016</a:t>
             </a:fld>
             <a:endParaRPr lang="it-IT"/>
           </a:p>
@@ -1477,7 +1477,7 @@
             <a:fld id="{920B080A-5D88-430C-A764-4252F62C936A}" type="datetimeFigureOut">
               <a:rPr lang="it-IT" smtClean="0"/>
               <a:pPr/>
-              <a:t>11/10/2016</a:t>
+              <a:t>27/10/2016</a:t>
             </a:fld>
             <a:endParaRPr lang="it-IT"/>
           </a:p>
@@ -1762,7 +1762,7 @@
             <a:fld id="{920B080A-5D88-430C-A764-4252F62C936A}" type="datetimeFigureOut">
               <a:rPr lang="it-IT" smtClean="0"/>
               <a:pPr/>
-              <a:t>11/10/2016</a:t>
+              <a:t>27/10/2016</a:t>
             </a:fld>
             <a:endParaRPr lang="it-IT"/>
           </a:p>
@@ -2186,7 +2186,7 @@
             <a:fld id="{920B080A-5D88-430C-A764-4252F62C936A}" type="datetimeFigureOut">
               <a:rPr lang="it-IT" smtClean="0"/>
               <a:pPr/>
-              <a:t>11/10/2016</a:t>
+              <a:t>27/10/2016</a:t>
             </a:fld>
             <a:endParaRPr lang="it-IT"/>
           </a:p>
@@ -2301,7 +2301,7 @@
             <a:fld id="{920B080A-5D88-430C-A764-4252F62C936A}" type="datetimeFigureOut">
               <a:rPr lang="it-IT" smtClean="0"/>
               <a:pPr/>
-              <a:t>11/10/2016</a:t>
+              <a:t>27/10/2016</a:t>
             </a:fld>
             <a:endParaRPr lang="it-IT"/>
           </a:p>
@@ -2393,7 +2393,7 @@
             <a:fld id="{920B080A-5D88-430C-A764-4252F62C936A}" type="datetimeFigureOut">
               <a:rPr lang="it-IT" smtClean="0"/>
               <a:pPr/>
-              <a:t>11/10/2016</a:t>
+              <a:t>27/10/2016</a:t>
             </a:fld>
             <a:endParaRPr lang="it-IT"/>
           </a:p>
@@ -2667,7 +2667,7 @@
             <a:fld id="{920B080A-5D88-430C-A764-4252F62C936A}" type="datetimeFigureOut">
               <a:rPr lang="it-IT" smtClean="0"/>
               <a:pPr/>
-              <a:t>11/10/2016</a:t>
+              <a:t>27/10/2016</a:t>
             </a:fld>
             <a:endParaRPr lang="it-IT"/>
           </a:p>
@@ -2917,7 +2917,7 @@
             <a:fld id="{920B080A-5D88-430C-A764-4252F62C936A}" type="datetimeFigureOut">
               <a:rPr lang="it-IT" smtClean="0"/>
               <a:pPr/>
-              <a:t>11/10/2016</a:t>
+              <a:t>27/10/2016</a:t>
             </a:fld>
             <a:endParaRPr lang="it-IT"/>
           </a:p>
@@ -3127,7 +3127,7 @@
             <a:fld id="{920B080A-5D88-430C-A764-4252F62C936A}" type="datetimeFigureOut">
               <a:rPr lang="it-IT" smtClean="0"/>
               <a:pPr/>
-              <a:t>11/10/2016</a:t>
+              <a:t>27/10/2016</a:t>
             </a:fld>
             <a:endParaRPr lang="it-IT"/>
           </a:p>
@@ -10104,7 +10104,7 @@
         </p:nvSpPr>
         <p:spPr>
           <a:xfrm>
-            <a:off x="2850158" y="4109318"/>
+            <a:off x="2853290" y="4106186"/>
             <a:ext cx="465956" cy="192360"/>
           </a:xfrm>
           <a:prstGeom prst="rect">
@@ -10134,8 +10134,8 @@
         </p:nvCxnSpPr>
         <p:spPr>
           <a:xfrm>
-            <a:off x="3419872" y="3939902"/>
-            <a:ext cx="72008" cy="72008"/>
+            <a:off x="3419872" y="3867894"/>
+            <a:ext cx="76289" cy="26983"/>
           </a:xfrm>
           <a:prstGeom prst="line">
             <a:avLst/>
@@ -10169,7 +10169,7 @@
         </p:nvSpPr>
         <p:spPr>
           <a:xfrm rot="5400000" flipH="1">
-            <a:off x="3479180" y="3999210"/>
+            <a:off x="3491880" y="3871026"/>
             <a:ext cx="72008" cy="72008"/>
           </a:xfrm>
           <a:prstGeom prst="ellipse">
@@ -10217,7 +10217,7 @@
         </p:nvSpPr>
         <p:spPr>
           <a:xfrm>
-            <a:off x="3474988" y="4018260"/>
+            <a:off x="3479352" y="3886686"/>
             <a:ext cx="592956" cy="192360"/>
           </a:xfrm>
           <a:prstGeom prst="rect">
@@ -16025,6 +16025,119 @@
             <a:r>
               <a:rPr lang="it-IT" sz="650" dirty="0" smtClean="0"/>
               <a:t>NAME</a:t>
+            </a:r>
+            <a:endParaRPr lang="it-IT" sz="650" dirty="0"/>
+          </a:p>
+        </p:txBody>
+      </p:sp>
+      <p:cxnSp>
+        <p:nvCxnSpPr>
+          <p:cNvPr id="439" name="Connettore 1 438"/>
+          <p:cNvCxnSpPr/>
+          <p:nvPr/>
+        </p:nvCxnSpPr>
+        <p:spPr>
+          <a:xfrm>
+            <a:off x="3419872" y="3939902"/>
+            <a:ext cx="72008" cy="144016"/>
+          </a:xfrm>
+          <a:prstGeom prst="line">
+            <a:avLst/>
+          </a:prstGeom>
+          <a:ln>
+            <a:solidFill>
+              <a:schemeClr val="tx1"/>
+            </a:solidFill>
+          </a:ln>
+        </p:spPr>
+        <p:style>
+          <a:lnRef idx="1">
+            <a:schemeClr val="accent1"/>
+          </a:lnRef>
+          <a:fillRef idx="0">
+            <a:schemeClr val="accent1"/>
+          </a:fillRef>
+          <a:effectRef idx="0">
+            <a:schemeClr val="accent1"/>
+          </a:effectRef>
+          <a:fontRef idx="minor">
+            <a:schemeClr val="tx1"/>
+          </a:fontRef>
+        </p:style>
+      </p:cxnSp>
+      <p:sp>
+        <p:nvSpPr>
+          <p:cNvPr id="442" name="Ovale 441"/>
+          <p:cNvSpPr/>
+          <p:nvPr/>
+        </p:nvSpPr>
+        <p:spPr>
+          <a:xfrm rot="5400000" flipH="1">
+            <a:off x="3454296" y="4058890"/>
+            <a:ext cx="72008" cy="72008"/>
+          </a:xfrm>
+          <a:prstGeom prst="ellipse">
+            <a:avLst/>
+          </a:prstGeom>
+          <a:solidFill>
+            <a:schemeClr val="bg1"/>
+          </a:solidFill>
+          <a:ln w="12700">
+            <a:solidFill>
+              <a:schemeClr val="tx1"/>
+            </a:solidFill>
+          </a:ln>
+        </p:spPr>
+        <p:style>
+          <a:lnRef idx="2">
+            <a:schemeClr val="accent1">
+              <a:shade val="50000"/>
+            </a:schemeClr>
+          </a:lnRef>
+          <a:fillRef idx="1">
+            <a:schemeClr val="accent1"/>
+          </a:fillRef>
+          <a:effectRef idx="0">
+            <a:schemeClr val="accent1"/>
+          </a:effectRef>
+          <a:fontRef idx="minor">
+            <a:schemeClr val="lt1"/>
+          </a:fontRef>
+        </p:style>
+        <p:txBody>
+          <a:bodyPr rtlCol="0" anchor="ctr"/>
+          <a:lstStyle/>
+          <a:p>
+            <a:pPr algn="ctr"/>
+            <a:endParaRPr lang="it-IT" dirty="0"/>
+          </a:p>
+        </p:txBody>
+      </p:sp>
+      <p:sp>
+        <p:nvSpPr>
+          <p:cNvPr id="443" name="CasellaDiTesto 442"/>
+          <p:cNvSpPr txBox="1"/>
+          <p:nvPr/>
+        </p:nvSpPr>
+        <p:spPr>
+          <a:xfrm>
+            <a:off x="3360364" y="4102710"/>
+            <a:ext cx="592956" cy="192360"/>
+          </a:xfrm>
+          <a:prstGeom prst="rect">
+            <a:avLst/>
+          </a:prstGeom>
+          <a:noFill/>
+        </p:spPr>
+        <p:txBody>
+          <a:bodyPr wrap="square" rtlCol="0">
+            <a:spAutoFit/>
+          </a:bodyPr>
+          <a:lstStyle/>
+          <a:p>
+            <a:r>
+              <a:rPr lang="it-IT" sz="650" dirty="0" smtClean="0"/>
+              <a:t>REGION</a:t>
             </a:r>
             <a:endParaRPr lang="it-IT" sz="650" dirty="0"/>
           </a:p>

--- a/Documentazione/database.pptx
+++ b/Documentazione/database.pptx
@@ -193,7 +193,7 @@
             <a:fld id="{E36400BA-0FAF-41C7-AD02-864713816CB5}" type="datetimeFigureOut">
               <a:rPr lang="it-IT" smtClean="0"/>
               <a:pPr/>
-              <a:t>27/10/2016</a:t>
+              <a:t>01/11/2016</a:t>
             </a:fld>
             <a:endParaRPr lang="it-IT"/>
           </a:p>
@@ -723,7 +723,7 @@
             <a:fld id="{920B080A-5D88-430C-A764-4252F62C936A}" type="datetimeFigureOut">
               <a:rPr lang="it-IT" smtClean="0"/>
               <a:pPr/>
-              <a:t>27/10/2016</a:t>
+              <a:t>01/11/2016</a:t>
             </a:fld>
             <a:endParaRPr lang="it-IT"/>
           </a:p>
@@ -890,7 +890,7 @@
             <a:fld id="{920B080A-5D88-430C-A764-4252F62C936A}" type="datetimeFigureOut">
               <a:rPr lang="it-IT" smtClean="0"/>
               <a:pPr/>
-              <a:t>27/10/2016</a:t>
+              <a:t>01/11/2016</a:t>
             </a:fld>
             <a:endParaRPr lang="it-IT"/>
           </a:p>
@@ -1067,7 +1067,7 @@
             <a:fld id="{920B080A-5D88-430C-A764-4252F62C936A}" type="datetimeFigureOut">
               <a:rPr lang="it-IT" smtClean="0"/>
               <a:pPr/>
-              <a:t>27/10/2016</a:t>
+              <a:t>01/11/2016</a:t>
             </a:fld>
             <a:endParaRPr lang="it-IT"/>
           </a:p>
@@ -1234,7 +1234,7 @@
             <a:fld id="{920B080A-5D88-430C-A764-4252F62C936A}" type="datetimeFigureOut">
               <a:rPr lang="it-IT" smtClean="0"/>
               <a:pPr/>
-              <a:t>27/10/2016</a:t>
+              <a:t>01/11/2016</a:t>
             </a:fld>
             <a:endParaRPr lang="it-IT"/>
           </a:p>
@@ -1477,7 +1477,7 @@
             <a:fld id="{920B080A-5D88-430C-A764-4252F62C936A}" type="datetimeFigureOut">
               <a:rPr lang="it-IT" smtClean="0"/>
               <a:pPr/>
-              <a:t>27/10/2016</a:t>
+              <a:t>01/11/2016</a:t>
             </a:fld>
             <a:endParaRPr lang="it-IT"/>
           </a:p>
@@ -1762,7 +1762,7 @@
             <a:fld id="{920B080A-5D88-430C-A764-4252F62C936A}" type="datetimeFigureOut">
               <a:rPr lang="it-IT" smtClean="0"/>
               <a:pPr/>
-              <a:t>27/10/2016</a:t>
+              <a:t>01/11/2016</a:t>
             </a:fld>
             <a:endParaRPr lang="it-IT"/>
           </a:p>
@@ -2186,7 +2186,7 @@
             <a:fld id="{920B080A-5D88-430C-A764-4252F62C936A}" type="datetimeFigureOut">
               <a:rPr lang="it-IT" smtClean="0"/>
               <a:pPr/>
-              <a:t>27/10/2016</a:t>
+              <a:t>01/11/2016</a:t>
             </a:fld>
             <a:endParaRPr lang="it-IT"/>
           </a:p>
@@ -2301,7 +2301,7 @@
             <a:fld id="{920B080A-5D88-430C-A764-4252F62C936A}" type="datetimeFigureOut">
               <a:rPr lang="it-IT" smtClean="0"/>
               <a:pPr/>
-              <a:t>27/10/2016</a:t>
+              <a:t>01/11/2016</a:t>
             </a:fld>
             <a:endParaRPr lang="it-IT"/>
           </a:p>
@@ -2393,7 +2393,7 @@
             <a:fld id="{920B080A-5D88-430C-A764-4252F62C936A}" type="datetimeFigureOut">
               <a:rPr lang="it-IT" smtClean="0"/>
               <a:pPr/>
-              <a:t>27/10/2016</a:t>
+              <a:t>01/11/2016</a:t>
             </a:fld>
             <a:endParaRPr lang="it-IT"/>
           </a:p>
@@ -2667,7 +2667,7 @@
             <a:fld id="{920B080A-5D88-430C-A764-4252F62C936A}" type="datetimeFigureOut">
               <a:rPr lang="it-IT" smtClean="0"/>
               <a:pPr/>
-              <a:t>27/10/2016</a:t>
+              <a:t>01/11/2016</a:t>
             </a:fld>
             <a:endParaRPr lang="it-IT"/>
           </a:p>
@@ -2917,7 +2917,7 @@
             <a:fld id="{920B080A-5D88-430C-A764-4252F62C936A}" type="datetimeFigureOut">
               <a:rPr lang="it-IT" smtClean="0"/>
               <a:pPr/>
-              <a:t>27/10/2016</a:t>
+              <a:t>01/11/2016</a:t>
             </a:fld>
             <a:endParaRPr lang="it-IT"/>
           </a:p>
@@ -3127,7 +3127,7 @@
             <a:fld id="{920B080A-5D88-430C-A764-4252F62C936A}" type="datetimeFigureOut">
               <a:rPr lang="it-IT" smtClean="0"/>
               <a:pPr/>
-              <a:t>27/10/2016</a:t>
+              <a:t>01/11/2016</a:t>
             </a:fld>
             <a:endParaRPr lang="it-IT"/>
           </a:p>
@@ -4700,74 +4700,14 @@
       </p:sp>
       <p:sp>
         <p:nvSpPr>
-          <p:cNvPr id="24" name="Rettangolo 23"/>
+          <p:cNvPr id="26" name="Rombo 25"/>
           <p:cNvSpPr/>
           <p:nvPr/>
         </p:nvSpPr>
         <p:spPr>
           <a:xfrm>
-            <a:off x="467544" y="2571750"/>
-            <a:ext cx="792088" cy="221709"/>
-          </a:xfrm>
-          <a:prstGeom prst="rect">
-            <a:avLst/>
-          </a:prstGeom>
-          <a:solidFill>
-            <a:schemeClr val="bg1"/>
-          </a:solidFill>
-          <a:ln w="12700">
-            <a:solidFill>
-              <a:schemeClr val="tx1"/>
-            </a:solidFill>
-          </a:ln>
-        </p:spPr>
-        <p:style>
-          <a:lnRef idx="2">
-            <a:schemeClr val="accent1">
-              <a:shade val="50000"/>
-            </a:schemeClr>
-          </a:lnRef>
-          <a:fillRef idx="1">
-            <a:schemeClr val="accent1"/>
-          </a:fillRef>
-          <a:effectRef idx="0">
-            <a:schemeClr val="accent1"/>
-          </a:effectRef>
-          <a:fontRef idx="minor">
-            <a:schemeClr val="lt1"/>
-          </a:fontRef>
-        </p:style>
-        <p:txBody>
-          <a:bodyPr rtlCol="0" anchor="ctr"/>
-          <a:lstStyle/>
-          <a:p>
-            <a:pPr algn="ctr"/>
-            <a:r>
-              <a:rPr lang="it-IT" sz="1100" b="1" smtClean="0">
-                <a:solidFill>
-                  <a:schemeClr val="tx1"/>
-                </a:solidFill>
-              </a:rPr>
-              <a:t>MATCH1</a:t>
-            </a:r>
-            <a:endParaRPr lang="it-IT" sz="1100" b="1" dirty="0">
-              <a:solidFill>
-                <a:schemeClr val="tx1"/>
-              </a:solidFill>
-            </a:endParaRPr>
-          </a:p>
-        </p:txBody>
-      </p:sp>
-      <p:sp>
-        <p:nvSpPr>
-          <p:cNvPr id="25" name="Rombo 24"/>
-          <p:cNvSpPr/>
-          <p:nvPr/>
-        </p:nvSpPr>
-        <p:spPr>
-          <a:xfrm>
-            <a:off x="1691680" y="2499742"/>
-            <a:ext cx="792088" cy="288032"/>
+            <a:off x="467544" y="1923678"/>
+            <a:ext cx="720080" cy="288032"/>
           </a:xfrm>
           <a:prstGeom prst="diamond">
             <a:avLst/>
@@ -4808,67 +4748,7 @@
                   <a:schemeClr val="tx1"/>
                 </a:solidFill>
               </a:rPr>
-              <a:t>G1M</a:t>
-            </a:r>
-            <a:endParaRPr lang="it-IT" sz="800" b="1" dirty="0">
-              <a:solidFill>
-                <a:schemeClr val="tx1"/>
-              </a:solidFill>
-            </a:endParaRPr>
-          </a:p>
-        </p:txBody>
-      </p:sp>
-      <p:sp>
-        <p:nvSpPr>
-          <p:cNvPr id="26" name="Rombo 25"/>
-          <p:cNvSpPr/>
-          <p:nvPr/>
-        </p:nvSpPr>
-        <p:spPr>
-          <a:xfrm>
-            <a:off x="467544" y="1779662"/>
-            <a:ext cx="720080" cy="288032"/>
-          </a:xfrm>
-          <a:prstGeom prst="diamond">
-            <a:avLst/>
-          </a:prstGeom>
-          <a:solidFill>
-            <a:schemeClr val="bg1"/>
-          </a:solidFill>
-          <a:ln w="12700">
-            <a:solidFill>
-              <a:schemeClr val="tx1"/>
-            </a:solidFill>
-          </a:ln>
-        </p:spPr>
-        <p:style>
-          <a:lnRef idx="2">
-            <a:schemeClr val="accent1">
-              <a:shade val="50000"/>
-            </a:schemeClr>
-          </a:lnRef>
-          <a:fillRef idx="1">
-            <a:schemeClr val="accent1"/>
-          </a:fillRef>
-          <a:effectRef idx="0">
-            <a:schemeClr val="accent1"/>
-          </a:effectRef>
-          <a:fontRef idx="minor">
-            <a:schemeClr val="lt1"/>
-          </a:fontRef>
-        </p:style>
-        <p:txBody>
-          <a:bodyPr rtlCol="0" anchor="ctr"/>
-          <a:lstStyle/>
-          <a:p>
-            <a:pPr algn="ctr"/>
-            <a:r>
-              <a:rPr lang="it-IT" sz="800" b="1" dirty="0" smtClean="0">
-                <a:solidFill>
-                  <a:schemeClr val="tx1"/>
-                </a:solidFill>
-              </a:rPr>
-              <a:t>MT</a:t>
+              <a:t>GT</a:t>
             </a:r>
             <a:endParaRPr lang="it-IT" sz="800" b="1" dirty="0">
               <a:solidFill>
@@ -5253,13 +5133,15 @@
       <p:cxnSp>
         <p:nvCxnSpPr>
           <p:cNvPr id="38" name="Connettore 1 37"/>
-          <p:cNvCxnSpPr/>
+          <p:cNvCxnSpPr>
+            <a:stCxn id="26" idx="0"/>
+          </p:cNvCxnSpPr>
           <p:nvPr/>
         </p:nvCxnSpPr>
         <p:spPr>
           <a:xfrm flipV="1">
             <a:off x="827584" y="1491630"/>
-            <a:ext cx="0" cy="288032"/>
+            <a:ext cx="0" cy="432048"/>
           </a:xfrm>
           <a:prstGeom prst="line">
             <a:avLst/>
@@ -5293,8 +5175,8 @@
         </p:nvCxnSpPr>
         <p:spPr>
           <a:xfrm flipV="1">
-            <a:off x="827584" y="2067694"/>
-            <a:ext cx="0" cy="504056"/>
+            <a:off x="827584" y="2211710"/>
+            <a:ext cx="0" cy="432048"/>
           </a:xfrm>
           <a:prstGeom prst="line">
             <a:avLst/>
@@ -5323,15 +5205,13 @@
       <p:cxnSp>
         <p:nvCxnSpPr>
           <p:cNvPr id="50" name="Connettore 1 49"/>
-          <p:cNvCxnSpPr>
-            <a:endCxn id="25" idx="1"/>
-          </p:cNvCxnSpPr>
+          <p:cNvCxnSpPr/>
           <p:nvPr/>
         </p:nvCxnSpPr>
         <p:spPr>
           <a:xfrm>
-            <a:off x="1259632" y="2643758"/>
-            <a:ext cx="432048" cy="0"/>
+            <a:off x="827584" y="2643758"/>
+            <a:ext cx="1656184" cy="0"/>
           </a:xfrm>
           <a:prstGeom prst="line">
             <a:avLst/>
@@ -6724,173 +6604,6 @@
           <a:xfrm>
             <a:off x="7452320" y="2643758"/>
             <a:ext cx="216024" cy="0"/>
-          </a:xfrm>
-          <a:prstGeom prst="line">
-            <a:avLst/>
-          </a:prstGeom>
-          <a:ln>
-            <a:solidFill>
-              <a:schemeClr val="tx1"/>
-            </a:solidFill>
-          </a:ln>
-        </p:spPr>
-        <p:style>
-          <a:lnRef idx="1">
-            <a:schemeClr val="accent1"/>
-          </a:lnRef>
-          <a:fillRef idx="0">
-            <a:schemeClr val="accent1"/>
-          </a:fillRef>
-          <a:effectRef idx="0">
-            <a:schemeClr val="accent1"/>
-          </a:effectRef>
-          <a:fontRef idx="minor">
-            <a:schemeClr val="tx1"/>
-          </a:fontRef>
-        </p:style>
-      </p:cxnSp>
-      <p:cxnSp>
-        <p:nvCxnSpPr>
-          <p:cNvPr id="145" name="Connettore 1 144"/>
-          <p:cNvCxnSpPr/>
-          <p:nvPr/>
-        </p:nvCxnSpPr>
-        <p:spPr>
-          <a:xfrm flipV="1">
-            <a:off x="2699792" y="3507854"/>
-            <a:ext cx="0" cy="216024"/>
-          </a:xfrm>
-          <a:prstGeom prst="line">
-            <a:avLst/>
-          </a:prstGeom>
-          <a:ln>
-            <a:solidFill>
-              <a:schemeClr val="tx1"/>
-            </a:solidFill>
-          </a:ln>
-        </p:spPr>
-        <p:style>
-          <a:lnRef idx="1">
-            <a:schemeClr val="accent1"/>
-          </a:lnRef>
-          <a:fillRef idx="0">
-            <a:schemeClr val="accent1"/>
-          </a:fillRef>
-          <a:effectRef idx="0">
-            <a:schemeClr val="accent1"/>
-          </a:effectRef>
-          <a:fontRef idx="minor">
-            <a:schemeClr val="tx1"/>
-          </a:fontRef>
-        </p:style>
-      </p:cxnSp>
-      <p:cxnSp>
-        <p:nvCxnSpPr>
-          <p:cNvPr id="149" name="Connettore 1 148"/>
-          <p:cNvCxnSpPr/>
-          <p:nvPr/>
-        </p:nvCxnSpPr>
-        <p:spPr>
-          <a:xfrm>
-            <a:off x="1259632" y="3507854"/>
-            <a:ext cx="1440160" cy="0"/>
-          </a:xfrm>
-          <a:prstGeom prst="line">
-            <a:avLst/>
-          </a:prstGeom>
-          <a:ln>
-            <a:solidFill>
-              <a:schemeClr val="tx1"/>
-            </a:solidFill>
-          </a:ln>
-        </p:spPr>
-        <p:style>
-          <a:lnRef idx="1">
-            <a:schemeClr val="accent1"/>
-          </a:lnRef>
-          <a:fillRef idx="0">
-            <a:schemeClr val="accent1"/>
-          </a:fillRef>
-          <a:effectRef idx="0">
-            <a:schemeClr val="accent1"/>
-          </a:effectRef>
-          <a:fontRef idx="minor">
-            <a:schemeClr val="tx1"/>
-          </a:fontRef>
-        </p:style>
-      </p:cxnSp>
-      <p:sp>
-        <p:nvSpPr>
-          <p:cNvPr id="152" name="Rombo 151"/>
-          <p:cNvSpPr/>
-          <p:nvPr/>
-        </p:nvSpPr>
-        <p:spPr>
-          <a:xfrm>
-            <a:off x="395536" y="3363838"/>
-            <a:ext cx="864096" cy="288032"/>
-          </a:xfrm>
-          <a:prstGeom prst="diamond">
-            <a:avLst/>
-          </a:prstGeom>
-          <a:solidFill>
-            <a:schemeClr val="bg1"/>
-          </a:solidFill>
-          <a:ln w="12700">
-            <a:solidFill>
-              <a:schemeClr val="tx1"/>
-            </a:solidFill>
-          </a:ln>
-        </p:spPr>
-        <p:style>
-          <a:lnRef idx="2">
-            <a:schemeClr val="accent1">
-              <a:shade val="50000"/>
-            </a:schemeClr>
-          </a:lnRef>
-          <a:fillRef idx="1">
-            <a:schemeClr val="accent1"/>
-          </a:fillRef>
-          <a:effectRef idx="0">
-            <a:schemeClr val="accent1"/>
-          </a:effectRef>
-          <a:fontRef idx="minor">
-            <a:schemeClr val="lt1"/>
-          </a:fontRef>
-        </p:style>
-        <p:txBody>
-          <a:bodyPr rtlCol="0" anchor="ctr"/>
-          <a:lstStyle/>
-          <a:p>
-            <a:pPr algn="ctr"/>
-            <a:r>
-              <a:rPr lang="it-IT" sz="800" b="1" dirty="0" smtClean="0">
-                <a:solidFill>
-                  <a:schemeClr val="tx1"/>
-                </a:solidFill>
-              </a:rPr>
-              <a:t>HM</a:t>
-            </a:r>
-            <a:endParaRPr lang="it-IT" sz="800" b="1" dirty="0">
-              <a:solidFill>
-                <a:schemeClr val="tx1"/>
-              </a:solidFill>
-            </a:endParaRPr>
-          </a:p>
-        </p:txBody>
-      </p:sp>
-      <p:cxnSp>
-        <p:nvCxnSpPr>
-          <p:cNvPr id="153" name="Connettore 1 152"/>
-          <p:cNvCxnSpPr>
-            <a:endCxn id="152" idx="0"/>
-          </p:cNvCxnSpPr>
-          <p:nvPr/>
-        </p:nvCxnSpPr>
-        <p:spPr>
-          <a:xfrm>
-            <a:off x="827584" y="2787774"/>
-            <a:ext cx="0" cy="576064"/>
           </a:xfrm>
           <a:prstGeom prst="line">
             <a:avLst/>
@@ -7588,7 +7301,7 @@
         </p:nvCxnSpPr>
         <p:spPr>
           <a:xfrm>
-            <a:off x="611560" y="1988066"/>
+            <a:off x="611560" y="2132082"/>
             <a:ext cx="0" cy="144016"/>
           </a:xfrm>
           <a:prstGeom prst="line">
@@ -7623,7 +7336,7 @@
         </p:nvSpPr>
         <p:spPr>
           <a:xfrm rot="5400000" flipH="1">
-            <a:off x="581080" y="2109222"/>
+            <a:off x="581080" y="2253238"/>
             <a:ext cx="72008" cy="72008"/>
           </a:xfrm>
           <a:prstGeom prst="ellipse">
@@ -7671,7 +7384,7 @@
         </p:nvSpPr>
         <p:spPr>
           <a:xfrm>
-            <a:off x="418396" y="2188850"/>
+            <a:off x="418396" y="2332866"/>
             <a:ext cx="448940" cy="192360"/>
           </a:xfrm>
           <a:prstGeom prst="rect">
@@ -7914,119 +7627,6 @@
             <a:r>
               <a:rPr lang="it-IT" sz="650" dirty="0" smtClean="0"/>
               <a:t>LATITUDE</a:t>
-            </a:r>
-            <a:endParaRPr lang="it-IT" sz="650" dirty="0"/>
-          </a:p>
-        </p:txBody>
-      </p:sp>
-      <p:cxnSp>
-        <p:nvCxnSpPr>
-          <p:cNvPr id="193" name="Connettore 1 192"/>
-          <p:cNvCxnSpPr/>
-          <p:nvPr/>
-        </p:nvCxnSpPr>
-        <p:spPr>
-          <a:xfrm>
-            <a:off x="1153716" y="2427734"/>
-            <a:ext cx="0" cy="144016"/>
-          </a:xfrm>
-          <a:prstGeom prst="line">
-            <a:avLst/>
-          </a:prstGeom>
-          <a:ln>
-            <a:solidFill>
-              <a:schemeClr val="tx1"/>
-            </a:solidFill>
-          </a:ln>
-        </p:spPr>
-        <p:style>
-          <a:lnRef idx="1">
-            <a:schemeClr val="accent1"/>
-          </a:lnRef>
-          <a:fillRef idx="0">
-            <a:schemeClr val="accent1"/>
-          </a:fillRef>
-          <a:effectRef idx="0">
-            <a:schemeClr val="accent1"/>
-          </a:effectRef>
-          <a:fontRef idx="minor">
-            <a:schemeClr val="tx1"/>
-          </a:fontRef>
-        </p:style>
-      </p:cxnSp>
-      <p:sp>
-        <p:nvSpPr>
-          <p:cNvPr id="194" name="Ovale 193"/>
-          <p:cNvSpPr/>
-          <p:nvPr/>
-        </p:nvSpPr>
-        <p:spPr>
-          <a:xfrm rot="5400000" flipH="1">
-            <a:off x="1119808" y="2387476"/>
-            <a:ext cx="72008" cy="72008"/>
-          </a:xfrm>
-          <a:prstGeom prst="ellipse">
-            <a:avLst/>
-          </a:prstGeom>
-          <a:solidFill>
-            <a:schemeClr val="tx1"/>
-          </a:solidFill>
-          <a:ln w="12700">
-            <a:solidFill>
-              <a:schemeClr val="tx1"/>
-            </a:solidFill>
-          </a:ln>
-        </p:spPr>
-        <p:style>
-          <a:lnRef idx="2">
-            <a:schemeClr val="accent1">
-              <a:shade val="50000"/>
-            </a:schemeClr>
-          </a:lnRef>
-          <a:fillRef idx="1">
-            <a:schemeClr val="accent1"/>
-          </a:fillRef>
-          <a:effectRef idx="0">
-            <a:schemeClr val="accent1"/>
-          </a:effectRef>
-          <a:fontRef idx="minor">
-            <a:schemeClr val="lt1"/>
-          </a:fontRef>
-        </p:style>
-        <p:txBody>
-          <a:bodyPr rtlCol="0" anchor="ctr"/>
-          <a:lstStyle/>
-          <a:p>
-            <a:pPr algn="ctr"/>
-            <a:endParaRPr lang="it-IT" dirty="0"/>
-          </a:p>
-        </p:txBody>
-      </p:sp>
-      <p:sp>
-        <p:nvSpPr>
-          <p:cNvPr id="195" name="CasellaDiTesto 194"/>
-          <p:cNvSpPr txBox="1"/>
-          <p:nvPr/>
-        </p:nvSpPr>
-        <p:spPr>
-          <a:xfrm>
-            <a:off x="971600" y="2224410"/>
-            <a:ext cx="448940" cy="192360"/>
-          </a:xfrm>
-          <a:prstGeom prst="rect">
-            <a:avLst/>
-          </a:prstGeom>
-          <a:noFill/>
-        </p:spPr>
-        <p:txBody>
-          <a:bodyPr wrap="square" rtlCol="0">
-            <a:spAutoFit/>
-          </a:bodyPr>
-          <a:lstStyle/>
-          <a:p>
-            <a:r>
-              <a:rPr lang="it-IT" sz="650" dirty="0" smtClean="0"/>
-              <a:t>CODE</a:t>
             </a:r>
             <a:endParaRPr lang="it-IT" sz="650" dirty="0"/>
           </a:p>
@@ -13359,36 +12959,6 @@
       </p:sp>
       <p:sp>
         <p:nvSpPr>
-          <p:cNvPr id="408" name="CasellaDiTesto 407"/>
-          <p:cNvSpPr txBox="1"/>
-          <p:nvPr/>
-        </p:nvSpPr>
-        <p:spPr>
-          <a:xfrm>
-            <a:off x="797104" y="2788578"/>
-            <a:ext cx="288032" cy="192360"/>
-          </a:xfrm>
-          <a:prstGeom prst="rect">
-            <a:avLst/>
-          </a:prstGeom>
-          <a:noFill/>
-        </p:spPr>
-        <p:txBody>
-          <a:bodyPr wrap="square" rtlCol="0">
-            <a:spAutoFit/>
-          </a:bodyPr>
-          <a:lstStyle/>
-          <a:p>
-            <a:r>
-              <a:rPr lang="it-IT" sz="650" dirty="0" smtClean="0"/>
-              <a:t>1.1</a:t>
-            </a:r>
-            <a:endParaRPr lang="it-IT" sz="650" dirty="0"/>
-          </a:p>
-        </p:txBody>
-      </p:sp>
-      <p:sp>
-        <p:nvSpPr>
           <p:cNvPr id="409" name="CasellaDiTesto 408"/>
           <p:cNvSpPr txBox="1"/>
           <p:nvPr/>
@@ -13396,36 +12966,6 @@
         <p:spPr>
           <a:xfrm>
             <a:off x="1210484" y="1332374"/>
-            <a:ext cx="288032" cy="192360"/>
-          </a:xfrm>
-          <a:prstGeom prst="rect">
-            <a:avLst/>
-          </a:prstGeom>
-          <a:noFill/>
-        </p:spPr>
-        <p:txBody>
-          <a:bodyPr wrap="square" rtlCol="0">
-            <a:spAutoFit/>
-          </a:bodyPr>
-          <a:lstStyle/>
-          <a:p>
-            <a:r>
-              <a:rPr lang="it-IT" sz="650" dirty="0" smtClean="0"/>
-              <a:t>1.1</a:t>
-            </a:r>
-            <a:endParaRPr lang="it-IT" sz="650" dirty="0"/>
-          </a:p>
-        </p:txBody>
-      </p:sp>
-      <p:sp>
-        <p:nvSpPr>
-          <p:cNvPr id="410" name="CasellaDiTesto 409"/>
-          <p:cNvSpPr txBox="1"/>
-          <p:nvPr/>
-        </p:nvSpPr>
-        <p:spPr>
-          <a:xfrm>
-            <a:off x="1202864" y="2481878"/>
             <a:ext cx="288032" cy="192360"/>
           </a:xfrm>
           <a:prstGeom prst="rect">

--- a/Documentazione/database.pptx
+++ b/Documentazione/database.pptx
@@ -193,7 +193,7 @@
             <a:fld id="{E36400BA-0FAF-41C7-AD02-864713816CB5}" type="datetimeFigureOut">
               <a:rPr lang="it-IT" smtClean="0"/>
               <a:pPr/>
-              <a:t>01/11/2016</a:t>
+              <a:t>10/11/2016</a:t>
             </a:fld>
             <a:endParaRPr lang="it-IT"/>
           </a:p>
@@ -723,7 +723,7 @@
             <a:fld id="{920B080A-5D88-430C-A764-4252F62C936A}" type="datetimeFigureOut">
               <a:rPr lang="it-IT" smtClean="0"/>
               <a:pPr/>
-              <a:t>01/11/2016</a:t>
+              <a:t>10/11/2016</a:t>
             </a:fld>
             <a:endParaRPr lang="it-IT"/>
           </a:p>
@@ -890,7 +890,7 @@
             <a:fld id="{920B080A-5D88-430C-A764-4252F62C936A}" type="datetimeFigureOut">
               <a:rPr lang="it-IT" smtClean="0"/>
               <a:pPr/>
-              <a:t>01/11/2016</a:t>
+              <a:t>10/11/2016</a:t>
             </a:fld>
             <a:endParaRPr lang="it-IT"/>
           </a:p>
@@ -1067,7 +1067,7 @@
             <a:fld id="{920B080A-5D88-430C-A764-4252F62C936A}" type="datetimeFigureOut">
               <a:rPr lang="it-IT" smtClean="0"/>
               <a:pPr/>
-              <a:t>01/11/2016</a:t>
+              <a:t>10/11/2016</a:t>
             </a:fld>
             <a:endParaRPr lang="it-IT"/>
           </a:p>
@@ -1234,7 +1234,7 @@
             <a:fld id="{920B080A-5D88-430C-A764-4252F62C936A}" type="datetimeFigureOut">
               <a:rPr lang="it-IT" smtClean="0"/>
               <a:pPr/>
-              <a:t>01/11/2016</a:t>
+              <a:t>10/11/2016</a:t>
             </a:fld>
             <a:endParaRPr lang="it-IT"/>
           </a:p>
@@ -1477,7 +1477,7 @@
             <a:fld id="{920B080A-5D88-430C-A764-4252F62C936A}" type="datetimeFigureOut">
               <a:rPr lang="it-IT" smtClean="0"/>
               <a:pPr/>
-              <a:t>01/11/2016</a:t>
+              <a:t>10/11/2016</a:t>
             </a:fld>
             <a:endParaRPr lang="it-IT"/>
           </a:p>
@@ -1762,7 +1762,7 @@
             <a:fld id="{920B080A-5D88-430C-A764-4252F62C936A}" type="datetimeFigureOut">
               <a:rPr lang="it-IT" smtClean="0"/>
               <a:pPr/>
-              <a:t>01/11/2016</a:t>
+              <a:t>10/11/2016</a:t>
             </a:fld>
             <a:endParaRPr lang="it-IT"/>
           </a:p>
@@ -2186,7 +2186,7 @@
             <a:fld id="{920B080A-5D88-430C-A764-4252F62C936A}" type="datetimeFigureOut">
               <a:rPr lang="it-IT" smtClean="0"/>
               <a:pPr/>
-              <a:t>01/11/2016</a:t>
+              <a:t>10/11/2016</a:t>
             </a:fld>
             <a:endParaRPr lang="it-IT"/>
           </a:p>
@@ -2301,7 +2301,7 @@
             <a:fld id="{920B080A-5D88-430C-A764-4252F62C936A}" type="datetimeFigureOut">
               <a:rPr lang="it-IT" smtClean="0"/>
               <a:pPr/>
-              <a:t>01/11/2016</a:t>
+              <a:t>10/11/2016</a:t>
             </a:fld>
             <a:endParaRPr lang="it-IT"/>
           </a:p>
@@ -2393,7 +2393,7 @@
             <a:fld id="{920B080A-5D88-430C-A764-4252F62C936A}" type="datetimeFigureOut">
               <a:rPr lang="it-IT" smtClean="0"/>
               <a:pPr/>
-              <a:t>01/11/2016</a:t>
+              <a:t>10/11/2016</a:t>
             </a:fld>
             <a:endParaRPr lang="it-IT"/>
           </a:p>
@@ -2667,7 +2667,7 @@
             <a:fld id="{920B080A-5D88-430C-A764-4252F62C936A}" type="datetimeFigureOut">
               <a:rPr lang="it-IT" smtClean="0"/>
               <a:pPr/>
-              <a:t>01/11/2016</a:t>
+              <a:t>10/11/2016</a:t>
             </a:fld>
             <a:endParaRPr lang="it-IT"/>
           </a:p>
@@ -2917,7 +2917,7 @@
             <a:fld id="{920B080A-5D88-430C-A764-4252F62C936A}" type="datetimeFigureOut">
               <a:rPr lang="it-IT" smtClean="0"/>
               <a:pPr/>
-              <a:t>01/11/2016</a:t>
+              <a:t>10/11/2016</a:t>
             </a:fld>
             <a:endParaRPr lang="it-IT"/>
           </a:p>
@@ -3127,7 +3127,7 @@
             <a:fld id="{920B080A-5D88-430C-A764-4252F62C936A}" type="datetimeFigureOut">
               <a:rPr lang="it-IT" smtClean="0"/>
               <a:pPr/>
-              <a:t>01/11/2016</a:t>
+              <a:t>10/11/2016</a:t>
             </a:fld>
             <a:endParaRPr lang="it-IT"/>
           </a:p>
@@ -15573,13 +15573,15 @@
       <p:cxnSp>
         <p:nvCxnSpPr>
           <p:cNvPr id="439" name="Connettore 1 438"/>
-          <p:cNvCxnSpPr/>
+          <p:cNvCxnSpPr>
+            <a:endCxn id="442" idx="6"/>
+          </p:cNvCxnSpPr>
           <p:nvPr/>
         </p:nvCxnSpPr>
         <p:spPr>
           <a:xfrm>
             <a:off x="3419872" y="3939902"/>
-            <a:ext cx="72008" cy="144016"/>
+            <a:ext cx="14934" cy="118988"/>
           </a:xfrm>
           <a:prstGeom prst="line">
             <a:avLst/>
@@ -15613,7 +15615,7 @@
         </p:nvSpPr>
         <p:spPr>
           <a:xfrm rot="5400000" flipH="1">
-            <a:off x="3454296" y="4058890"/>
+            <a:off x="3398802" y="4058890"/>
             <a:ext cx="72008" cy="72008"/>
           </a:xfrm>
           <a:prstGeom prst="ellipse">
@@ -15661,7 +15663,7 @@
         </p:nvSpPr>
         <p:spPr>
           <a:xfrm>
-            <a:off x="3360364" y="4102710"/>
+            <a:off x="3315539" y="4102710"/>
             <a:ext cx="592956" cy="192360"/>
           </a:xfrm>
           <a:prstGeom prst="rect">
@@ -15678,6 +15680,119 @@
             <a:r>
               <a:rPr lang="it-IT" sz="650" dirty="0" smtClean="0"/>
               <a:t>REGION</a:t>
+            </a:r>
+            <a:endParaRPr lang="it-IT" sz="650" dirty="0"/>
+          </a:p>
+        </p:txBody>
+      </p:sp>
+      <p:cxnSp>
+        <p:nvCxnSpPr>
+          <p:cNvPr id="435" name="Connettore 1 434"/>
+          <p:cNvCxnSpPr/>
+          <p:nvPr/>
+        </p:nvCxnSpPr>
+        <p:spPr>
+          <a:xfrm>
+            <a:off x="3419872" y="3939902"/>
+            <a:ext cx="144016" cy="144016"/>
+          </a:xfrm>
+          <a:prstGeom prst="line">
+            <a:avLst/>
+          </a:prstGeom>
+          <a:ln>
+            <a:solidFill>
+              <a:schemeClr val="tx1"/>
+            </a:solidFill>
+          </a:ln>
+        </p:spPr>
+        <p:style>
+          <a:lnRef idx="1">
+            <a:schemeClr val="accent1"/>
+          </a:lnRef>
+          <a:fillRef idx="0">
+            <a:schemeClr val="accent1"/>
+          </a:fillRef>
+          <a:effectRef idx="0">
+            <a:schemeClr val="accent1"/>
+          </a:effectRef>
+          <a:fontRef idx="minor">
+            <a:schemeClr val="tx1"/>
+          </a:fontRef>
+        </p:style>
+      </p:cxnSp>
+      <p:sp>
+        <p:nvSpPr>
+          <p:cNvPr id="438" name="Ovale 437"/>
+          <p:cNvSpPr/>
+          <p:nvPr/>
+        </p:nvSpPr>
+        <p:spPr>
+          <a:xfrm rot="5400000" flipH="1">
+            <a:off x="3542818" y="4058634"/>
+            <a:ext cx="72008" cy="72008"/>
+          </a:xfrm>
+          <a:prstGeom prst="ellipse">
+            <a:avLst/>
+          </a:prstGeom>
+          <a:solidFill>
+            <a:schemeClr val="bg1"/>
+          </a:solidFill>
+          <a:ln w="12700">
+            <a:solidFill>
+              <a:schemeClr val="tx1"/>
+            </a:solidFill>
+          </a:ln>
+        </p:spPr>
+        <p:style>
+          <a:lnRef idx="2">
+            <a:schemeClr val="accent1">
+              <a:shade val="50000"/>
+            </a:schemeClr>
+          </a:lnRef>
+          <a:fillRef idx="1">
+            <a:schemeClr val="accent1"/>
+          </a:fillRef>
+          <a:effectRef idx="0">
+            <a:schemeClr val="accent1"/>
+          </a:effectRef>
+          <a:fontRef idx="minor">
+            <a:schemeClr val="lt1"/>
+          </a:fontRef>
+        </p:style>
+        <p:txBody>
+          <a:bodyPr rtlCol="0" anchor="ctr"/>
+          <a:lstStyle/>
+          <a:p>
+            <a:pPr algn="ctr"/>
+            <a:endParaRPr lang="it-IT" dirty="0"/>
+          </a:p>
+        </p:txBody>
+      </p:sp>
+      <p:sp>
+        <p:nvSpPr>
+          <p:cNvPr id="440" name="CasellaDiTesto 439"/>
+          <p:cNvSpPr txBox="1"/>
+          <p:nvPr/>
+        </p:nvSpPr>
+        <p:spPr>
+          <a:xfrm>
+            <a:off x="3572565" y="4002945"/>
+            <a:ext cx="592956" cy="192360"/>
+          </a:xfrm>
+          <a:prstGeom prst="rect">
+            <a:avLst/>
+          </a:prstGeom>
+          <a:noFill/>
+        </p:spPr>
+        <p:txBody>
+          <a:bodyPr wrap="square" rtlCol="0">
+            <a:spAutoFit/>
+          </a:bodyPr>
+          <a:lstStyle/>
+          <a:p>
+            <a:r>
+              <a:rPr lang="it-IT" sz="650" dirty="0" smtClean="0"/>
+              <a:t>ROUTE</a:t>
             </a:r>
             <a:endParaRPr lang="it-IT" sz="650" dirty="0"/>
           </a:p>

--- a/Documentazione/database.pptx
+++ b/Documentazione/database.pptx
@@ -193,7 +193,7 @@
             <a:fld id="{E36400BA-0FAF-41C7-AD02-864713816CB5}" type="datetimeFigureOut">
               <a:rPr lang="it-IT" smtClean="0"/>
               <a:pPr/>
-              <a:t>01/11/2016</a:t>
+              <a:t>03/01/2017</a:t>
             </a:fld>
             <a:endParaRPr lang="it-IT"/>
           </a:p>
@@ -723,7 +723,7 @@
             <a:fld id="{920B080A-5D88-430C-A764-4252F62C936A}" type="datetimeFigureOut">
               <a:rPr lang="it-IT" smtClean="0"/>
               <a:pPr/>
-              <a:t>01/11/2016</a:t>
+              <a:t>03/01/2017</a:t>
             </a:fld>
             <a:endParaRPr lang="it-IT"/>
           </a:p>
@@ -890,7 +890,7 @@
             <a:fld id="{920B080A-5D88-430C-A764-4252F62C936A}" type="datetimeFigureOut">
               <a:rPr lang="it-IT" smtClean="0"/>
               <a:pPr/>
-              <a:t>01/11/2016</a:t>
+              <a:t>03/01/2017</a:t>
             </a:fld>
             <a:endParaRPr lang="it-IT"/>
           </a:p>
@@ -1067,7 +1067,7 @@
             <a:fld id="{920B080A-5D88-430C-A764-4252F62C936A}" type="datetimeFigureOut">
               <a:rPr lang="it-IT" smtClean="0"/>
               <a:pPr/>
-              <a:t>01/11/2016</a:t>
+              <a:t>03/01/2017</a:t>
             </a:fld>
             <a:endParaRPr lang="it-IT"/>
           </a:p>
@@ -1234,7 +1234,7 @@
             <a:fld id="{920B080A-5D88-430C-A764-4252F62C936A}" type="datetimeFigureOut">
               <a:rPr lang="it-IT" smtClean="0"/>
               <a:pPr/>
-              <a:t>01/11/2016</a:t>
+              <a:t>03/01/2017</a:t>
             </a:fld>
             <a:endParaRPr lang="it-IT"/>
           </a:p>
@@ -1477,7 +1477,7 @@
             <a:fld id="{920B080A-5D88-430C-A764-4252F62C936A}" type="datetimeFigureOut">
               <a:rPr lang="it-IT" smtClean="0"/>
               <a:pPr/>
-              <a:t>01/11/2016</a:t>
+              <a:t>03/01/2017</a:t>
             </a:fld>
             <a:endParaRPr lang="it-IT"/>
           </a:p>
@@ -1762,7 +1762,7 @@
             <a:fld id="{920B080A-5D88-430C-A764-4252F62C936A}" type="datetimeFigureOut">
               <a:rPr lang="it-IT" smtClean="0"/>
               <a:pPr/>
-              <a:t>01/11/2016</a:t>
+              <a:t>03/01/2017</a:t>
             </a:fld>
             <a:endParaRPr lang="it-IT"/>
           </a:p>
@@ -2186,7 +2186,7 @@
             <a:fld id="{920B080A-5D88-430C-A764-4252F62C936A}" type="datetimeFigureOut">
               <a:rPr lang="it-IT" smtClean="0"/>
               <a:pPr/>
-              <a:t>01/11/2016</a:t>
+              <a:t>03/01/2017</a:t>
             </a:fld>
             <a:endParaRPr lang="it-IT"/>
           </a:p>
@@ -2301,7 +2301,7 @@
             <a:fld id="{920B080A-5D88-430C-A764-4252F62C936A}" type="datetimeFigureOut">
               <a:rPr lang="it-IT" smtClean="0"/>
               <a:pPr/>
-              <a:t>01/11/2016</a:t>
+              <a:t>03/01/2017</a:t>
             </a:fld>
             <a:endParaRPr lang="it-IT"/>
           </a:p>
@@ -2393,7 +2393,7 @@
             <a:fld id="{920B080A-5D88-430C-A764-4252F62C936A}" type="datetimeFigureOut">
               <a:rPr lang="it-IT" smtClean="0"/>
               <a:pPr/>
-              <a:t>01/11/2016</a:t>
+              <a:t>03/01/2017</a:t>
             </a:fld>
             <a:endParaRPr lang="it-IT"/>
           </a:p>
@@ -2667,7 +2667,7 @@
             <a:fld id="{920B080A-5D88-430C-A764-4252F62C936A}" type="datetimeFigureOut">
               <a:rPr lang="it-IT" smtClean="0"/>
               <a:pPr/>
-              <a:t>01/11/2016</a:t>
+              <a:t>03/01/2017</a:t>
             </a:fld>
             <a:endParaRPr lang="it-IT"/>
           </a:p>
@@ -2917,7 +2917,7 @@
             <a:fld id="{920B080A-5D88-430C-A764-4252F62C936A}" type="datetimeFigureOut">
               <a:rPr lang="it-IT" smtClean="0"/>
               <a:pPr/>
-              <a:t>01/11/2016</a:t>
+              <a:t>03/01/2017</a:t>
             </a:fld>
             <a:endParaRPr lang="it-IT"/>
           </a:p>
@@ -3127,7 +3127,7 @@
             <a:fld id="{920B080A-5D88-430C-A764-4252F62C936A}" type="datetimeFigureOut">
               <a:rPr lang="it-IT" smtClean="0"/>
               <a:pPr/>
-              <a:t>01/11/2016</a:t>
+              <a:t>03/01/2017</a:t>
             </a:fld>
             <a:endParaRPr lang="it-IT"/>
           </a:p>
@@ -4700,14 +4700,14 @@
       </p:sp>
       <p:sp>
         <p:nvSpPr>
-          <p:cNvPr id="26" name="Rombo 25"/>
+          <p:cNvPr id="25" name="Rombo 24"/>
           <p:cNvSpPr/>
           <p:nvPr/>
         </p:nvSpPr>
         <p:spPr>
           <a:xfrm>
-            <a:off x="467544" y="1923678"/>
-            <a:ext cx="720080" cy="288032"/>
+            <a:off x="467544" y="2499742"/>
+            <a:ext cx="792088" cy="288032"/>
           </a:xfrm>
           <a:prstGeom prst="diamond">
             <a:avLst/>
@@ -5132,51 +5132,17 @@
       </p:cxnSp>
       <p:cxnSp>
         <p:nvCxnSpPr>
-          <p:cNvPr id="38" name="Connettore 1 37"/>
+          <p:cNvPr id="43" name="Connettore 1 42"/>
           <p:cNvCxnSpPr>
-            <a:stCxn id="26" idx="0"/>
+            <a:stCxn id="25" idx="0"/>
+            <a:endCxn id="27" idx="2"/>
           </p:cNvCxnSpPr>
           <p:nvPr/>
         </p:nvCxnSpPr>
         <p:spPr>
           <a:xfrm flipV="1">
-            <a:off x="827584" y="1491630"/>
-            <a:ext cx="0" cy="432048"/>
-          </a:xfrm>
-          <a:prstGeom prst="line">
-            <a:avLst/>
-          </a:prstGeom>
-          <a:ln>
-            <a:solidFill>
-              <a:schemeClr val="tx1"/>
-            </a:solidFill>
-          </a:ln>
-        </p:spPr>
-        <p:style>
-          <a:lnRef idx="1">
-            <a:schemeClr val="accent1"/>
-          </a:lnRef>
-          <a:fillRef idx="0">
-            <a:schemeClr val="accent1"/>
-          </a:fillRef>
-          <a:effectRef idx="0">
-            <a:schemeClr val="accent1"/>
-          </a:effectRef>
-          <a:fontRef idx="minor">
-            <a:schemeClr val="tx1"/>
-          </a:fontRef>
-        </p:style>
-      </p:cxnSp>
-      <p:cxnSp>
-        <p:nvCxnSpPr>
-          <p:cNvPr id="43" name="Connettore 1 42"/>
-          <p:cNvCxnSpPr/>
-          <p:nvPr/>
-        </p:nvCxnSpPr>
-        <p:spPr>
-          <a:xfrm flipV="1">
-            <a:off x="827584" y="2211710"/>
-            <a:ext cx="0" cy="432048"/>
+            <a:off x="863588" y="1497315"/>
+            <a:ext cx="0" cy="1002427"/>
           </a:xfrm>
           <a:prstGeom prst="line">
             <a:avLst/>
@@ -5210,8 +5176,8 @@
         </p:nvCxnSpPr>
         <p:spPr>
           <a:xfrm>
-            <a:off x="827584" y="2643758"/>
-            <a:ext cx="1656184" cy="0"/>
+            <a:off x="1259632" y="2643758"/>
+            <a:ext cx="1224136" cy="0"/>
           </a:xfrm>
           <a:prstGeom prst="line">
             <a:avLst/>
@@ -7158,8 +7124,8 @@
         </p:nvSpPr>
         <p:spPr>
           <a:xfrm>
-            <a:off x="980376" y="598350"/>
-            <a:ext cx="684014" cy="192360"/>
+            <a:off x="911796" y="590730"/>
+            <a:ext cx="423272" cy="192360"/>
           </a:xfrm>
           <a:prstGeom prst="rect">
             <a:avLst/>
@@ -7174,7 +7140,7 @@
           <a:p>
             <a:r>
               <a:rPr lang="it-IT" sz="650" dirty="0" smtClean="0"/>
-              <a:t>DESCRIPTION</a:t>
+              <a:t>COST</a:t>
             </a:r>
             <a:endParaRPr lang="it-IT" sz="650" dirty="0"/>
           </a:p>
@@ -7295,13 +7261,13 @@
       </p:sp>
       <p:cxnSp>
         <p:nvCxnSpPr>
-          <p:cNvPr id="181" name="Connettore 1 180"/>
+          <p:cNvPr id="186" name="Connettore 1 185"/>
           <p:cNvCxnSpPr/>
           <p:nvPr/>
         </p:nvCxnSpPr>
         <p:spPr>
           <a:xfrm>
-            <a:off x="611560" y="2132082"/>
+            <a:off x="539552" y="1491630"/>
             <a:ext cx="0" cy="144016"/>
           </a:xfrm>
           <a:prstGeom prst="line">
@@ -7330,13 +7296,13 @@
       </p:cxnSp>
       <p:sp>
         <p:nvSpPr>
-          <p:cNvPr id="182" name="Ovale 181"/>
+          <p:cNvPr id="187" name="Ovale 186"/>
           <p:cNvSpPr/>
           <p:nvPr/>
         </p:nvSpPr>
         <p:spPr>
           <a:xfrm rot="5400000" flipH="1">
-            <a:off x="581080" y="2253238"/>
+            <a:off x="499294" y="1616596"/>
             <a:ext cx="72008" cy="72008"/>
           </a:xfrm>
           <a:prstGeom prst="ellipse">
@@ -7378,13 +7344,13 @@
       </p:sp>
       <p:sp>
         <p:nvSpPr>
-          <p:cNvPr id="183" name="CasellaDiTesto 182"/>
+          <p:cNvPr id="188" name="CasellaDiTesto 187"/>
           <p:cNvSpPr txBox="1"/>
           <p:nvPr/>
         </p:nvSpPr>
         <p:spPr>
           <a:xfrm>
-            <a:off x="418396" y="2332866"/>
+            <a:off x="401886" y="1654696"/>
             <a:ext cx="448940" cy="192360"/>
           </a:xfrm>
           <a:prstGeom prst="rect">
@@ -7400,7 +7366,7 @@
           <a:p>
             <a:r>
               <a:rPr lang="it-IT" sz="650" dirty="0" smtClean="0"/>
-              <a:t>FOUND</a:t>
+              <a:t>INFO</a:t>
             </a:r>
             <a:endParaRPr lang="it-IT" sz="650" dirty="0"/>
           </a:p>
@@ -7408,13 +7374,13 @@
       </p:sp>
       <p:cxnSp>
         <p:nvCxnSpPr>
-          <p:cNvPr id="186" name="Connettore 1 185"/>
+          <p:cNvPr id="190" name="Connettore 1 189"/>
           <p:cNvCxnSpPr/>
           <p:nvPr/>
         </p:nvCxnSpPr>
         <p:spPr>
           <a:xfrm>
-            <a:off x="539552" y="1491630"/>
+            <a:off x="1187624" y="1491630"/>
             <a:ext cx="0" cy="144016"/>
           </a:xfrm>
           <a:prstGeom prst="line">
@@ -7443,13 +7409,13 @@
       </p:cxnSp>
       <p:sp>
         <p:nvSpPr>
-          <p:cNvPr id="187" name="Ovale 186"/>
+          <p:cNvPr id="191" name="Ovale 190"/>
           <p:cNvSpPr/>
           <p:nvPr/>
         </p:nvSpPr>
         <p:spPr>
           <a:xfrm rot="5400000" flipH="1">
-            <a:off x="499294" y="1616596"/>
+            <a:off x="1147366" y="1616596"/>
             <a:ext cx="72008" cy="72008"/>
           </a:xfrm>
           <a:prstGeom prst="ellipse">
@@ -7491,14 +7457,14 @@
       </p:sp>
       <p:sp>
         <p:nvSpPr>
-          <p:cNvPr id="188" name="CasellaDiTesto 187"/>
+          <p:cNvPr id="192" name="CasellaDiTesto 191"/>
           <p:cNvSpPr txBox="1"/>
           <p:nvPr/>
         </p:nvSpPr>
         <p:spPr>
           <a:xfrm>
-            <a:off x="401886" y="1654696"/>
-            <a:ext cx="448940" cy="192360"/>
+            <a:off x="999158" y="1654696"/>
+            <a:ext cx="692522" cy="192360"/>
           </a:xfrm>
           <a:prstGeom prst="rect">
             <a:avLst/>
@@ -7513,7 +7479,7 @@
           <a:p>
             <a:r>
               <a:rPr lang="it-IT" sz="650" dirty="0" smtClean="0"/>
-              <a:t>INFO</a:t>
+              <a:t>LATITUDE</a:t>
             </a:r>
             <a:endParaRPr lang="it-IT" sz="650" dirty="0"/>
           </a:p>
@@ -7521,13 +7487,126 @@
       </p:sp>
       <p:cxnSp>
         <p:nvCxnSpPr>
-          <p:cNvPr id="190" name="Connettore 1 189"/>
+          <p:cNvPr id="196" name="Connettore 1 195"/>
           <p:cNvCxnSpPr/>
           <p:nvPr/>
         </p:nvCxnSpPr>
         <p:spPr>
-          <a:xfrm>
-            <a:off x="1187624" y="1491630"/>
+          <a:xfrm flipH="1">
+            <a:off x="2208436" y="4775423"/>
+            <a:ext cx="144016" cy="0"/>
+          </a:xfrm>
+          <a:prstGeom prst="line">
+            <a:avLst/>
+          </a:prstGeom>
+          <a:ln>
+            <a:solidFill>
+              <a:schemeClr val="tx1"/>
+            </a:solidFill>
+          </a:ln>
+        </p:spPr>
+        <p:style>
+          <a:lnRef idx="1">
+            <a:schemeClr val="accent1"/>
+          </a:lnRef>
+          <a:fillRef idx="0">
+            <a:schemeClr val="accent1"/>
+          </a:fillRef>
+          <a:effectRef idx="0">
+            <a:schemeClr val="accent1"/>
+          </a:effectRef>
+          <a:fontRef idx="minor">
+            <a:schemeClr val="tx1"/>
+          </a:fontRef>
+        </p:style>
+      </p:cxnSp>
+      <p:sp>
+        <p:nvSpPr>
+          <p:cNvPr id="197" name="Ovale 196"/>
+          <p:cNvSpPr/>
+          <p:nvPr/>
+        </p:nvSpPr>
+        <p:spPr>
+          <a:xfrm rot="5400000" flipH="1">
+            <a:off x="2352452" y="4741515"/>
+            <a:ext cx="72008" cy="72008"/>
+          </a:xfrm>
+          <a:prstGeom prst="ellipse">
+            <a:avLst/>
+          </a:prstGeom>
+          <a:solidFill>
+            <a:schemeClr val="tx1"/>
+          </a:solidFill>
+          <a:ln w="12700">
+            <a:solidFill>
+              <a:schemeClr val="tx1"/>
+            </a:solidFill>
+          </a:ln>
+        </p:spPr>
+        <p:style>
+          <a:lnRef idx="2">
+            <a:schemeClr val="accent1">
+              <a:shade val="50000"/>
+            </a:schemeClr>
+          </a:lnRef>
+          <a:fillRef idx="1">
+            <a:schemeClr val="accent1"/>
+          </a:fillRef>
+          <a:effectRef idx="0">
+            <a:schemeClr val="accent1"/>
+          </a:effectRef>
+          <a:fontRef idx="minor">
+            <a:schemeClr val="lt1"/>
+          </a:fontRef>
+        </p:style>
+        <p:txBody>
+          <a:bodyPr rtlCol="0" anchor="ctr"/>
+          <a:lstStyle/>
+          <a:p>
+            <a:pPr algn="ctr"/>
+            <a:endParaRPr lang="it-IT" dirty="0"/>
+          </a:p>
+        </p:txBody>
+      </p:sp>
+      <p:sp>
+        <p:nvSpPr>
+          <p:cNvPr id="198" name="CasellaDiTesto 197"/>
+          <p:cNvSpPr txBox="1"/>
+          <p:nvPr/>
+        </p:nvSpPr>
+        <p:spPr>
+          <a:xfrm>
+            <a:off x="2394868" y="4682207"/>
+            <a:ext cx="448940" cy="192360"/>
+          </a:xfrm>
+          <a:prstGeom prst="rect">
+            <a:avLst/>
+          </a:prstGeom>
+          <a:noFill/>
+        </p:spPr>
+        <p:txBody>
+          <a:bodyPr wrap="square" rtlCol="0">
+            <a:spAutoFit/>
+          </a:bodyPr>
+          <a:lstStyle/>
+          <a:p>
+            <a:r>
+              <a:rPr lang="it-IT" sz="650" dirty="0" smtClean="0"/>
+              <a:t>EMAIL</a:t>
+            </a:r>
+            <a:endParaRPr lang="it-IT" sz="650" dirty="0"/>
+          </a:p>
+        </p:txBody>
+      </p:sp>
+      <p:cxnSp>
+        <p:nvCxnSpPr>
+          <p:cNvPr id="201" name="Connettore 1 200"/>
+          <p:cNvCxnSpPr/>
+          <p:nvPr/>
+        </p:nvCxnSpPr>
+        <p:spPr>
+          <a:xfrm>
+            <a:off x="3203848" y="1491630"/>
             <a:ext cx="0" cy="144016"/>
           </a:xfrm>
           <a:prstGeom prst="line">
@@ -7556,13 +7635,126 @@
       </p:cxnSp>
       <p:sp>
         <p:nvSpPr>
-          <p:cNvPr id="191" name="Ovale 190"/>
+          <p:cNvPr id="202" name="Ovale 201"/>
           <p:cNvSpPr/>
           <p:nvPr/>
         </p:nvSpPr>
         <p:spPr>
           <a:xfrm rot="5400000" flipH="1">
-            <a:off x="1147366" y="1616596"/>
+            <a:off x="3168416" y="1599070"/>
+            <a:ext cx="72008" cy="72008"/>
+          </a:xfrm>
+          <a:prstGeom prst="ellipse">
+            <a:avLst/>
+          </a:prstGeom>
+          <a:solidFill>
+            <a:schemeClr val="tx1"/>
+          </a:solidFill>
+          <a:ln w="12700">
+            <a:solidFill>
+              <a:schemeClr val="tx1"/>
+            </a:solidFill>
+          </a:ln>
+        </p:spPr>
+        <p:style>
+          <a:lnRef idx="2">
+            <a:schemeClr val="accent1">
+              <a:shade val="50000"/>
+            </a:schemeClr>
+          </a:lnRef>
+          <a:fillRef idx="1">
+            <a:schemeClr val="accent1"/>
+          </a:fillRef>
+          <a:effectRef idx="0">
+            <a:schemeClr val="accent1"/>
+          </a:effectRef>
+          <a:fontRef idx="minor">
+            <a:schemeClr val="lt1"/>
+          </a:fontRef>
+        </p:style>
+        <p:txBody>
+          <a:bodyPr rtlCol="0" anchor="ctr"/>
+          <a:lstStyle/>
+          <a:p>
+            <a:pPr algn="ctr"/>
+            <a:endParaRPr lang="it-IT" dirty="0"/>
+          </a:p>
+        </p:txBody>
+      </p:sp>
+      <p:sp>
+        <p:nvSpPr>
+          <p:cNvPr id="203" name="CasellaDiTesto 202"/>
+          <p:cNvSpPr txBox="1"/>
+          <p:nvPr/>
+        </p:nvSpPr>
+        <p:spPr>
+          <a:xfrm>
+            <a:off x="3035828" y="1649362"/>
+            <a:ext cx="448940" cy="192360"/>
+          </a:xfrm>
+          <a:prstGeom prst="rect">
+            <a:avLst/>
+          </a:prstGeom>
+          <a:noFill/>
+        </p:spPr>
+        <p:txBody>
+          <a:bodyPr wrap="square" rtlCol="0">
+            <a:spAutoFit/>
+          </a:bodyPr>
+          <a:lstStyle/>
+          <a:p>
+            <a:r>
+              <a:rPr lang="it-IT" sz="650" dirty="0" smtClean="0"/>
+              <a:t>CODE</a:t>
+            </a:r>
+            <a:endParaRPr lang="it-IT" sz="650" dirty="0"/>
+          </a:p>
+        </p:txBody>
+      </p:sp>
+      <p:cxnSp>
+        <p:nvCxnSpPr>
+          <p:cNvPr id="206" name="Connettore 1 205"/>
+          <p:cNvCxnSpPr/>
+          <p:nvPr/>
+        </p:nvCxnSpPr>
+        <p:spPr>
+          <a:xfrm>
+            <a:off x="3219088" y="1137940"/>
+            <a:ext cx="0" cy="144016"/>
+          </a:xfrm>
+          <a:prstGeom prst="line">
+            <a:avLst/>
+          </a:prstGeom>
+          <a:ln>
+            <a:solidFill>
+              <a:schemeClr val="tx1"/>
+            </a:solidFill>
+          </a:ln>
+        </p:spPr>
+        <p:style>
+          <a:lnRef idx="1">
+            <a:schemeClr val="accent1"/>
+          </a:lnRef>
+          <a:fillRef idx="0">
+            <a:schemeClr val="accent1"/>
+          </a:fillRef>
+          <a:effectRef idx="0">
+            <a:schemeClr val="accent1"/>
+          </a:effectRef>
+          <a:fontRef idx="minor">
+            <a:schemeClr val="tx1"/>
+          </a:fontRef>
+        </p:style>
+      </p:cxnSp>
+      <p:sp>
+        <p:nvSpPr>
+          <p:cNvPr id="207" name="Ovale 206"/>
+          <p:cNvSpPr/>
+          <p:nvPr/>
+        </p:nvSpPr>
+        <p:spPr>
+          <a:xfrm rot="5400000" flipH="1">
+            <a:off x="3185180" y="1097682"/>
             <a:ext cx="72008" cy="72008"/>
           </a:xfrm>
           <a:prstGeom prst="ellipse">
@@ -7602,46 +7794,16 @@
           </a:p>
         </p:txBody>
       </p:sp>
-      <p:sp>
-        <p:nvSpPr>
-          <p:cNvPr id="192" name="CasellaDiTesto 191"/>
-          <p:cNvSpPr txBox="1"/>
-          <p:nvPr/>
-        </p:nvSpPr>
-        <p:spPr>
-          <a:xfrm>
-            <a:off x="999158" y="1654696"/>
-            <a:ext cx="692522" cy="192360"/>
-          </a:xfrm>
-          <a:prstGeom prst="rect">
-            <a:avLst/>
-          </a:prstGeom>
-          <a:noFill/>
-        </p:spPr>
-        <p:txBody>
-          <a:bodyPr wrap="square" rtlCol="0">
-            <a:spAutoFit/>
-          </a:bodyPr>
-          <a:lstStyle/>
-          <a:p>
-            <a:r>
-              <a:rPr lang="it-IT" sz="650" dirty="0" smtClean="0"/>
-              <a:t>LATITUDE</a:t>
-            </a:r>
-            <a:endParaRPr lang="it-IT" sz="650" dirty="0"/>
-          </a:p>
-        </p:txBody>
-      </p:sp>
       <p:cxnSp>
         <p:nvCxnSpPr>
-          <p:cNvPr id="196" name="Connettore 1 195"/>
+          <p:cNvPr id="208" name="Connettore 1 207"/>
           <p:cNvCxnSpPr/>
           <p:nvPr/>
         </p:nvCxnSpPr>
         <p:spPr>
-          <a:xfrm flipH="1">
-            <a:off x="2208436" y="4775423"/>
-            <a:ext cx="144016" cy="0"/>
+          <a:xfrm>
+            <a:off x="3851920" y="1491630"/>
+            <a:ext cx="0" cy="144016"/>
           </a:xfrm>
           <a:prstGeom prst="line">
             <a:avLst/>
@@ -7669,20 +7831,20 @@
       </p:cxnSp>
       <p:sp>
         <p:nvSpPr>
-          <p:cNvPr id="197" name="Ovale 196"/>
+          <p:cNvPr id="209" name="Ovale 208"/>
           <p:cNvSpPr/>
           <p:nvPr/>
         </p:nvSpPr>
         <p:spPr>
           <a:xfrm rot="5400000" flipH="1">
-            <a:off x="2352452" y="4741515"/>
+            <a:off x="3819155" y="1601738"/>
             <a:ext cx="72008" cy="72008"/>
           </a:xfrm>
           <a:prstGeom prst="ellipse">
             <a:avLst/>
           </a:prstGeom>
           <a:solidFill>
-            <a:schemeClr val="tx1"/>
+            <a:schemeClr val="bg1"/>
           </a:solidFill>
           <a:ln w="12700">
             <a:solidFill>
@@ -7717,14 +7879,14 @@
       </p:sp>
       <p:sp>
         <p:nvSpPr>
-          <p:cNvPr id="198" name="CasellaDiTesto 197"/>
+          <p:cNvPr id="210" name="CasellaDiTesto 209"/>
           <p:cNvSpPr txBox="1"/>
           <p:nvPr/>
         </p:nvSpPr>
         <p:spPr>
           <a:xfrm>
-            <a:off x="2394868" y="4682207"/>
-            <a:ext cx="448940" cy="192360"/>
+            <a:off x="3036972" y="928266"/>
+            <a:ext cx="648072" cy="192360"/>
           </a:xfrm>
           <a:prstGeom prst="rect">
             <a:avLst/>
@@ -7739,7 +7901,37 @@
           <a:p>
             <a:r>
               <a:rPr lang="it-IT" sz="650" dirty="0" smtClean="0"/>
-              <a:t>EMAIL</a:t>
+              <a:t>DESCRIPTION</a:t>
+            </a:r>
+            <a:endParaRPr lang="it-IT" sz="650" dirty="0"/>
+          </a:p>
+        </p:txBody>
+      </p:sp>
+      <p:sp>
+        <p:nvSpPr>
+          <p:cNvPr id="211" name="CasellaDiTesto 210"/>
+          <p:cNvSpPr txBox="1"/>
+          <p:nvPr/>
+        </p:nvSpPr>
+        <p:spPr>
+          <a:xfrm>
+            <a:off x="3688854" y="1650504"/>
+            <a:ext cx="739130" cy="192360"/>
+          </a:xfrm>
+          <a:prstGeom prst="rect">
+            <a:avLst/>
+          </a:prstGeom>
+          <a:noFill/>
+        </p:spPr>
+        <p:txBody>
+          <a:bodyPr wrap="square" rtlCol="0">
+            <a:spAutoFit/>
+          </a:bodyPr>
+          <a:lstStyle/>
+          <a:p>
+            <a:r>
+              <a:rPr lang="it-IT" sz="650" dirty="0" smtClean="0"/>
+              <a:t>LONGITUDE</a:t>
             </a:r>
             <a:endParaRPr lang="it-IT" sz="650" dirty="0"/>
           </a:p>
@@ -7747,13 +7939,13 @@
       </p:sp>
       <p:cxnSp>
         <p:nvCxnSpPr>
-          <p:cNvPr id="201" name="Connettore 1 200"/>
+          <p:cNvPr id="212" name="Connettore 1 211"/>
           <p:cNvCxnSpPr/>
           <p:nvPr/>
         </p:nvCxnSpPr>
         <p:spPr>
           <a:xfrm>
-            <a:off x="3203848" y="1491630"/>
+            <a:off x="3141888" y="2787774"/>
             <a:ext cx="0" cy="144016"/>
           </a:xfrm>
           <a:prstGeom prst="line">
@@ -7782,13 +7974,13 @@
       </p:cxnSp>
       <p:sp>
         <p:nvSpPr>
-          <p:cNvPr id="202" name="Ovale 201"/>
+          <p:cNvPr id="213" name="Ovale 212"/>
           <p:cNvSpPr/>
           <p:nvPr/>
         </p:nvSpPr>
         <p:spPr>
           <a:xfrm rot="5400000" flipH="1">
-            <a:off x="3168416" y="1599070"/>
+            <a:off x="3104590" y="2925396"/>
             <a:ext cx="72008" cy="72008"/>
           </a:xfrm>
           <a:prstGeom prst="ellipse">
@@ -7830,13 +8022,13 @@
       </p:sp>
       <p:sp>
         <p:nvSpPr>
-          <p:cNvPr id="203" name="CasellaDiTesto 202"/>
+          <p:cNvPr id="214" name="CasellaDiTesto 213"/>
           <p:cNvSpPr txBox="1"/>
           <p:nvPr/>
         </p:nvSpPr>
         <p:spPr>
           <a:xfrm>
-            <a:off x="3035828" y="1649362"/>
+            <a:off x="2996333" y="2967108"/>
             <a:ext cx="448940" cy="192360"/>
           </a:xfrm>
           <a:prstGeom prst="rect">
@@ -7860,13 +8052,13 @@
       </p:sp>
       <p:cxnSp>
         <p:nvCxnSpPr>
-          <p:cNvPr id="206" name="Connettore 1 205"/>
+          <p:cNvPr id="215" name="Connettore 1 214"/>
           <p:cNvCxnSpPr/>
           <p:nvPr/>
         </p:nvCxnSpPr>
         <p:spPr>
           <a:xfrm>
-            <a:off x="3219088" y="1137940"/>
+            <a:off x="4898132" y="1137940"/>
             <a:ext cx="0" cy="144016"/>
           </a:xfrm>
           <a:prstGeom prst="line">
@@ -7895,13 +8087,239 @@
       </p:cxnSp>
       <p:sp>
         <p:nvSpPr>
-          <p:cNvPr id="207" name="Ovale 206"/>
+          <p:cNvPr id="216" name="Ovale 215"/>
           <p:cNvSpPr/>
           <p:nvPr/>
         </p:nvSpPr>
         <p:spPr>
           <a:xfrm rot="5400000" flipH="1">
-            <a:off x="3185180" y="1097682"/>
+            <a:off x="4864224" y="1097682"/>
+            <a:ext cx="72008" cy="72008"/>
+          </a:xfrm>
+          <a:prstGeom prst="ellipse">
+            <a:avLst/>
+          </a:prstGeom>
+          <a:solidFill>
+            <a:schemeClr val="tx1"/>
+          </a:solidFill>
+          <a:ln w="12700">
+            <a:solidFill>
+              <a:schemeClr val="tx1"/>
+            </a:solidFill>
+          </a:ln>
+        </p:spPr>
+        <p:style>
+          <a:lnRef idx="2">
+            <a:schemeClr val="accent1">
+              <a:shade val="50000"/>
+            </a:schemeClr>
+          </a:lnRef>
+          <a:fillRef idx="1">
+            <a:schemeClr val="accent1"/>
+          </a:fillRef>
+          <a:effectRef idx="0">
+            <a:schemeClr val="accent1"/>
+          </a:effectRef>
+          <a:fontRef idx="minor">
+            <a:schemeClr val="lt1"/>
+          </a:fontRef>
+        </p:style>
+        <p:txBody>
+          <a:bodyPr rtlCol="0" anchor="ctr"/>
+          <a:lstStyle/>
+          <a:p>
+            <a:pPr algn="ctr"/>
+            <a:endParaRPr lang="it-IT" dirty="0"/>
+          </a:p>
+        </p:txBody>
+      </p:sp>
+      <p:sp>
+        <p:nvSpPr>
+          <p:cNvPr id="217" name="CasellaDiTesto 216"/>
+          <p:cNvSpPr txBox="1"/>
+          <p:nvPr/>
+        </p:nvSpPr>
+        <p:spPr>
+          <a:xfrm>
+            <a:off x="4716016" y="934616"/>
+            <a:ext cx="448940" cy="192360"/>
+          </a:xfrm>
+          <a:prstGeom prst="rect">
+            <a:avLst/>
+          </a:prstGeom>
+          <a:noFill/>
+        </p:spPr>
+        <p:txBody>
+          <a:bodyPr wrap="square" rtlCol="0">
+            <a:spAutoFit/>
+          </a:bodyPr>
+          <a:lstStyle/>
+          <a:p>
+            <a:r>
+              <a:rPr lang="it-IT" sz="650" dirty="0" smtClean="0"/>
+              <a:t>CODE</a:t>
+            </a:r>
+            <a:endParaRPr lang="it-IT" sz="650" dirty="0"/>
+          </a:p>
+        </p:txBody>
+      </p:sp>
+      <p:sp>
+        <p:nvSpPr>
+          <p:cNvPr id="220" name="CasellaDiTesto 219"/>
+          <p:cNvSpPr txBox="1"/>
+          <p:nvPr/>
+        </p:nvSpPr>
+        <p:spPr>
+          <a:xfrm>
+            <a:off x="5097264" y="2221235"/>
+            <a:ext cx="448940" cy="192360"/>
+          </a:xfrm>
+          <a:prstGeom prst="rect">
+            <a:avLst/>
+          </a:prstGeom>
+          <a:noFill/>
+        </p:spPr>
+        <p:txBody>
+          <a:bodyPr wrap="square" rtlCol="0">
+            <a:spAutoFit/>
+          </a:bodyPr>
+          <a:lstStyle/>
+          <a:p>
+            <a:r>
+              <a:rPr lang="it-IT" sz="650" dirty="0" smtClean="0"/>
+              <a:t>EMAIL</a:t>
+            </a:r>
+            <a:endParaRPr lang="it-IT" sz="650" dirty="0"/>
+          </a:p>
+        </p:txBody>
+      </p:sp>
+      <p:cxnSp>
+        <p:nvCxnSpPr>
+          <p:cNvPr id="221" name="Connettore 1 220"/>
+          <p:cNvCxnSpPr/>
+          <p:nvPr/>
+        </p:nvCxnSpPr>
+        <p:spPr>
+          <a:xfrm>
+            <a:off x="5220072" y="2424559"/>
+            <a:ext cx="0" cy="144016"/>
+          </a:xfrm>
+          <a:prstGeom prst="line">
+            <a:avLst/>
+          </a:prstGeom>
+          <a:ln>
+            <a:solidFill>
+              <a:schemeClr val="tx1"/>
+            </a:solidFill>
+          </a:ln>
+        </p:spPr>
+        <p:style>
+          <a:lnRef idx="1">
+            <a:schemeClr val="accent1"/>
+          </a:lnRef>
+          <a:fillRef idx="0">
+            <a:schemeClr val="accent1"/>
+          </a:fillRef>
+          <a:effectRef idx="0">
+            <a:schemeClr val="accent1"/>
+          </a:effectRef>
+          <a:fontRef idx="minor">
+            <a:schemeClr val="tx1"/>
+          </a:fontRef>
+        </p:style>
+      </p:cxnSp>
+      <p:sp>
+        <p:nvSpPr>
+          <p:cNvPr id="222" name="Ovale 221"/>
+          <p:cNvSpPr/>
+          <p:nvPr/>
+        </p:nvSpPr>
+        <p:spPr>
+          <a:xfrm rot="5400000" flipH="1">
+            <a:off x="5186164" y="2384301"/>
+            <a:ext cx="72008" cy="72008"/>
+          </a:xfrm>
+          <a:prstGeom prst="ellipse">
+            <a:avLst/>
+          </a:prstGeom>
+          <a:solidFill>
+            <a:schemeClr val="tx1"/>
+          </a:solidFill>
+          <a:ln w="12700">
+            <a:solidFill>
+              <a:schemeClr val="tx1"/>
+            </a:solidFill>
+          </a:ln>
+        </p:spPr>
+        <p:style>
+          <a:lnRef idx="2">
+            <a:schemeClr val="accent1">
+              <a:shade val="50000"/>
+            </a:schemeClr>
+          </a:lnRef>
+          <a:fillRef idx="1">
+            <a:schemeClr val="accent1"/>
+          </a:fillRef>
+          <a:effectRef idx="0">
+            <a:schemeClr val="accent1"/>
+          </a:effectRef>
+          <a:fontRef idx="minor">
+            <a:schemeClr val="lt1"/>
+          </a:fontRef>
+        </p:style>
+        <p:txBody>
+          <a:bodyPr rtlCol="0" anchor="ctr"/>
+          <a:lstStyle/>
+          <a:p>
+            <a:pPr algn="ctr"/>
+            <a:endParaRPr lang="it-IT" dirty="0"/>
+          </a:p>
+        </p:txBody>
+      </p:sp>
+      <p:cxnSp>
+        <p:nvCxnSpPr>
+          <p:cNvPr id="224" name="Connettore 1 223"/>
+          <p:cNvCxnSpPr/>
+          <p:nvPr/>
+        </p:nvCxnSpPr>
+        <p:spPr>
+          <a:xfrm>
+            <a:off x="4788024" y="2424137"/>
+            <a:ext cx="0" cy="144016"/>
+          </a:xfrm>
+          <a:prstGeom prst="line">
+            <a:avLst/>
+          </a:prstGeom>
+          <a:ln>
+            <a:solidFill>
+              <a:schemeClr val="tx1"/>
+            </a:solidFill>
+          </a:ln>
+        </p:spPr>
+        <p:style>
+          <a:lnRef idx="1">
+            <a:schemeClr val="accent1"/>
+          </a:lnRef>
+          <a:fillRef idx="0">
+            <a:schemeClr val="accent1"/>
+          </a:fillRef>
+          <a:effectRef idx="0">
+            <a:schemeClr val="accent1"/>
+          </a:effectRef>
+          <a:fontRef idx="minor">
+            <a:schemeClr val="tx1"/>
+          </a:fontRef>
+        </p:style>
+      </p:cxnSp>
+      <p:sp>
+        <p:nvSpPr>
+          <p:cNvPr id="225" name="Ovale 224"/>
+          <p:cNvSpPr/>
+          <p:nvPr/>
+        </p:nvSpPr>
+        <p:spPr>
+          <a:xfrm rot="5400000" flipH="1">
+            <a:off x="4754116" y="2383879"/>
             <a:ext cx="72008" cy="72008"/>
           </a:xfrm>
           <a:prstGeom prst="ellipse">
@@ -7941,15 +8359,45 @@
           </a:p>
         </p:txBody>
       </p:sp>
+      <p:sp>
+        <p:nvSpPr>
+          <p:cNvPr id="226" name="CasellaDiTesto 225"/>
+          <p:cNvSpPr txBox="1"/>
+          <p:nvPr/>
+        </p:nvSpPr>
+        <p:spPr>
+          <a:xfrm>
+            <a:off x="5100376" y="2951246"/>
+            <a:ext cx="448940" cy="192360"/>
+          </a:xfrm>
+          <a:prstGeom prst="rect">
+            <a:avLst/>
+          </a:prstGeom>
+          <a:noFill/>
+        </p:spPr>
+        <p:txBody>
+          <a:bodyPr wrap="square" rtlCol="0">
+            <a:spAutoFit/>
+          </a:bodyPr>
+          <a:lstStyle/>
+          <a:p>
+            <a:r>
+              <a:rPr lang="it-IT" sz="650" dirty="0" smtClean="0"/>
+              <a:t>COINS</a:t>
+            </a:r>
+            <a:endParaRPr lang="it-IT" sz="650" dirty="0"/>
+          </a:p>
+        </p:txBody>
+      </p:sp>
       <p:cxnSp>
         <p:nvCxnSpPr>
-          <p:cNvPr id="208" name="Connettore 1 207"/>
+          <p:cNvPr id="227" name="Connettore 1 226"/>
           <p:cNvCxnSpPr/>
           <p:nvPr/>
         </p:nvCxnSpPr>
         <p:spPr>
           <a:xfrm>
-            <a:off x="3851920" y="1491630"/>
+            <a:off x="6982172" y="1124142"/>
             <a:ext cx="0" cy="144016"/>
           </a:xfrm>
           <a:prstGeom prst="line">
@@ -7978,13 +8426,126 @@
       </p:cxnSp>
       <p:sp>
         <p:nvSpPr>
-          <p:cNvPr id="209" name="Ovale 208"/>
+          <p:cNvPr id="228" name="Ovale 227"/>
           <p:cNvSpPr/>
           <p:nvPr/>
         </p:nvSpPr>
         <p:spPr>
           <a:xfrm rot="5400000" flipH="1">
-            <a:off x="3819155" y="1601738"/>
+            <a:off x="6948264" y="1091504"/>
+            <a:ext cx="72008" cy="72008"/>
+          </a:xfrm>
+          <a:prstGeom prst="ellipse">
+            <a:avLst/>
+          </a:prstGeom>
+          <a:solidFill>
+            <a:schemeClr val="tx1"/>
+          </a:solidFill>
+          <a:ln w="12700">
+            <a:solidFill>
+              <a:schemeClr val="tx1"/>
+            </a:solidFill>
+          </a:ln>
+        </p:spPr>
+        <p:style>
+          <a:lnRef idx="2">
+            <a:schemeClr val="accent1">
+              <a:shade val="50000"/>
+            </a:schemeClr>
+          </a:lnRef>
+          <a:fillRef idx="1">
+            <a:schemeClr val="accent1"/>
+          </a:fillRef>
+          <a:effectRef idx="0">
+            <a:schemeClr val="accent1"/>
+          </a:effectRef>
+          <a:fontRef idx="minor">
+            <a:schemeClr val="lt1"/>
+          </a:fontRef>
+        </p:style>
+        <p:txBody>
+          <a:bodyPr rtlCol="0" anchor="ctr"/>
+          <a:lstStyle/>
+          <a:p>
+            <a:pPr algn="ctr"/>
+            <a:endParaRPr lang="it-IT" dirty="0"/>
+          </a:p>
+        </p:txBody>
+      </p:sp>
+      <p:sp>
+        <p:nvSpPr>
+          <p:cNvPr id="229" name="CasellaDiTesto 228"/>
+          <p:cNvSpPr txBox="1"/>
+          <p:nvPr/>
+        </p:nvSpPr>
+        <p:spPr>
+          <a:xfrm>
+            <a:off x="6813644" y="928438"/>
+            <a:ext cx="448940" cy="192360"/>
+          </a:xfrm>
+          <a:prstGeom prst="rect">
+            <a:avLst/>
+          </a:prstGeom>
+          <a:noFill/>
+        </p:spPr>
+        <p:txBody>
+          <a:bodyPr wrap="square" rtlCol="0">
+            <a:spAutoFit/>
+          </a:bodyPr>
+          <a:lstStyle/>
+          <a:p>
+            <a:r>
+              <a:rPr lang="it-IT" sz="650" dirty="0" smtClean="0"/>
+              <a:t>CODE</a:t>
+            </a:r>
+            <a:endParaRPr lang="it-IT" sz="650" dirty="0"/>
+          </a:p>
+        </p:txBody>
+      </p:sp>
+      <p:cxnSp>
+        <p:nvCxnSpPr>
+          <p:cNvPr id="230" name="Connettore 1 229"/>
+          <p:cNvCxnSpPr/>
+          <p:nvPr/>
+        </p:nvCxnSpPr>
+        <p:spPr>
+          <a:xfrm>
+            <a:off x="7346404" y="1125240"/>
+            <a:ext cx="0" cy="144016"/>
+          </a:xfrm>
+          <a:prstGeom prst="line">
+            <a:avLst/>
+          </a:prstGeom>
+          <a:ln>
+            <a:solidFill>
+              <a:schemeClr val="tx1"/>
+            </a:solidFill>
+          </a:ln>
+        </p:spPr>
+        <p:style>
+          <a:lnRef idx="1">
+            <a:schemeClr val="accent1"/>
+          </a:lnRef>
+          <a:fillRef idx="0">
+            <a:schemeClr val="accent1"/>
+          </a:fillRef>
+          <a:effectRef idx="0">
+            <a:schemeClr val="accent1"/>
+          </a:effectRef>
+          <a:fontRef idx="minor">
+            <a:schemeClr val="tx1"/>
+          </a:fontRef>
+        </p:style>
+      </p:cxnSp>
+      <p:sp>
+        <p:nvSpPr>
+          <p:cNvPr id="231" name="Ovale 230"/>
+          <p:cNvSpPr/>
+          <p:nvPr/>
+        </p:nvSpPr>
+        <p:spPr>
+          <a:xfrm rot="5400000" flipH="1">
+            <a:off x="7312496" y="1091160"/>
             <a:ext cx="72008" cy="72008"/>
           </a:xfrm>
           <a:prstGeom prst="ellipse">
@@ -8026,721 +8587,13 @@
       </p:sp>
       <p:sp>
         <p:nvSpPr>
-          <p:cNvPr id="210" name="CasellaDiTesto 209"/>
-          <p:cNvSpPr txBox="1"/>
-          <p:nvPr/>
-        </p:nvSpPr>
-        <p:spPr>
-          <a:xfrm>
-            <a:off x="3036972" y="928266"/>
-            <a:ext cx="648072" cy="192360"/>
-          </a:xfrm>
-          <a:prstGeom prst="rect">
-            <a:avLst/>
-          </a:prstGeom>
-          <a:noFill/>
-        </p:spPr>
-        <p:txBody>
-          <a:bodyPr wrap="square" rtlCol="0">
-            <a:spAutoFit/>
-          </a:bodyPr>
-          <a:lstStyle/>
-          <a:p>
-            <a:r>
-              <a:rPr lang="it-IT" sz="650" dirty="0" smtClean="0"/>
-              <a:t>DESCRIPTION</a:t>
-            </a:r>
-            <a:endParaRPr lang="it-IT" sz="650" dirty="0"/>
-          </a:p>
-        </p:txBody>
-      </p:sp>
-      <p:sp>
-        <p:nvSpPr>
-          <p:cNvPr id="211" name="CasellaDiTesto 210"/>
-          <p:cNvSpPr txBox="1"/>
-          <p:nvPr/>
-        </p:nvSpPr>
-        <p:spPr>
-          <a:xfrm>
-            <a:off x="3688854" y="1650504"/>
-            <a:ext cx="739130" cy="192360"/>
-          </a:xfrm>
-          <a:prstGeom prst="rect">
-            <a:avLst/>
-          </a:prstGeom>
-          <a:noFill/>
-        </p:spPr>
-        <p:txBody>
-          <a:bodyPr wrap="square" rtlCol="0">
-            <a:spAutoFit/>
-          </a:bodyPr>
-          <a:lstStyle/>
-          <a:p>
-            <a:r>
-              <a:rPr lang="it-IT" sz="650" dirty="0" smtClean="0"/>
-              <a:t>LONGITUDE</a:t>
-            </a:r>
-            <a:endParaRPr lang="it-IT" sz="650" dirty="0"/>
-          </a:p>
-        </p:txBody>
-      </p:sp>
-      <p:cxnSp>
-        <p:nvCxnSpPr>
-          <p:cNvPr id="212" name="Connettore 1 211"/>
-          <p:cNvCxnSpPr/>
-          <p:nvPr/>
-        </p:nvCxnSpPr>
-        <p:spPr>
-          <a:xfrm>
-            <a:off x="3141888" y="2787774"/>
-            <a:ext cx="0" cy="144016"/>
-          </a:xfrm>
-          <a:prstGeom prst="line">
-            <a:avLst/>
-          </a:prstGeom>
-          <a:ln>
-            <a:solidFill>
-              <a:schemeClr val="tx1"/>
-            </a:solidFill>
-          </a:ln>
-        </p:spPr>
-        <p:style>
-          <a:lnRef idx="1">
-            <a:schemeClr val="accent1"/>
-          </a:lnRef>
-          <a:fillRef idx="0">
-            <a:schemeClr val="accent1"/>
-          </a:fillRef>
-          <a:effectRef idx="0">
-            <a:schemeClr val="accent1"/>
-          </a:effectRef>
-          <a:fontRef idx="minor">
-            <a:schemeClr val="tx1"/>
-          </a:fontRef>
-        </p:style>
-      </p:cxnSp>
-      <p:sp>
-        <p:nvSpPr>
-          <p:cNvPr id="213" name="Ovale 212"/>
-          <p:cNvSpPr/>
-          <p:nvPr/>
-        </p:nvSpPr>
-        <p:spPr>
-          <a:xfrm rot="5400000" flipH="1">
-            <a:off x="3104590" y="2925396"/>
-            <a:ext cx="72008" cy="72008"/>
-          </a:xfrm>
-          <a:prstGeom prst="ellipse">
-            <a:avLst/>
-          </a:prstGeom>
-          <a:solidFill>
-            <a:schemeClr val="tx1"/>
-          </a:solidFill>
-          <a:ln w="12700">
-            <a:solidFill>
-              <a:schemeClr val="tx1"/>
-            </a:solidFill>
-          </a:ln>
-        </p:spPr>
-        <p:style>
-          <a:lnRef idx="2">
-            <a:schemeClr val="accent1">
-              <a:shade val="50000"/>
-            </a:schemeClr>
-          </a:lnRef>
-          <a:fillRef idx="1">
-            <a:schemeClr val="accent1"/>
-          </a:fillRef>
-          <a:effectRef idx="0">
-            <a:schemeClr val="accent1"/>
-          </a:effectRef>
-          <a:fontRef idx="minor">
-            <a:schemeClr val="lt1"/>
-          </a:fontRef>
-        </p:style>
-        <p:txBody>
-          <a:bodyPr rtlCol="0" anchor="ctr"/>
-          <a:lstStyle/>
-          <a:p>
-            <a:pPr algn="ctr"/>
-            <a:endParaRPr lang="it-IT" dirty="0"/>
-          </a:p>
-        </p:txBody>
-      </p:sp>
-      <p:sp>
-        <p:nvSpPr>
-          <p:cNvPr id="214" name="CasellaDiTesto 213"/>
-          <p:cNvSpPr txBox="1"/>
-          <p:nvPr/>
-        </p:nvSpPr>
-        <p:spPr>
-          <a:xfrm>
-            <a:off x="2996333" y="2967108"/>
-            <a:ext cx="448940" cy="192360"/>
-          </a:xfrm>
-          <a:prstGeom prst="rect">
-            <a:avLst/>
-          </a:prstGeom>
-          <a:noFill/>
-        </p:spPr>
-        <p:txBody>
-          <a:bodyPr wrap="square" rtlCol="0">
-            <a:spAutoFit/>
-          </a:bodyPr>
-          <a:lstStyle/>
-          <a:p>
-            <a:r>
-              <a:rPr lang="it-IT" sz="650" dirty="0" smtClean="0"/>
-              <a:t>CODE</a:t>
-            </a:r>
-            <a:endParaRPr lang="it-IT" sz="650" dirty="0"/>
-          </a:p>
-        </p:txBody>
-      </p:sp>
-      <p:cxnSp>
-        <p:nvCxnSpPr>
-          <p:cNvPr id="215" name="Connettore 1 214"/>
-          <p:cNvCxnSpPr/>
-          <p:nvPr/>
-        </p:nvCxnSpPr>
-        <p:spPr>
-          <a:xfrm>
-            <a:off x="4898132" y="1137940"/>
-            <a:ext cx="0" cy="144016"/>
-          </a:xfrm>
-          <a:prstGeom prst="line">
-            <a:avLst/>
-          </a:prstGeom>
-          <a:ln>
-            <a:solidFill>
-              <a:schemeClr val="tx1"/>
-            </a:solidFill>
-          </a:ln>
-        </p:spPr>
-        <p:style>
-          <a:lnRef idx="1">
-            <a:schemeClr val="accent1"/>
-          </a:lnRef>
-          <a:fillRef idx="0">
-            <a:schemeClr val="accent1"/>
-          </a:fillRef>
-          <a:effectRef idx="0">
-            <a:schemeClr val="accent1"/>
-          </a:effectRef>
-          <a:fontRef idx="minor">
-            <a:schemeClr val="tx1"/>
-          </a:fontRef>
-        </p:style>
-      </p:cxnSp>
-      <p:sp>
-        <p:nvSpPr>
-          <p:cNvPr id="216" name="Ovale 215"/>
-          <p:cNvSpPr/>
-          <p:nvPr/>
-        </p:nvSpPr>
-        <p:spPr>
-          <a:xfrm rot="5400000" flipH="1">
-            <a:off x="4864224" y="1097682"/>
-            <a:ext cx="72008" cy="72008"/>
-          </a:xfrm>
-          <a:prstGeom prst="ellipse">
-            <a:avLst/>
-          </a:prstGeom>
-          <a:solidFill>
-            <a:schemeClr val="tx1"/>
-          </a:solidFill>
-          <a:ln w="12700">
-            <a:solidFill>
-              <a:schemeClr val="tx1"/>
-            </a:solidFill>
-          </a:ln>
-        </p:spPr>
-        <p:style>
-          <a:lnRef idx="2">
-            <a:schemeClr val="accent1">
-              <a:shade val="50000"/>
-            </a:schemeClr>
-          </a:lnRef>
-          <a:fillRef idx="1">
-            <a:schemeClr val="accent1"/>
-          </a:fillRef>
-          <a:effectRef idx="0">
-            <a:schemeClr val="accent1"/>
-          </a:effectRef>
-          <a:fontRef idx="minor">
-            <a:schemeClr val="lt1"/>
-          </a:fontRef>
-        </p:style>
-        <p:txBody>
-          <a:bodyPr rtlCol="0" anchor="ctr"/>
-          <a:lstStyle/>
-          <a:p>
-            <a:pPr algn="ctr"/>
-            <a:endParaRPr lang="it-IT" dirty="0"/>
-          </a:p>
-        </p:txBody>
-      </p:sp>
-      <p:sp>
-        <p:nvSpPr>
-          <p:cNvPr id="217" name="CasellaDiTesto 216"/>
-          <p:cNvSpPr txBox="1"/>
-          <p:nvPr/>
-        </p:nvSpPr>
-        <p:spPr>
-          <a:xfrm>
-            <a:off x="4716016" y="934616"/>
-            <a:ext cx="448940" cy="192360"/>
-          </a:xfrm>
-          <a:prstGeom prst="rect">
-            <a:avLst/>
-          </a:prstGeom>
-          <a:noFill/>
-        </p:spPr>
-        <p:txBody>
-          <a:bodyPr wrap="square" rtlCol="0">
-            <a:spAutoFit/>
-          </a:bodyPr>
-          <a:lstStyle/>
-          <a:p>
-            <a:r>
-              <a:rPr lang="it-IT" sz="650" dirty="0" smtClean="0"/>
-              <a:t>CODE</a:t>
-            </a:r>
-            <a:endParaRPr lang="it-IT" sz="650" dirty="0"/>
-          </a:p>
-        </p:txBody>
-      </p:sp>
-      <p:sp>
-        <p:nvSpPr>
-          <p:cNvPr id="220" name="CasellaDiTesto 219"/>
-          <p:cNvSpPr txBox="1"/>
-          <p:nvPr/>
-        </p:nvSpPr>
-        <p:spPr>
-          <a:xfrm>
-            <a:off x="5097264" y="2221235"/>
-            <a:ext cx="448940" cy="192360"/>
-          </a:xfrm>
-          <a:prstGeom prst="rect">
-            <a:avLst/>
-          </a:prstGeom>
-          <a:noFill/>
-        </p:spPr>
-        <p:txBody>
-          <a:bodyPr wrap="square" rtlCol="0">
-            <a:spAutoFit/>
-          </a:bodyPr>
-          <a:lstStyle/>
-          <a:p>
-            <a:r>
-              <a:rPr lang="it-IT" sz="650" dirty="0" smtClean="0"/>
-              <a:t>EMAIL</a:t>
-            </a:r>
-            <a:endParaRPr lang="it-IT" sz="650" dirty="0"/>
-          </a:p>
-        </p:txBody>
-      </p:sp>
-      <p:cxnSp>
-        <p:nvCxnSpPr>
-          <p:cNvPr id="221" name="Connettore 1 220"/>
-          <p:cNvCxnSpPr/>
-          <p:nvPr/>
-        </p:nvCxnSpPr>
-        <p:spPr>
-          <a:xfrm>
-            <a:off x="5220072" y="2424559"/>
-            <a:ext cx="0" cy="144016"/>
-          </a:xfrm>
-          <a:prstGeom prst="line">
-            <a:avLst/>
-          </a:prstGeom>
-          <a:ln>
-            <a:solidFill>
-              <a:schemeClr val="tx1"/>
-            </a:solidFill>
-          </a:ln>
-        </p:spPr>
-        <p:style>
-          <a:lnRef idx="1">
-            <a:schemeClr val="accent1"/>
-          </a:lnRef>
-          <a:fillRef idx="0">
-            <a:schemeClr val="accent1"/>
-          </a:fillRef>
-          <a:effectRef idx="0">
-            <a:schemeClr val="accent1"/>
-          </a:effectRef>
-          <a:fontRef idx="minor">
-            <a:schemeClr val="tx1"/>
-          </a:fontRef>
-        </p:style>
-      </p:cxnSp>
-      <p:sp>
-        <p:nvSpPr>
-          <p:cNvPr id="222" name="Ovale 221"/>
-          <p:cNvSpPr/>
-          <p:nvPr/>
-        </p:nvSpPr>
-        <p:spPr>
-          <a:xfrm rot="5400000" flipH="1">
-            <a:off x="5186164" y="2384301"/>
-            <a:ext cx="72008" cy="72008"/>
-          </a:xfrm>
-          <a:prstGeom prst="ellipse">
-            <a:avLst/>
-          </a:prstGeom>
-          <a:solidFill>
-            <a:schemeClr val="tx1"/>
-          </a:solidFill>
-          <a:ln w="12700">
-            <a:solidFill>
-              <a:schemeClr val="tx1"/>
-            </a:solidFill>
-          </a:ln>
-        </p:spPr>
-        <p:style>
-          <a:lnRef idx="2">
-            <a:schemeClr val="accent1">
-              <a:shade val="50000"/>
-            </a:schemeClr>
-          </a:lnRef>
-          <a:fillRef idx="1">
-            <a:schemeClr val="accent1"/>
-          </a:fillRef>
-          <a:effectRef idx="0">
-            <a:schemeClr val="accent1"/>
-          </a:effectRef>
-          <a:fontRef idx="minor">
-            <a:schemeClr val="lt1"/>
-          </a:fontRef>
-        </p:style>
-        <p:txBody>
-          <a:bodyPr rtlCol="0" anchor="ctr"/>
-          <a:lstStyle/>
-          <a:p>
-            <a:pPr algn="ctr"/>
-            <a:endParaRPr lang="it-IT" dirty="0"/>
-          </a:p>
-        </p:txBody>
-      </p:sp>
-      <p:cxnSp>
-        <p:nvCxnSpPr>
-          <p:cNvPr id="224" name="Connettore 1 223"/>
-          <p:cNvCxnSpPr/>
-          <p:nvPr/>
-        </p:nvCxnSpPr>
-        <p:spPr>
-          <a:xfrm>
-            <a:off x="4788024" y="2424137"/>
-            <a:ext cx="0" cy="144016"/>
-          </a:xfrm>
-          <a:prstGeom prst="line">
-            <a:avLst/>
-          </a:prstGeom>
-          <a:ln>
-            <a:solidFill>
-              <a:schemeClr val="tx1"/>
-            </a:solidFill>
-          </a:ln>
-        </p:spPr>
-        <p:style>
-          <a:lnRef idx="1">
-            <a:schemeClr val="accent1"/>
-          </a:lnRef>
-          <a:fillRef idx="0">
-            <a:schemeClr val="accent1"/>
-          </a:fillRef>
-          <a:effectRef idx="0">
-            <a:schemeClr val="accent1"/>
-          </a:effectRef>
-          <a:fontRef idx="minor">
-            <a:schemeClr val="tx1"/>
-          </a:fontRef>
-        </p:style>
-      </p:cxnSp>
-      <p:sp>
-        <p:nvSpPr>
-          <p:cNvPr id="225" name="Ovale 224"/>
-          <p:cNvSpPr/>
-          <p:nvPr/>
-        </p:nvSpPr>
-        <p:spPr>
-          <a:xfrm rot="5400000" flipH="1">
-            <a:off x="4754116" y="2383879"/>
-            <a:ext cx="72008" cy="72008"/>
-          </a:xfrm>
-          <a:prstGeom prst="ellipse">
-            <a:avLst/>
-          </a:prstGeom>
-          <a:solidFill>
-            <a:schemeClr val="bg1"/>
-          </a:solidFill>
-          <a:ln w="12700">
-            <a:solidFill>
-              <a:schemeClr val="tx1"/>
-            </a:solidFill>
-          </a:ln>
-        </p:spPr>
-        <p:style>
-          <a:lnRef idx="2">
-            <a:schemeClr val="accent1">
-              <a:shade val="50000"/>
-            </a:schemeClr>
-          </a:lnRef>
-          <a:fillRef idx="1">
-            <a:schemeClr val="accent1"/>
-          </a:fillRef>
-          <a:effectRef idx="0">
-            <a:schemeClr val="accent1"/>
-          </a:effectRef>
-          <a:fontRef idx="minor">
-            <a:schemeClr val="lt1"/>
-          </a:fontRef>
-        </p:style>
-        <p:txBody>
-          <a:bodyPr rtlCol="0" anchor="ctr"/>
-          <a:lstStyle/>
-          <a:p>
-            <a:pPr algn="ctr"/>
-            <a:endParaRPr lang="it-IT" dirty="0"/>
-          </a:p>
-        </p:txBody>
-      </p:sp>
-      <p:sp>
-        <p:nvSpPr>
-          <p:cNvPr id="226" name="CasellaDiTesto 225"/>
-          <p:cNvSpPr txBox="1"/>
-          <p:nvPr/>
-        </p:nvSpPr>
-        <p:spPr>
-          <a:xfrm>
-            <a:off x="5100376" y="2951246"/>
-            <a:ext cx="448940" cy="192360"/>
-          </a:xfrm>
-          <a:prstGeom prst="rect">
-            <a:avLst/>
-          </a:prstGeom>
-          <a:noFill/>
-        </p:spPr>
-        <p:txBody>
-          <a:bodyPr wrap="square" rtlCol="0">
-            <a:spAutoFit/>
-          </a:bodyPr>
-          <a:lstStyle/>
-          <a:p>
-            <a:r>
-              <a:rPr lang="it-IT" sz="650" dirty="0" smtClean="0"/>
-              <a:t>COINS</a:t>
-            </a:r>
-            <a:endParaRPr lang="it-IT" sz="650" dirty="0"/>
-          </a:p>
-        </p:txBody>
-      </p:sp>
-      <p:cxnSp>
-        <p:nvCxnSpPr>
-          <p:cNvPr id="227" name="Connettore 1 226"/>
-          <p:cNvCxnSpPr/>
-          <p:nvPr/>
-        </p:nvCxnSpPr>
-        <p:spPr>
-          <a:xfrm>
-            <a:off x="7054180" y="1128356"/>
-            <a:ext cx="0" cy="144016"/>
-          </a:xfrm>
-          <a:prstGeom prst="line">
-            <a:avLst/>
-          </a:prstGeom>
-          <a:ln>
-            <a:solidFill>
-              <a:schemeClr val="tx1"/>
-            </a:solidFill>
-          </a:ln>
-        </p:spPr>
-        <p:style>
-          <a:lnRef idx="1">
-            <a:schemeClr val="accent1"/>
-          </a:lnRef>
-          <a:fillRef idx="0">
-            <a:schemeClr val="accent1"/>
-          </a:fillRef>
-          <a:effectRef idx="0">
-            <a:schemeClr val="accent1"/>
-          </a:effectRef>
-          <a:fontRef idx="minor">
-            <a:schemeClr val="tx1"/>
-          </a:fontRef>
-        </p:style>
-      </p:cxnSp>
-      <p:sp>
-        <p:nvSpPr>
-          <p:cNvPr id="228" name="Ovale 227"/>
-          <p:cNvSpPr/>
-          <p:nvPr/>
-        </p:nvSpPr>
-        <p:spPr>
-          <a:xfrm rot="5400000" flipH="1">
-            <a:off x="7020272" y="1095718"/>
-            <a:ext cx="72008" cy="72008"/>
-          </a:xfrm>
-          <a:prstGeom prst="ellipse">
-            <a:avLst/>
-          </a:prstGeom>
-          <a:solidFill>
-            <a:schemeClr val="tx1"/>
-          </a:solidFill>
-          <a:ln w="12700">
-            <a:solidFill>
-              <a:schemeClr val="tx1"/>
-            </a:solidFill>
-          </a:ln>
-        </p:spPr>
-        <p:style>
-          <a:lnRef idx="2">
-            <a:schemeClr val="accent1">
-              <a:shade val="50000"/>
-            </a:schemeClr>
-          </a:lnRef>
-          <a:fillRef idx="1">
-            <a:schemeClr val="accent1"/>
-          </a:fillRef>
-          <a:effectRef idx="0">
-            <a:schemeClr val="accent1"/>
-          </a:effectRef>
-          <a:fontRef idx="minor">
-            <a:schemeClr val="lt1"/>
-          </a:fontRef>
-        </p:style>
-        <p:txBody>
-          <a:bodyPr rtlCol="0" anchor="ctr"/>
-          <a:lstStyle/>
-          <a:p>
-            <a:pPr algn="ctr"/>
-            <a:endParaRPr lang="it-IT" dirty="0"/>
-          </a:p>
-        </p:txBody>
-      </p:sp>
-      <p:sp>
-        <p:nvSpPr>
-          <p:cNvPr id="229" name="CasellaDiTesto 228"/>
-          <p:cNvSpPr txBox="1"/>
-          <p:nvPr/>
-        </p:nvSpPr>
-        <p:spPr>
-          <a:xfrm>
-            <a:off x="6859364" y="928438"/>
-            <a:ext cx="448940" cy="192360"/>
-          </a:xfrm>
-          <a:prstGeom prst="rect">
-            <a:avLst/>
-          </a:prstGeom>
-          <a:noFill/>
-        </p:spPr>
-        <p:txBody>
-          <a:bodyPr wrap="square" rtlCol="0">
-            <a:spAutoFit/>
-          </a:bodyPr>
-          <a:lstStyle/>
-          <a:p>
-            <a:r>
-              <a:rPr lang="it-IT" sz="650" dirty="0" smtClean="0"/>
-              <a:t>CODE</a:t>
-            </a:r>
-            <a:endParaRPr lang="it-IT" sz="650" dirty="0"/>
-          </a:p>
-        </p:txBody>
-      </p:sp>
-      <p:cxnSp>
-        <p:nvCxnSpPr>
-          <p:cNvPr id="230" name="Connettore 1 229"/>
-          <p:cNvCxnSpPr/>
-          <p:nvPr/>
-        </p:nvCxnSpPr>
-        <p:spPr>
-          <a:xfrm>
-            <a:off x="7414220" y="1125240"/>
-            <a:ext cx="0" cy="144016"/>
-          </a:xfrm>
-          <a:prstGeom prst="line">
-            <a:avLst/>
-          </a:prstGeom>
-          <a:ln>
-            <a:solidFill>
-              <a:schemeClr val="tx1"/>
-            </a:solidFill>
-          </a:ln>
-        </p:spPr>
-        <p:style>
-          <a:lnRef idx="1">
-            <a:schemeClr val="accent1"/>
-          </a:lnRef>
-          <a:fillRef idx="0">
-            <a:schemeClr val="accent1"/>
-          </a:fillRef>
-          <a:effectRef idx="0">
-            <a:schemeClr val="accent1"/>
-          </a:effectRef>
-          <a:fontRef idx="minor">
-            <a:schemeClr val="tx1"/>
-          </a:fontRef>
-        </p:style>
-      </p:cxnSp>
-      <p:sp>
-        <p:nvSpPr>
-          <p:cNvPr id="231" name="Ovale 230"/>
-          <p:cNvSpPr/>
-          <p:nvPr/>
-        </p:nvSpPr>
-        <p:spPr>
-          <a:xfrm rot="5400000" flipH="1">
-            <a:off x="7380312" y="1091160"/>
-            <a:ext cx="72008" cy="72008"/>
-          </a:xfrm>
-          <a:prstGeom prst="ellipse">
-            <a:avLst/>
-          </a:prstGeom>
-          <a:solidFill>
-            <a:schemeClr val="bg1"/>
-          </a:solidFill>
-          <a:ln w="12700">
-            <a:solidFill>
-              <a:schemeClr val="tx1"/>
-            </a:solidFill>
-          </a:ln>
-        </p:spPr>
-        <p:style>
-          <a:lnRef idx="2">
-            <a:schemeClr val="accent1">
-              <a:shade val="50000"/>
-            </a:schemeClr>
-          </a:lnRef>
-          <a:fillRef idx="1">
-            <a:schemeClr val="accent1"/>
-          </a:fillRef>
-          <a:effectRef idx="0">
-            <a:schemeClr val="accent1"/>
-          </a:effectRef>
-          <a:fontRef idx="minor">
-            <a:schemeClr val="lt1"/>
-          </a:fontRef>
-        </p:style>
-        <p:txBody>
-          <a:bodyPr rtlCol="0" anchor="ctr"/>
-          <a:lstStyle/>
-          <a:p>
-            <a:pPr algn="ctr"/>
-            <a:endParaRPr lang="it-IT" dirty="0"/>
-          </a:p>
-        </p:txBody>
-      </p:sp>
-      <p:sp>
-        <p:nvSpPr>
           <p:cNvPr id="232" name="CasellaDiTesto 231"/>
           <p:cNvSpPr txBox="1"/>
           <p:nvPr/>
         </p:nvSpPr>
         <p:spPr>
           <a:xfrm>
-            <a:off x="7283020" y="927922"/>
+            <a:off x="7164288" y="927922"/>
             <a:ext cx="504056" cy="192360"/>
           </a:xfrm>
           <a:prstGeom prst="rect">
@@ -9704,7 +9557,7 @@
         </p:nvSpPr>
         <p:spPr>
           <a:xfrm>
-            <a:off x="2853290" y="4106186"/>
+            <a:off x="2850158" y="4109318"/>
             <a:ext cx="465956" cy="192360"/>
           </a:xfrm>
           <a:prstGeom prst="rect">
@@ -9734,8 +9587,8 @@
         </p:nvCxnSpPr>
         <p:spPr>
           <a:xfrm>
-            <a:off x="3419872" y="3867894"/>
-            <a:ext cx="76289" cy="26983"/>
+            <a:off x="3419872" y="3939902"/>
+            <a:ext cx="72008" cy="144016"/>
           </a:xfrm>
           <a:prstGeom prst="line">
             <a:avLst/>
@@ -9769,7 +9622,7 @@
         </p:nvSpPr>
         <p:spPr>
           <a:xfrm rot="5400000" flipH="1">
-            <a:off x="3491880" y="3871026"/>
+            <a:off x="3472448" y="4083918"/>
             <a:ext cx="72008" cy="72008"/>
           </a:xfrm>
           <a:prstGeom prst="ellipse">
@@ -9817,7 +9670,7 @@
         </p:nvSpPr>
         <p:spPr>
           <a:xfrm>
-            <a:off x="3479352" y="3886686"/>
+            <a:off x="3484260" y="4027954"/>
             <a:ext cx="592956" cy="192360"/>
           </a:xfrm>
           <a:prstGeom prst="rect">
@@ -9946,7 +9799,7 @@
           <a:p>
             <a:r>
               <a:rPr lang="it-IT" sz="650" dirty="0" smtClean="0"/>
-              <a:t>LATITUDE</a:t>
+              <a:t>REGION</a:t>
             </a:r>
             <a:endParaRPr lang="it-IT" sz="650" dirty="0"/>
           </a:p>
@@ -12989,13 +12842,13 @@
       </p:sp>
       <p:sp>
         <p:nvSpPr>
-          <p:cNvPr id="411" name="CasellaDiTesto 410"/>
+          <p:cNvPr id="410" name="CasellaDiTesto 409"/>
           <p:cNvSpPr txBox="1"/>
           <p:nvPr/>
         </p:nvSpPr>
         <p:spPr>
           <a:xfrm>
-            <a:off x="3317384" y="2492926"/>
+            <a:off x="907212" y="1466146"/>
             <a:ext cx="288032" cy="192360"/>
           </a:xfrm>
           <a:prstGeom prst="rect">
@@ -13019,13 +12872,13 @@
       </p:sp>
       <p:sp>
         <p:nvSpPr>
-          <p:cNvPr id="412" name="CasellaDiTesto 411"/>
+          <p:cNvPr id="411" name="CasellaDiTesto 410"/>
           <p:cNvSpPr txBox="1"/>
           <p:nvPr/>
         </p:nvSpPr>
         <p:spPr>
           <a:xfrm>
-            <a:off x="4458464" y="2492122"/>
+            <a:off x="3317384" y="2492926"/>
             <a:ext cx="288032" cy="192360"/>
           </a:xfrm>
           <a:prstGeom prst="rect">
@@ -13049,13 +12902,13 @@
       </p:sp>
       <p:sp>
         <p:nvSpPr>
-          <p:cNvPr id="413" name="CasellaDiTesto 412"/>
+          <p:cNvPr id="412" name="CasellaDiTesto 411"/>
           <p:cNvSpPr txBox="1"/>
           <p:nvPr/>
         </p:nvSpPr>
         <p:spPr>
           <a:xfrm>
-            <a:off x="3332624" y="1476390"/>
+            <a:off x="4458464" y="2492122"/>
             <a:ext cx="288032" cy="192360"/>
           </a:xfrm>
           <a:prstGeom prst="rect">
@@ -13079,13 +12932,13 @@
       </p:sp>
       <p:sp>
         <p:nvSpPr>
-          <p:cNvPr id="414" name="CasellaDiTesto 413"/>
+          <p:cNvPr id="413" name="CasellaDiTesto 412"/>
           <p:cNvSpPr txBox="1"/>
           <p:nvPr/>
         </p:nvSpPr>
         <p:spPr>
           <a:xfrm>
-            <a:off x="2388900" y="3883134"/>
+            <a:off x="3332624" y="1476390"/>
             <a:ext cx="288032" cy="192360"/>
           </a:xfrm>
           <a:prstGeom prst="rect">
@@ -13109,13 +12962,13 @@
       </p:sp>
       <p:sp>
         <p:nvSpPr>
-          <p:cNvPr id="415" name="CasellaDiTesto 414"/>
+          <p:cNvPr id="414" name="CasellaDiTesto 413"/>
           <p:cNvSpPr txBox="1"/>
           <p:nvPr/>
         </p:nvSpPr>
         <p:spPr>
           <a:xfrm>
-            <a:off x="7107732" y="3983632"/>
+            <a:off x="2388900" y="3883134"/>
             <a:ext cx="288032" cy="192360"/>
           </a:xfrm>
           <a:prstGeom prst="rect">
@@ -13139,13 +12992,13 @@
       </p:sp>
       <p:sp>
         <p:nvSpPr>
-          <p:cNvPr id="416" name="CasellaDiTesto 415"/>
+          <p:cNvPr id="415" name="CasellaDiTesto 414"/>
           <p:cNvSpPr txBox="1"/>
           <p:nvPr/>
         </p:nvSpPr>
         <p:spPr>
           <a:xfrm>
-            <a:off x="6496051" y="3762994"/>
+            <a:off x="7107732" y="3983632"/>
             <a:ext cx="288032" cy="192360"/>
           </a:xfrm>
           <a:prstGeom prst="rect">
@@ -13169,13 +13022,13 @@
       </p:sp>
       <p:sp>
         <p:nvSpPr>
-          <p:cNvPr id="417" name="CasellaDiTesto 416"/>
+          <p:cNvPr id="416" name="CasellaDiTesto 415"/>
           <p:cNvSpPr txBox="1"/>
           <p:nvPr/>
         </p:nvSpPr>
         <p:spPr>
           <a:xfrm>
-            <a:off x="4772784" y="3557002"/>
+            <a:off x="6496051" y="3762994"/>
             <a:ext cx="288032" cy="192360"/>
           </a:xfrm>
           <a:prstGeom prst="rect">
@@ -13199,13 +13052,13 @@
       </p:sp>
       <p:sp>
         <p:nvSpPr>
-          <p:cNvPr id="418" name="CasellaDiTesto 417"/>
+          <p:cNvPr id="417" name="CasellaDiTesto 416"/>
           <p:cNvSpPr txBox="1"/>
           <p:nvPr/>
         </p:nvSpPr>
         <p:spPr>
           <a:xfrm>
-            <a:off x="4772784" y="2772534"/>
+            <a:off x="4772784" y="3557002"/>
             <a:ext cx="288032" cy="192360"/>
           </a:xfrm>
           <a:prstGeom prst="rect">
@@ -13229,13 +13082,13 @@
       </p:sp>
       <p:sp>
         <p:nvSpPr>
-          <p:cNvPr id="419" name="CasellaDiTesto 418"/>
+          <p:cNvPr id="418" name="CasellaDiTesto 417"/>
           <p:cNvSpPr txBox="1"/>
           <p:nvPr/>
         </p:nvSpPr>
         <p:spPr>
           <a:xfrm>
-            <a:off x="5325988" y="2488694"/>
+            <a:off x="4772784" y="2772534"/>
             <a:ext cx="288032" cy="192360"/>
           </a:xfrm>
           <a:prstGeom prst="rect">
@@ -13259,13 +13112,13 @@
       </p:sp>
       <p:sp>
         <p:nvSpPr>
-          <p:cNvPr id="420" name="CasellaDiTesto 419"/>
+          <p:cNvPr id="419" name="CasellaDiTesto 418"/>
           <p:cNvSpPr txBox="1"/>
           <p:nvPr/>
         </p:nvSpPr>
         <p:spPr>
           <a:xfrm>
-            <a:off x="6534884" y="2492122"/>
+            <a:off x="5325988" y="2488694"/>
             <a:ext cx="288032" cy="192360"/>
           </a:xfrm>
           <a:prstGeom prst="rect">
@@ -13289,13 +13142,13 @@
       </p:sp>
       <p:sp>
         <p:nvSpPr>
-          <p:cNvPr id="421" name="CasellaDiTesto 420"/>
+          <p:cNvPr id="420" name="CasellaDiTesto 419"/>
           <p:cNvSpPr txBox="1"/>
           <p:nvPr/>
         </p:nvSpPr>
         <p:spPr>
           <a:xfrm>
-            <a:off x="4947280" y="2404874"/>
+            <a:off x="6534884" y="2492122"/>
             <a:ext cx="288032" cy="192360"/>
           </a:xfrm>
           <a:prstGeom prst="rect">
@@ -13319,13 +13172,13 @@
       </p:sp>
       <p:sp>
         <p:nvSpPr>
-          <p:cNvPr id="422" name="CasellaDiTesto 421"/>
+          <p:cNvPr id="421" name="CasellaDiTesto 420"/>
           <p:cNvSpPr txBox="1"/>
           <p:nvPr/>
         </p:nvSpPr>
         <p:spPr>
           <a:xfrm>
-            <a:off x="4950708" y="1484010"/>
+            <a:off x="4947280" y="2404874"/>
             <a:ext cx="288032" cy="192360"/>
           </a:xfrm>
           <a:prstGeom prst="rect">
@@ -13349,13 +13202,43 @@
       </p:sp>
       <p:sp>
         <p:nvSpPr>
+          <p:cNvPr id="422" name="CasellaDiTesto 421"/>
+          <p:cNvSpPr txBox="1"/>
+          <p:nvPr/>
+        </p:nvSpPr>
+        <p:spPr>
+          <a:xfrm>
+            <a:off x="4950708" y="1484010"/>
+            <a:ext cx="288032" cy="192360"/>
+          </a:xfrm>
+          <a:prstGeom prst="rect">
+            <a:avLst/>
+          </a:prstGeom>
+          <a:noFill/>
+        </p:spPr>
+        <p:txBody>
+          <a:bodyPr wrap="square" rtlCol="0">
+            <a:spAutoFit/>
+          </a:bodyPr>
+          <a:lstStyle/>
+          <a:p>
+            <a:r>
+              <a:rPr lang="it-IT" sz="650" dirty="0" smtClean="0"/>
+              <a:t>1.1</a:t>
+            </a:r>
+            <a:endParaRPr lang="it-IT" sz="650" dirty="0"/>
+          </a:p>
+        </p:txBody>
+      </p:sp>
+      <p:sp>
+        <p:nvSpPr>
           <p:cNvPr id="423" name="CasellaDiTesto 422"/>
           <p:cNvSpPr txBox="1"/>
           <p:nvPr/>
         </p:nvSpPr>
         <p:spPr>
           <a:xfrm>
-            <a:off x="7117564" y="1105324"/>
+            <a:off x="6940644" y="1101110"/>
             <a:ext cx="288032" cy="192360"/>
           </a:xfrm>
           <a:prstGeom prst="rect">
@@ -14599,8 +14482,8 @@
         </p:nvSpPr>
         <p:spPr>
           <a:xfrm>
-            <a:off x="409176" y="594438"/>
-            <a:ext cx="448940" cy="192360"/>
+            <a:off x="126172" y="594438"/>
+            <a:ext cx="678604" cy="192360"/>
           </a:xfrm>
           <a:prstGeom prst="rect">
             <a:avLst/>
@@ -14615,7 +14498,7 @@
           <a:p>
             <a:r>
               <a:rPr lang="it-IT" sz="650" dirty="0" smtClean="0"/>
-              <a:t>COST</a:t>
+              <a:t>DESCRIPTION</a:t>
             </a:r>
             <a:endParaRPr lang="it-IT" sz="650" dirty="0"/>
           </a:p>
@@ -15465,8 +15348,8 @@
         </p:nvCxnSpPr>
         <p:spPr>
           <a:xfrm>
-            <a:off x="6863440" y="1129370"/>
-            <a:ext cx="0" cy="144016"/>
+            <a:off x="5364088" y="2787774"/>
+            <a:ext cx="72008" cy="72008"/>
           </a:xfrm>
           <a:prstGeom prst="line">
             <a:avLst/>
@@ -15494,13 +15377,13 @@
       </p:cxnSp>
       <p:sp>
         <p:nvSpPr>
-          <p:cNvPr id="403" name="Ovale 402"/>
+          <p:cNvPr id="407" name="Ovale 406"/>
           <p:cNvSpPr/>
           <p:nvPr/>
         </p:nvSpPr>
         <p:spPr>
           <a:xfrm rot="5400000" flipH="1">
-            <a:off x="6829532" y="1095290"/>
+            <a:off x="5411156" y="2846334"/>
             <a:ext cx="72008" cy="72008"/>
           </a:xfrm>
           <a:prstGeom prst="ellipse">
@@ -15536,20 +15419,32 @@
           <a:lstStyle/>
           <a:p>
             <a:pPr algn="ctr"/>
+            <a:endParaRPr lang="it-IT" dirty="0" smtClean="0"/>
+          </a:p>
+          <a:p>
+            <a:pPr algn="ctr"/>
+            <a:endParaRPr lang="it-IT" dirty="0" smtClean="0"/>
+          </a:p>
+          <a:p>
+            <a:pPr algn="ctr"/>
+            <a:endParaRPr lang="it-IT" dirty="0" smtClean="0"/>
+          </a:p>
+          <a:p>
+            <a:pPr algn="ctr"/>
             <a:endParaRPr lang="it-IT" dirty="0"/>
           </a:p>
         </p:txBody>
       </p:sp>
       <p:sp>
         <p:nvSpPr>
-          <p:cNvPr id="407" name="CasellaDiTesto 406"/>
+          <p:cNvPr id="435" name="CasellaDiTesto 434"/>
           <p:cNvSpPr txBox="1"/>
           <p:nvPr/>
         </p:nvSpPr>
         <p:spPr>
           <a:xfrm>
-            <a:off x="6605450" y="927838"/>
-            <a:ext cx="504056" cy="192360"/>
+            <a:off x="5449544" y="2791266"/>
+            <a:ext cx="490608" cy="192360"/>
           </a:xfrm>
           <a:prstGeom prst="rect">
             <a:avLst/>
@@ -15564,7 +15459,7 @@
           <a:p>
             <a:r>
               <a:rPr lang="it-IT" sz="650" dirty="0" smtClean="0"/>
-              <a:t>NAME</a:t>
+              <a:t>SESSION</a:t>
             </a:r>
             <a:endParaRPr lang="it-IT" sz="650" dirty="0"/>
           </a:p>
@@ -15572,14 +15467,14 @@
       </p:sp>
       <p:cxnSp>
         <p:nvCxnSpPr>
-          <p:cNvPr id="439" name="Connettore 1 438"/>
+          <p:cNvPr id="451" name="Connettore 1 450"/>
           <p:cNvCxnSpPr/>
           <p:nvPr/>
         </p:nvCxnSpPr>
         <p:spPr>
           <a:xfrm>
-            <a:off x="3419872" y="3939902"/>
-            <a:ext cx="72008" cy="144016"/>
+            <a:off x="728018" y="2745864"/>
+            <a:ext cx="0" cy="144016"/>
           </a:xfrm>
           <a:prstGeom prst="line">
             <a:avLst/>
@@ -15607,13 +15502,13 @@
       </p:cxnSp>
       <p:sp>
         <p:nvSpPr>
-          <p:cNvPr id="442" name="Ovale 441"/>
+          <p:cNvPr id="452" name="Ovale 451"/>
           <p:cNvSpPr/>
           <p:nvPr/>
         </p:nvSpPr>
         <p:spPr>
           <a:xfrm rot="5400000" flipH="1">
-            <a:off x="3454296" y="4058890"/>
+            <a:off x="687760" y="2870830"/>
             <a:ext cx="72008" cy="72008"/>
           </a:xfrm>
           <a:prstGeom prst="ellipse">
@@ -15655,14 +15550,14 @@
       </p:sp>
       <p:sp>
         <p:nvSpPr>
-          <p:cNvPr id="443" name="CasellaDiTesto 442"/>
+          <p:cNvPr id="453" name="CasellaDiTesto 452"/>
           <p:cNvSpPr txBox="1"/>
           <p:nvPr/>
         </p:nvSpPr>
         <p:spPr>
           <a:xfrm>
-            <a:off x="3360364" y="4102710"/>
-            <a:ext cx="592956" cy="192360"/>
+            <a:off x="539552" y="2908930"/>
+            <a:ext cx="692522" cy="192360"/>
           </a:xfrm>
           <a:prstGeom prst="rect">
             <a:avLst/>
@@ -15677,7 +15572,350 @@
           <a:p>
             <a:r>
               <a:rPr lang="it-IT" sz="650" dirty="0" smtClean="0"/>
-              <a:t>REGION</a:t>
+              <a:t>FOUND</a:t>
+            </a:r>
+            <a:endParaRPr lang="it-IT" sz="650" dirty="0"/>
+          </a:p>
+        </p:txBody>
+      </p:sp>
+      <p:cxnSp>
+        <p:nvCxnSpPr>
+          <p:cNvPr id="454" name="Connettore 1 453"/>
+          <p:cNvCxnSpPr/>
+          <p:nvPr/>
+        </p:nvCxnSpPr>
+        <p:spPr>
+          <a:xfrm>
+            <a:off x="1187624" y="411510"/>
+            <a:ext cx="144016" cy="144016"/>
+          </a:xfrm>
+          <a:prstGeom prst="line">
+            <a:avLst/>
+          </a:prstGeom>
+          <a:ln>
+            <a:solidFill>
+              <a:schemeClr val="tx1"/>
+            </a:solidFill>
+          </a:ln>
+        </p:spPr>
+        <p:style>
+          <a:lnRef idx="1">
+            <a:schemeClr val="accent1"/>
+          </a:lnRef>
+          <a:fillRef idx="0">
+            <a:schemeClr val="accent1"/>
+          </a:fillRef>
+          <a:effectRef idx="0">
+            <a:schemeClr val="accent1"/>
+          </a:effectRef>
+          <a:fontRef idx="minor">
+            <a:schemeClr val="tx1"/>
+          </a:fontRef>
+        </p:style>
+      </p:cxnSp>
+      <p:sp>
+        <p:nvSpPr>
+          <p:cNvPr id="457" name="Ovale 456"/>
+          <p:cNvSpPr/>
+          <p:nvPr/>
+        </p:nvSpPr>
+        <p:spPr>
+          <a:xfrm rot="5400000" flipH="1">
+            <a:off x="1321978" y="547059"/>
+            <a:ext cx="72008" cy="72008"/>
+          </a:xfrm>
+          <a:prstGeom prst="ellipse">
+            <a:avLst/>
+          </a:prstGeom>
+          <a:solidFill>
+            <a:schemeClr val="bg1"/>
+          </a:solidFill>
+          <a:ln w="12700">
+            <a:solidFill>
+              <a:schemeClr val="tx1"/>
+            </a:solidFill>
+          </a:ln>
+        </p:spPr>
+        <p:style>
+          <a:lnRef idx="2">
+            <a:schemeClr val="accent1">
+              <a:shade val="50000"/>
+            </a:schemeClr>
+          </a:lnRef>
+          <a:fillRef idx="1">
+            <a:schemeClr val="accent1"/>
+          </a:fillRef>
+          <a:effectRef idx="0">
+            <a:schemeClr val="accent1"/>
+          </a:effectRef>
+          <a:fontRef idx="minor">
+            <a:schemeClr val="lt1"/>
+          </a:fontRef>
+        </p:style>
+        <p:txBody>
+          <a:bodyPr rtlCol="0" anchor="ctr"/>
+          <a:lstStyle/>
+          <a:p>
+            <a:pPr algn="ctr"/>
+            <a:endParaRPr lang="it-IT" dirty="0" smtClean="0"/>
+          </a:p>
+          <a:p>
+            <a:pPr algn="ctr"/>
+            <a:endParaRPr lang="it-IT" dirty="0"/>
+          </a:p>
+        </p:txBody>
+      </p:sp>
+      <p:sp>
+        <p:nvSpPr>
+          <p:cNvPr id="458" name="CasellaDiTesto 457"/>
+          <p:cNvSpPr txBox="1"/>
+          <p:nvPr/>
+        </p:nvSpPr>
+        <p:spPr>
+          <a:xfrm>
+            <a:off x="1240200" y="593626"/>
+            <a:ext cx="423272" cy="192360"/>
+          </a:xfrm>
+          <a:prstGeom prst="rect">
+            <a:avLst/>
+          </a:prstGeom>
+          <a:noFill/>
+        </p:spPr>
+        <p:txBody>
+          <a:bodyPr wrap="square" rtlCol="0">
+            <a:spAutoFit/>
+          </a:bodyPr>
+          <a:lstStyle/>
+          <a:p>
+            <a:r>
+              <a:rPr lang="it-IT" sz="650" dirty="0" smtClean="0"/>
+              <a:t>NAME</a:t>
+            </a:r>
+            <a:endParaRPr lang="it-IT" sz="650" dirty="0"/>
+          </a:p>
+        </p:txBody>
+      </p:sp>
+      <p:cxnSp>
+        <p:nvCxnSpPr>
+          <p:cNvPr id="459" name="Connettore 1 458"/>
+          <p:cNvCxnSpPr/>
+          <p:nvPr/>
+        </p:nvCxnSpPr>
+        <p:spPr>
+          <a:xfrm>
+            <a:off x="6660232" y="1131590"/>
+            <a:ext cx="144016" cy="144016"/>
+          </a:xfrm>
+          <a:prstGeom prst="line">
+            <a:avLst/>
+          </a:prstGeom>
+          <a:ln>
+            <a:solidFill>
+              <a:schemeClr val="tx1"/>
+            </a:solidFill>
+          </a:ln>
+        </p:spPr>
+        <p:style>
+          <a:lnRef idx="1">
+            <a:schemeClr val="accent1"/>
+          </a:lnRef>
+          <a:fillRef idx="0">
+            <a:schemeClr val="accent1"/>
+          </a:fillRef>
+          <a:effectRef idx="0">
+            <a:schemeClr val="accent1"/>
+          </a:effectRef>
+          <a:fontRef idx="minor">
+            <a:schemeClr val="tx1"/>
+          </a:fontRef>
+        </p:style>
+      </p:cxnSp>
+      <p:sp>
+        <p:nvSpPr>
+          <p:cNvPr id="462" name="Ovale 461"/>
+          <p:cNvSpPr/>
+          <p:nvPr/>
+        </p:nvSpPr>
+        <p:spPr>
+          <a:xfrm rot="5400000" flipH="1">
+            <a:off x="6644992" y="1085870"/>
+            <a:ext cx="72008" cy="72008"/>
+          </a:xfrm>
+          <a:prstGeom prst="ellipse">
+            <a:avLst/>
+          </a:prstGeom>
+          <a:solidFill>
+            <a:schemeClr val="bg1"/>
+          </a:solidFill>
+          <a:ln w="12700">
+            <a:solidFill>
+              <a:schemeClr val="tx1"/>
+            </a:solidFill>
+          </a:ln>
+        </p:spPr>
+        <p:style>
+          <a:lnRef idx="2">
+            <a:schemeClr val="accent1">
+              <a:shade val="50000"/>
+            </a:schemeClr>
+          </a:lnRef>
+          <a:fillRef idx="1">
+            <a:schemeClr val="accent1"/>
+          </a:fillRef>
+          <a:effectRef idx="0">
+            <a:schemeClr val="accent1"/>
+          </a:effectRef>
+          <a:fontRef idx="minor">
+            <a:schemeClr val="lt1"/>
+          </a:fontRef>
+        </p:style>
+        <p:txBody>
+          <a:bodyPr rtlCol="0" anchor="ctr"/>
+          <a:lstStyle/>
+          <a:p>
+            <a:pPr algn="ctr"/>
+            <a:endParaRPr lang="it-IT" dirty="0"/>
+          </a:p>
+        </p:txBody>
+      </p:sp>
+      <p:sp>
+        <p:nvSpPr>
+          <p:cNvPr id="463" name="CasellaDiTesto 462"/>
+          <p:cNvSpPr txBox="1"/>
+          <p:nvPr/>
+        </p:nvSpPr>
+        <p:spPr>
+          <a:xfrm>
+            <a:off x="6444208" y="930042"/>
+            <a:ext cx="448940" cy="192360"/>
+          </a:xfrm>
+          <a:prstGeom prst="rect">
+            <a:avLst/>
+          </a:prstGeom>
+          <a:noFill/>
+        </p:spPr>
+        <p:txBody>
+          <a:bodyPr wrap="square" rtlCol="0">
+            <a:spAutoFit/>
+          </a:bodyPr>
+          <a:lstStyle/>
+          <a:p>
+            <a:r>
+              <a:rPr lang="it-IT" sz="650" dirty="0" smtClean="0"/>
+              <a:t>NAME</a:t>
+            </a:r>
+            <a:endParaRPr lang="it-IT" sz="650" dirty="0"/>
+          </a:p>
+        </p:txBody>
+      </p:sp>
+      <p:cxnSp>
+        <p:nvCxnSpPr>
+          <p:cNvPr id="466" name="Connettore 1 465"/>
+          <p:cNvCxnSpPr/>
+          <p:nvPr/>
+        </p:nvCxnSpPr>
+        <p:spPr>
+          <a:xfrm>
+            <a:off x="3419872" y="3939902"/>
+            <a:ext cx="216024" cy="72008"/>
+          </a:xfrm>
+          <a:prstGeom prst="line">
+            <a:avLst/>
+          </a:prstGeom>
+          <a:ln>
+            <a:solidFill>
+              <a:schemeClr val="tx1"/>
+            </a:solidFill>
+          </a:ln>
+        </p:spPr>
+        <p:style>
+          <a:lnRef idx="1">
+            <a:schemeClr val="accent1"/>
+          </a:lnRef>
+          <a:fillRef idx="0">
+            <a:schemeClr val="accent1"/>
+          </a:fillRef>
+          <a:effectRef idx="0">
+            <a:schemeClr val="accent1"/>
+          </a:effectRef>
+          <a:fontRef idx="minor">
+            <a:schemeClr val="tx1"/>
+          </a:fontRef>
+        </p:style>
+      </p:cxnSp>
+      <p:sp>
+        <p:nvSpPr>
+          <p:cNvPr id="469" name="Ovale 468"/>
+          <p:cNvSpPr/>
+          <p:nvPr/>
+        </p:nvSpPr>
+        <p:spPr>
+          <a:xfrm rot="5400000" flipH="1">
+            <a:off x="3620656" y="3978002"/>
+            <a:ext cx="72008" cy="72008"/>
+          </a:xfrm>
+          <a:prstGeom prst="ellipse">
+            <a:avLst/>
+          </a:prstGeom>
+          <a:solidFill>
+            <a:schemeClr val="bg1"/>
+          </a:solidFill>
+          <a:ln w="12700">
+            <a:solidFill>
+              <a:schemeClr val="tx1"/>
+            </a:solidFill>
+          </a:ln>
+        </p:spPr>
+        <p:style>
+          <a:lnRef idx="2">
+            <a:schemeClr val="accent1">
+              <a:shade val="50000"/>
+            </a:schemeClr>
+          </a:lnRef>
+          <a:fillRef idx="1">
+            <a:schemeClr val="accent1"/>
+          </a:fillRef>
+          <a:effectRef idx="0">
+            <a:schemeClr val="accent1"/>
+          </a:effectRef>
+          <a:fontRef idx="minor">
+            <a:schemeClr val="lt1"/>
+          </a:fontRef>
+        </p:style>
+        <p:txBody>
+          <a:bodyPr rtlCol="0" anchor="ctr"/>
+          <a:lstStyle/>
+          <a:p>
+            <a:pPr algn="ctr"/>
+            <a:endParaRPr lang="it-IT" dirty="0"/>
+          </a:p>
+        </p:txBody>
+      </p:sp>
+      <p:sp>
+        <p:nvSpPr>
+          <p:cNvPr id="470" name="CasellaDiTesto 469"/>
+          <p:cNvSpPr txBox="1"/>
+          <p:nvPr/>
+        </p:nvSpPr>
+        <p:spPr>
+          <a:xfrm>
+            <a:off x="3639324" y="3917042"/>
+            <a:ext cx="592956" cy="192360"/>
+          </a:xfrm>
+          <a:prstGeom prst="rect">
+            <a:avLst/>
+          </a:prstGeom>
+          <a:noFill/>
+        </p:spPr>
+        <p:txBody>
+          <a:bodyPr wrap="square" rtlCol="0">
+            <a:spAutoFit/>
+          </a:bodyPr>
+          <a:lstStyle/>
+          <a:p>
+            <a:r>
+              <a:rPr lang="it-IT" sz="650" dirty="0" smtClean="0"/>
+              <a:t>LATITUDE</a:t>
             </a:r>
             <a:endParaRPr lang="it-IT" sz="650" dirty="0"/>
           </a:p>
